--- a/docs/poster/Eclipse SDV Hackathon_Maestro_Challenge.pptx
+++ b/docs/poster/Eclipse SDV Hackathon_Maestro_Challenge.pptx
@@ -4508,8 +4508,8 @@
         </p:nvSpPr>
         <p:spPr>
           <a:xfrm>
-            <a:off x="6207406" y="2151666"/>
-            <a:ext cx="5038663" cy="2178788"/>
+            <a:off x="6090968" y="2102995"/>
+            <a:ext cx="5038663" cy="1459086"/>
           </a:xfrm>
           <a:prstGeom prst="rect">
             <a:avLst/>
@@ -4517,7 +4517,7 @@
         </p:spPr>
         <p:txBody>
           <a:bodyPr vert="horz" lIns="91440" tIns="45720" rIns="91440" bIns="45720" rtlCol="0">
-            <a:normAutofit lnSpcReduction="10000"/>
+            <a:normAutofit fontScale="92500"/>
           </a:bodyPr>
           <a:lstStyle/>
           <a:p>
@@ -4534,9 +4534,7 @@
                 <a:solidFill>
                   <a:schemeClr val="tx1"/>
                 </a:solidFill>
-                <a:latin typeface="+mn-lt"/>
-                <a:ea typeface="+mn-ea"/>
-                <a:cs typeface="+mn-cs"/>
+                <a:latin typeface="Aptos Narrow" panose="020B0004020202020204" pitchFamily="34" charset="0"/>
               </a:rPr>
               <a:t>Imagine yourself as the </a:t>
             </a:r>
@@ -4545,9 +4543,7 @@
                 <a:solidFill>
                   <a:schemeClr val="tx1"/>
                 </a:solidFill>
-                <a:latin typeface="+mn-lt"/>
-                <a:ea typeface="+mn-ea"/>
-                <a:cs typeface="+mn-cs"/>
+                <a:latin typeface="Aptos Narrow" panose="020B0004020202020204" pitchFamily="34" charset="0"/>
               </a:rPr>
               <a:t>maestro</a:t>
             </a:r>
@@ -4556,36 +4552,10 @@
                 <a:solidFill>
                   <a:schemeClr val="tx1"/>
                 </a:solidFill>
-                <a:latin typeface="+mn-lt"/>
-                <a:ea typeface="+mn-ea"/>
-                <a:cs typeface="+mn-cs"/>
+                <a:latin typeface="Aptos Narrow" panose="020B0004020202020204" pitchFamily="34" charset="0"/>
               </a:rPr>
               <a:t>. You are not just writing code. You are composing a masterpiece that will drive the future of transportation. Your work will ensure that every component, from the engine control unit to the infotainment system, works in perfect harmony. So, step up to the podium, take a deep breath, and let your creativity flow. </a:t>
             </a:r>
-          </a:p>
-          <a:p>
-            <a:pPr algn="ctr" defTabSz="786384">
-              <a:lnSpc>
-                <a:spcPct val="90000"/>
-              </a:lnSpc>
-              <a:spcAft>
-                <a:spcPts val="516"/>
-              </a:spcAft>
-            </a:pPr>
-            <a:r>
-              <a:rPr lang="en-US" sz="1720" kern="1200" dirty="0">
-                <a:solidFill>
-                  <a:schemeClr val="tx1"/>
-                </a:solidFill>
-                <a:latin typeface="+mn-lt"/>
-                <a:ea typeface="+mn-ea"/>
-                <a:cs typeface="+mn-cs"/>
-              </a:rPr>
-              <a:t>The stage is set for you to become the maestro of in-vehicle software 🚗💻🎶.</a:t>
-            </a:r>
-            <a:endParaRPr lang="en-US" sz="2000" b="0" i="0" dirty="0">
-              <a:effectLst/>
-            </a:endParaRPr>
           </a:p>
         </p:txBody>
       </p:sp>
@@ -4611,8 +4581,8 @@
         </p:blipFill>
         <p:spPr>
           <a:xfrm>
-            <a:off x="5572966" y="4411307"/>
-            <a:ext cx="1617366" cy="1617367"/>
+            <a:off x="5775427" y="4360091"/>
+            <a:ext cx="1447365" cy="1447366"/>
           </a:xfrm>
           <a:prstGeom prst="rect">
             <a:avLst/>
@@ -4682,8 +4652,8 @@
         </p:nvSpPr>
         <p:spPr>
           <a:xfrm>
-            <a:off x="4768515" y="613914"/>
-            <a:ext cx="6174120" cy="1255728"/>
+            <a:off x="5214824" y="581690"/>
+            <a:ext cx="6174120" cy="867930"/>
           </a:xfrm>
           <a:prstGeom prst="rect">
             <a:avLst/>
@@ -4706,74 +4676,494 @@
             </a:pPr>
             <a:r>
               <a:rPr lang="en-US" sz="2800" b="1" i="0" dirty="0">
+                <a:solidFill>
+                  <a:schemeClr val="accent1">
+                    <a:lumMod val="75000"/>
+                  </a:schemeClr>
+                </a:solidFill>
                 <a:effectLst/>
+                <a:latin typeface="Aptos Narrow" panose="020B0004020202020204" pitchFamily="34" charset="0"/>
               </a:rPr>
-              <a:t>Do you want to be the next maestro of the next generation of vehicle software? The time is now!</a:t>
-            </a:r>
-            <a:endParaRPr lang="en-US" sz="2800" dirty="0"/>
-          </a:p>
-        </p:txBody>
-      </p:sp>
-      <p:pic>
-        <p:nvPicPr>
-          <p:cNvPr id="14" name="Picture 13" descr="A computer screen shot of a diagram&#10;&#10;Description automatically generated">
-            <a:extLst>
-              <a:ext uri="{FF2B5EF4-FFF2-40B4-BE49-F238E27FC236}">
-                <a16:creationId xmlns:a16="http://schemas.microsoft.com/office/drawing/2014/main" id="{7E18524E-EF1E-1EB7-6DF3-B848EBFDFCE6}"/>
-              </a:ext>
-            </a:extLst>
-          </p:cNvPr>
-          <p:cNvPicPr>
-            <a:picLocks noChangeAspect="1"/>
-          </p:cNvPicPr>
+              <a:t>Do you want to be the next maestro of the next generation of vehicle software? </a:t>
+            </a:r>
+          </a:p>
+        </p:txBody>
+      </p:sp>
+      <p:grpSp>
+        <p:nvGrpSpPr>
+          <p:cNvPr id="25" name="Group 24">
+            <a:extLst>
+              <a:ext uri="{FF2B5EF4-FFF2-40B4-BE49-F238E27FC236}">
+                <a16:creationId xmlns:a16="http://schemas.microsoft.com/office/drawing/2014/main" id="{A2651703-57DA-391C-9B61-545EE59F3CE0}"/>
+              </a:ext>
+            </a:extLst>
+          </p:cNvPr>
+          <p:cNvGrpSpPr/>
           <p:nvPr/>
-        </p:nvPicPr>
-        <p:blipFill>
-          <a:blip r:embed="rId5"/>
-          <a:stretch>
-            <a:fillRect/>
-          </a:stretch>
-        </p:blipFill>
+        </p:nvGrpSpPr>
+        <p:grpSpPr>
+          <a:xfrm>
+            <a:off x="7396813" y="4481414"/>
+            <a:ext cx="3269452" cy="867475"/>
+            <a:chOff x="7405351" y="4481414"/>
+            <a:chExt cx="3269452" cy="867475"/>
+          </a:xfrm>
+        </p:grpSpPr>
+        <p:pic>
+          <p:nvPicPr>
+            <p:cNvPr id="14" name="Picture 13" descr="A computer screen shot of a diagram&#10;&#10;Description automatically generated">
+              <a:extLst>
+                <a:ext uri="{FF2B5EF4-FFF2-40B4-BE49-F238E27FC236}">
+                  <a16:creationId xmlns:a16="http://schemas.microsoft.com/office/drawing/2014/main" id="{7E18524E-EF1E-1EB7-6DF3-B848EBFDFCE6}"/>
+                </a:ext>
+              </a:extLst>
+            </p:cNvPr>
+            <p:cNvPicPr>
+              <a:picLocks noChangeAspect="1"/>
+            </p:cNvPicPr>
+            <p:nvPr/>
+          </p:nvPicPr>
+          <p:blipFill>
+            <a:blip r:embed="rId5"/>
+            <a:stretch>
+              <a:fillRect/>
+            </a:stretch>
+          </p:blipFill>
+          <p:spPr>
+            <a:xfrm>
+              <a:off x="7405351" y="4489877"/>
+              <a:ext cx="1527652" cy="834619"/>
+            </a:xfrm>
+            <a:prstGeom prst="rect">
+              <a:avLst/>
+            </a:prstGeom>
+          </p:spPr>
+        </p:pic>
+        <p:pic>
+          <p:nvPicPr>
+            <p:cNvPr id="17" name="Picture 16" descr="A computer screen shot of a diagram&#10;&#10;Description automatically generated">
+              <a:extLst>
+                <a:ext uri="{FF2B5EF4-FFF2-40B4-BE49-F238E27FC236}">
+                  <a16:creationId xmlns:a16="http://schemas.microsoft.com/office/drawing/2014/main" id="{FA693BFA-D0C6-A6D1-A517-0CAA72142D44}"/>
+                </a:ext>
+              </a:extLst>
+            </p:cNvPr>
+            <p:cNvPicPr>
+              <a:picLocks noChangeAspect="1"/>
+            </p:cNvPicPr>
+            <p:nvPr/>
+          </p:nvPicPr>
+          <p:blipFill>
+            <a:blip r:embed="rId6"/>
+            <a:stretch>
+              <a:fillRect/>
+            </a:stretch>
+          </p:blipFill>
+          <p:spPr>
+            <a:xfrm>
+              <a:off x="9087014" y="4481414"/>
+              <a:ext cx="1587789" cy="867475"/>
+            </a:xfrm>
+            <a:prstGeom prst="rect">
+              <a:avLst/>
+            </a:prstGeom>
+          </p:spPr>
+        </p:pic>
+      </p:grpSp>
+      <p:sp>
+        <p:nvSpPr>
+          <p:cNvPr id="3" name="TextBox 2">
+            <a:extLst>
+              <a:ext uri="{FF2B5EF4-FFF2-40B4-BE49-F238E27FC236}">
+                <a16:creationId xmlns:a16="http://schemas.microsoft.com/office/drawing/2014/main" id="{9075F4BA-352C-175F-C944-EC9814C5B686}"/>
+              </a:ext>
+            </a:extLst>
+          </p:cNvPr>
+          <p:cNvSpPr txBox="1"/>
+          <p:nvPr/>
+        </p:nvSpPr>
         <p:spPr>
           <a:xfrm>
-            <a:off x="7199085" y="4520076"/>
-            <a:ext cx="1527652" cy="834619"/>
+            <a:off x="4679565" y="6000099"/>
+            <a:ext cx="1144042" cy="369332"/>
           </a:xfrm>
           <a:prstGeom prst="rect">
             <a:avLst/>
           </a:prstGeom>
+          <a:noFill/>
         </p:spPr>
-      </p:pic>
-      <p:pic>
-        <p:nvPicPr>
-          <p:cNvPr id="17" name="Picture 16" descr="A computer screen shot of a diagram&#10;&#10;Description automatically generated">
-            <a:extLst>
-              <a:ext uri="{FF2B5EF4-FFF2-40B4-BE49-F238E27FC236}">
-                <a16:creationId xmlns:a16="http://schemas.microsoft.com/office/drawing/2014/main" id="{FA693BFA-D0C6-A6D1-A517-0CAA72142D44}"/>
-              </a:ext>
-            </a:extLst>
-          </p:cNvPr>
-          <p:cNvPicPr>
-            <a:picLocks noChangeAspect="1"/>
-          </p:cNvPicPr>
+        <p:txBody>
+          <a:bodyPr wrap="square">
+            <a:spAutoFit/>
+          </a:bodyPr>
+          <a:lstStyle/>
+          <a:p>
+            <a:pPr algn="ctr"/>
+            <a:r>
+              <a:rPr lang="en-US" sz="1800" kern="1200" dirty="0">
+                <a:solidFill>
+                  <a:schemeClr val="tx1"/>
+                </a:solidFill>
+                <a:latin typeface="+mn-lt"/>
+                <a:ea typeface="+mn-ea"/>
+                <a:cs typeface="+mn-cs"/>
+              </a:rPr>
+              <a:t>🚗💻🎶</a:t>
+            </a:r>
+            <a:endParaRPr lang="en-US" dirty="0"/>
+          </a:p>
+        </p:txBody>
+      </p:sp>
+      <p:sp>
+        <p:nvSpPr>
+          <p:cNvPr id="4" name="TextBox 3">
+            <a:extLst>
+              <a:ext uri="{FF2B5EF4-FFF2-40B4-BE49-F238E27FC236}">
+                <a16:creationId xmlns:a16="http://schemas.microsoft.com/office/drawing/2014/main" id="{EE15596F-6903-9E64-6C24-ACEED4D9B896}"/>
+              </a:ext>
+            </a:extLst>
+          </p:cNvPr>
+          <p:cNvSpPr txBox="1"/>
           <p:nvPr/>
-        </p:nvPicPr>
-        <p:blipFill>
-          <a:blip r:embed="rId6"/>
-          <a:stretch>
-            <a:fillRect/>
-          </a:stretch>
-        </p:blipFill>
+        </p:nvSpPr>
         <p:spPr>
           <a:xfrm>
-            <a:off x="9086041" y="4532599"/>
-            <a:ext cx="1652452" cy="902803"/>
+            <a:off x="5768332" y="6000099"/>
+            <a:ext cx="1144042" cy="369332"/>
           </a:xfrm>
           <a:prstGeom prst="rect">
             <a:avLst/>
           </a:prstGeom>
+          <a:noFill/>
         </p:spPr>
-      </p:pic>
+        <p:txBody>
+          <a:bodyPr wrap="square">
+            <a:spAutoFit/>
+          </a:bodyPr>
+          <a:lstStyle/>
+          <a:p>
+            <a:pPr algn="ctr"/>
+            <a:r>
+              <a:rPr lang="en-US" sz="1800" kern="1200" dirty="0">
+                <a:solidFill>
+                  <a:schemeClr val="tx1"/>
+                </a:solidFill>
+                <a:latin typeface="+mn-lt"/>
+                <a:ea typeface="+mn-ea"/>
+                <a:cs typeface="+mn-cs"/>
+              </a:rPr>
+              <a:t>🚗💻🎶</a:t>
+            </a:r>
+            <a:endParaRPr lang="en-US" dirty="0"/>
+          </a:p>
+        </p:txBody>
+      </p:sp>
+      <p:sp>
+        <p:nvSpPr>
+          <p:cNvPr id="7" name="TextBox 6">
+            <a:extLst>
+              <a:ext uri="{FF2B5EF4-FFF2-40B4-BE49-F238E27FC236}">
+                <a16:creationId xmlns:a16="http://schemas.microsoft.com/office/drawing/2014/main" id="{73D53FFB-BE99-312B-DE31-D734BFCB396E}"/>
+              </a:ext>
+            </a:extLst>
+          </p:cNvPr>
+          <p:cNvSpPr txBox="1"/>
+          <p:nvPr/>
+        </p:nvSpPr>
+        <p:spPr>
+          <a:xfrm>
+            <a:off x="6857099" y="6000099"/>
+            <a:ext cx="1144042" cy="369332"/>
+          </a:xfrm>
+          <a:prstGeom prst="rect">
+            <a:avLst/>
+          </a:prstGeom>
+          <a:noFill/>
+        </p:spPr>
+        <p:txBody>
+          <a:bodyPr wrap="square">
+            <a:spAutoFit/>
+          </a:bodyPr>
+          <a:lstStyle/>
+          <a:p>
+            <a:pPr algn="ctr"/>
+            <a:r>
+              <a:rPr lang="en-US" sz="1800" kern="1200" dirty="0">
+                <a:solidFill>
+                  <a:schemeClr val="tx1"/>
+                </a:solidFill>
+                <a:latin typeface="+mn-lt"/>
+                <a:ea typeface="+mn-ea"/>
+                <a:cs typeface="+mn-cs"/>
+              </a:rPr>
+              <a:t>🚗💻🎶</a:t>
+            </a:r>
+            <a:endParaRPr lang="en-US" dirty="0"/>
+          </a:p>
+        </p:txBody>
+      </p:sp>
+      <p:sp>
+        <p:nvSpPr>
+          <p:cNvPr id="9" name="TextBox 8">
+            <a:extLst>
+              <a:ext uri="{FF2B5EF4-FFF2-40B4-BE49-F238E27FC236}">
+                <a16:creationId xmlns:a16="http://schemas.microsoft.com/office/drawing/2014/main" id="{FCF4888C-469E-B41D-6F4F-A89BFD327279}"/>
+              </a:ext>
+            </a:extLst>
+          </p:cNvPr>
+          <p:cNvSpPr txBox="1"/>
+          <p:nvPr/>
+        </p:nvSpPr>
+        <p:spPr>
+          <a:xfrm>
+            <a:off x="7945866" y="6000099"/>
+            <a:ext cx="1144042" cy="369332"/>
+          </a:xfrm>
+          <a:prstGeom prst="rect">
+            <a:avLst/>
+          </a:prstGeom>
+          <a:noFill/>
+        </p:spPr>
+        <p:txBody>
+          <a:bodyPr wrap="square">
+            <a:spAutoFit/>
+          </a:bodyPr>
+          <a:lstStyle/>
+          <a:p>
+            <a:pPr algn="ctr"/>
+            <a:r>
+              <a:rPr lang="en-US" sz="1800" kern="1200" dirty="0">
+                <a:solidFill>
+                  <a:schemeClr val="tx1"/>
+                </a:solidFill>
+                <a:latin typeface="+mn-lt"/>
+                <a:ea typeface="+mn-ea"/>
+                <a:cs typeface="+mn-cs"/>
+              </a:rPr>
+              <a:t>🚗💻🎶</a:t>
+            </a:r>
+            <a:endParaRPr lang="en-US" dirty="0"/>
+          </a:p>
+        </p:txBody>
+      </p:sp>
+      <p:sp>
+        <p:nvSpPr>
+          <p:cNvPr id="13" name="TextBox 12">
+            <a:extLst>
+              <a:ext uri="{FF2B5EF4-FFF2-40B4-BE49-F238E27FC236}">
+                <a16:creationId xmlns:a16="http://schemas.microsoft.com/office/drawing/2014/main" id="{99424276-1E09-10A6-23E8-EF5463F1153F}"/>
+              </a:ext>
+            </a:extLst>
+          </p:cNvPr>
+          <p:cNvSpPr txBox="1"/>
+          <p:nvPr/>
+        </p:nvSpPr>
+        <p:spPr>
+          <a:xfrm>
+            <a:off x="9034633" y="6000099"/>
+            <a:ext cx="1144042" cy="369332"/>
+          </a:xfrm>
+          <a:prstGeom prst="rect">
+            <a:avLst/>
+          </a:prstGeom>
+          <a:noFill/>
+        </p:spPr>
+        <p:txBody>
+          <a:bodyPr wrap="square">
+            <a:spAutoFit/>
+          </a:bodyPr>
+          <a:lstStyle/>
+          <a:p>
+            <a:pPr algn="ctr"/>
+            <a:r>
+              <a:rPr lang="en-US" sz="1800" kern="1200" dirty="0">
+                <a:solidFill>
+                  <a:schemeClr val="tx1"/>
+                </a:solidFill>
+                <a:latin typeface="+mn-lt"/>
+                <a:ea typeface="+mn-ea"/>
+                <a:cs typeface="+mn-cs"/>
+              </a:rPr>
+              <a:t>🚗💻🎶</a:t>
+            </a:r>
+            <a:endParaRPr lang="en-US" dirty="0"/>
+          </a:p>
+        </p:txBody>
+      </p:sp>
+      <p:sp>
+        <p:nvSpPr>
+          <p:cNvPr id="15" name="TextBox 14">
+            <a:extLst>
+              <a:ext uri="{FF2B5EF4-FFF2-40B4-BE49-F238E27FC236}">
+                <a16:creationId xmlns:a16="http://schemas.microsoft.com/office/drawing/2014/main" id="{173A3538-0307-F092-278E-7699F1B2844D}"/>
+              </a:ext>
+            </a:extLst>
+          </p:cNvPr>
+          <p:cNvSpPr txBox="1"/>
+          <p:nvPr/>
+        </p:nvSpPr>
+        <p:spPr>
+          <a:xfrm>
+            <a:off x="10123400" y="6000099"/>
+            <a:ext cx="1144042" cy="369332"/>
+          </a:xfrm>
+          <a:prstGeom prst="rect">
+            <a:avLst/>
+          </a:prstGeom>
+          <a:noFill/>
+        </p:spPr>
+        <p:txBody>
+          <a:bodyPr wrap="square">
+            <a:spAutoFit/>
+          </a:bodyPr>
+          <a:lstStyle/>
+          <a:p>
+            <a:pPr algn="ctr"/>
+            <a:r>
+              <a:rPr lang="en-US" sz="1800" kern="1200" dirty="0">
+                <a:solidFill>
+                  <a:schemeClr val="tx1"/>
+                </a:solidFill>
+                <a:latin typeface="+mn-lt"/>
+                <a:ea typeface="+mn-ea"/>
+                <a:cs typeface="+mn-cs"/>
+              </a:rPr>
+              <a:t>🚗💻🎶</a:t>
+            </a:r>
+            <a:endParaRPr lang="en-US" dirty="0"/>
+          </a:p>
+        </p:txBody>
+      </p:sp>
+      <p:sp>
+        <p:nvSpPr>
+          <p:cNvPr id="21" name="TextBox 20">
+            <a:extLst>
+              <a:ext uri="{FF2B5EF4-FFF2-40B4-BE49-F238E27FC236}">
+                <a16:creationId xmlns:a16="http://schemas.microsoft.com/office/drawing/2014/main" id="{475C1B1B-E03D-12E1-7B6E-19D0A8F518D1}"/>
+              </a:ext>
+            </a:extLst>
+          </p:cNvPr>
+          <p:cNvSpPr txBox="1"/>
+          <p:nvPr/>
+        </p:nvSpPr>
+        <p:spPr>
+          <a:xfrm>
+            <a:off x="5959795" y="3569830"/>
+            <a:ext cx="5301009" cy="738151"/>
+          </a:xfrm>
+          <a:prstGeom prst="rect">
+            <a:avLst/>
+          </a:prstGeom>
+          <a:noFill/>
+        </p:spPr>
+        <p:txBody>
+          <a:bodyPr wrap="square">
+            <a:spAutoFit/>
+          </a:bodyPr>
+          <a:lstStyle/>
+          <a:p>
+            <a:pPr algn="ctr" defTabSz="786384">
+              <a:lnSpc>
+                <a:spcPct val="90000"/>
+              </a:lnSpc>
+              <a:spcAft>
+                <a:spcPts val="516"/>
+              </a:spcAft>
+            </a:pPr>
+            <a:r>
+              <a:rPr lang="en-US" sz="1800" kern="1200" dirty="0">
+                <a:solidFill>
+                  <a:schemeClr val="accent1">
+                    <a:lumMod val="75000"/>
+                  </a:schemeClr>
+                </a:solidFill>
+                <a:latin typeface="Aptos Narrow" panose="020B0004020202020204" pitchFamily="34" charset="0"/>
+              </a:rPr>
+              <a:t>The stage is set for you to become… </a:t>
+            </a:r>
+          </a:p>
+          <a:p>
+            <a:pPr algn="ctr" defTabSz="786384">
+              <a:lnSpc>
+                <a:spcPct val="90000"/>
+              </a:lnSpc>
+              <a:spcAft>
+                <a:spcPts val="516"/>
+              </a:spcAft>
+            </a:pPr>
+            <a:r>
+              <a:rPr lang="en-US" sz="2400" kern="1200" dirty="0">
+                <a:solidFill>
+                  <a:schemeClr val="accent1">
+                    <a:lumMod val="75000"/>
+                  </a:schemeClr>
+                </a:solidFill>
+                <a:latin typeface="Aptos Narrow" panose="020B0004020202020204" pitchFamily="34" charset="0"/>
+              </a:rPr>
+              <a:t>The maestro of in-vehicle software.</a:t>
+            </a:r>
+            <a:endParaRPr lang="en-US" sz="3200" b="0" i="0" dirty="0">
+              <a:solidFill>
+                <a:schemeClr val="accent1">
+                  <a:lumMod val="75000"/>
+                </a:schemeClr>
+              </a:solidFill>
+              <a:effectLst/>
+              <a:latin typeface="Aptos Narrow" panose="020B0004020202020204" pitchFamily="34" charset="0"/>
+            </a:endParaRPr>
+          </a:p>
+        </p:txBody>
+      </p:sp>
+      <p:sp>
+        <p:nvSpPr>
+          <p:cNvPr id="24" name="TextBox 23">
+            <a:extLst>
+              <a:ext uri="{FF2B5EF4-FFF2-40B4-BE49-F238E27FC236}">
+                <a16:creationId xmlns:a16="http://schemas.microsoft.com/office/drawing/2014/main" id="{7B06C81F-D7C7-17AC-D5FF-FDB9BE91FB4D}"/>
+              </a:ext>
+            </a:extLst>
+          </p:cNvPr>
+          <p:cNvSpPr txBox="1"/>
+          <p:nvPr/>
+        </p:nvSpPr>
+        <p:spPr>
+          <a:xfrm>
+            <a:off x="7392751" y="1553978"/>
+            <a:ext cx="2435097" cy="424732"/>
+          </a:xfrm>
+          <a:prstGeom prst="rect">
+            <a:avLst/>
+          </a:prstGeom>
+          <a:noFill/>
+        </p:spPr>
+        <p:txBody>
+          <a:bodyPr wrap="square">
+            <a:spAutoFit/>
+          </a:bodyPr>
+          <a:lstStyle/>
+          <a:p>
+            <a:pPr algn="ctr">
+              <a:lnSpc>
+                <a:spcPct val="90000"/>
+              </a:lnSpc>
+              <a:spcAft>
+                <a:spcPts val="600"/>
+              </a:spcAft>
+            </a:pPr>
+            <a:r>
+              <a:rPr lang="en-US" sz="2400" dirty="0">
+                <a:solidFill>
+                  <a:schemeClr val="accent1">
+                    <a:lumMod val="75000"/>
+                  </a:schemeClr>
+                </a:solidFill>
+                <a:latin typeface="Aptos Narrow" panose="020B0004020202020204" pitchFamily="34" charset="0"/>
+              </a:rPr>
+              <a:t>The time is now!</a:t>
+            </a:r>
+          </a:p>
+        </p:txBody>
+      </p:sp>
     </p:spTree>
     <p:extLst>
       <p:ext uri="{BB962C8B-B14F-4D97-AF65-F5344CB8AC3E}">

--- a/docs/poster/Eclipse SDV Hackathon_Maestro_Challenge.pptx
+++ b/docs/poster/Eclipse SDV Hackathon_Maestro_Challenge.pptx
@@ -4703,7 +4703,7 @@
         </p:nvGrpSpPr>
         <p:grpSpPr>
           <a:xfrm>
-            <a:off x="7396813" y="4481414"/>
+            <a:off x="7358713" y="4481414"/>
             <a:ext cx="3269452" cy="867475"/>
             <a:chOff x="7405351" y="4481414"/>
             <a:chExt cx="3269452" cy="867475"/>

--- a/docs/poster/Eclipse SDV Hackathon_Maestro_Challenge.pptx
+++ b/docs/poster/Eclipse SDV Hackathon_Maestro_Challenge.pptx
@@ -2,18 +2,21 @@
 <file path=ppt/presentation.xml><?xml version="1.0" encoding="utf-8"?>
 <p:presentation xmlns:a="http://schemas.openxmlformats.org/drawingml/2006/main" xmlns:r="http://schemas.openxmlformats.org/officeDocument/2006/relationships" xmlns:p="http://schemas.openxmlformats.org/presentationml/2006/main" saveSubsetFonts="1" autoCompressPictures="0">
   <p:sldMasterIdLst>
-    <p:sldMasterId id="2147483661" r:id="rId1"/>
+    <p:sldMasterId id="2147483673" r:id="rId1"/>
   </p:sldMasterIdLst>
   <p:sldIdLst>
     <p:sldId id="259" r:id="rId2"/>
+    <p:sldId id="261" r:id="rId3"/>
+    <p:sldId id="260" r:id="rId4"/>
+    <p:sldId id="262" r:id="rId5"/>
   </p:sldIdLst>
-  <p:sldSz cx="12192000" cy="6858000"/>
+  <p:sldSz cx="30267275" cy="42794238"/>
   <p:notesSz cx="6858000" cy="9144000"/>
   <p:defaultTextStyle>
     <a:defPPr>
-      <a:defRPr lang="de-DE"/>
+      <a:defRPr lang="en-US"/>
     </a:defPPr>
-    <a:lvl1pPr marL="0" algn="l" defTabSz="914400" rtl="0" eaLnBrk="1" latinLnBrk="0" hangingPunct="1">
+    <a:lvl1pPr marL="0" algn="l" defTabSz="457200" rtl="0" eaLnBrk="1" latinLnBrk="0" hangingPunct="1">
       <a:defRPr sz="1800" kern="1200">
         <a:solidFill>
           <a:schemeClr val="tx1"/>
@@ -23,7 +26,7 @@
         <a:cs typeface="+mn-cs"/>
       </a:defRPr>
     </a:lvl1pPr>
-    <a:lvl2pPr marL="457200" algn="l" defTabSz="914400" rtl="0" eaLnBrk="1" latinLnBrk="0" hangingPunct="1">
+    <a:lvl2pPr marL="457200" algn="l" defTabSz="457200" rtl="0" eaLnBrk="1" latinLnBrk="0" hangingPunct="1">
       <a:defRPr sz="1800" kern="1200">
         <a:solidFill>
           <a:schemeClr val="tx1"/>
@@ -33,7 +36,7 @@
         <a:cs typeface="+mn-cs"/>
       </a:defRPr>
     </a:lvl2pPr>
-    <a:lvl3pPr marL="914400" algn="l" defTabSz="914400" rtl="0" eaLnBrk="1" latinLnBrk="0" hangingPunct="1">
+    <a:lvl3pPr marL="914400" algn="l" defTabSz="457200" rtl="0" eaLnBrk="1" latinLnBrk="0" hangingPunct="1">
       <a:defRPr sz="1800" kern="1200">
         <a:solidFill>
           <a:schemeClr val="tx1"/>
@@ -43,7 +46,7 @@
         <a:cs typeface="+mn-cs"/>
       </a:defRPr>
     </a:lvl3pPr>
-    <a:lvl4pPr marL="1371600" algn="l" defTabSz="914400" rtl="0" eaLnBrk="1" latinLnBrk="0" hangingPunct="1">
+    <a:lvl4pPr marL="1371600" algn="l" defTabSz="457200" rtl="0" eaLnBrk="1" latinLnBrk="0" hangingPunct="1">
       <a:defRPr sz="1800" kern="1200">
         <a:solidFill>
           <a:schemeClr val="tx1"/>
@@ -53,7 +56,7 @@
         <a:cs typeface="+mn-cs"/>
       </a:defRPr>
     </a:lvl4pPr>
-    <a:lvl5pPr marL="1828800" algn="l" defTabSz="914400" rtl="0" eaLnBrk="1" latinLnBrk="0" hangingPunct="1">
+    <a:lvl5pPr marL="1828800" algn="l" defTabSz="457200" rtl="0" eaLnBrk="1" latinLnBrk="0" hangingPunct="1">
       <a:defRPr sz="1800" kern="1200">
         <a:solidFill>
           <a:schemeClr val="tx1"/>
@@ -63,7 +66,7 @@
         <a:cs typeface="+mn-cs"/>
       </a:defRPr>
     </a:lvl5pPr>
-    <a:lvl6pPr marL="2286000" algn="l" defTabSz="914400" rtl="0" eaLnBrk="1" latinLnBrk="0" hangingPunct="1">
+    <a:lvl6pPr marL="2286000" algn="l" defTabSz="457200" rtl="0" eaLnBrk="1" latinLnBrk="0" hangingPunct="1">
       <a:defRPr sz="1800" kern="1200">
         <a:solidFill>
           <a:schemeClr val="tx1"/>
@@ -73,7 +76,7 @@
         <a:cs typeface="+mn-cs"/>
       </a:defRPr>
     </a:lvl6pPr>
-    <a:lvl7pPr marL="2743200" algn="l" defTabSz="914400" rtl="0" eaLnBrk="1" latinLnBrk="0" hangingPunct="1">
+    <a:lvl7pPr marL="2743200" algn="l" defTabSz="457200" rtl="0" eaLnBrk="1" latinLnBrk="0" hangingPunct="1">
       <a:defRPr sz="1800" kern="1200">
         <a:solidFill>
           <a:schemeClr val="tx1"/>
@@ -83,7 +86,7 @@
         <a:cs typeface="+mn-cs"/>
       </a:defRPr>
     </a:lvl7pPr>
-    <a:lvl8pPr marL="3200400" algn="l" defTabSz="914400" rtl="0" eaLnBrk="1" latinLnBrk="0" hangingPunct="1">
+    <a:lvl8pPr marL="3200400" algn="l" defTabSz="457200" rtl="0" eaLnBrk="1" latinLnBrk="0" hangingPunct="1">
       <a:defRPr sz="1800" kern="1200">
         <a:solidFill>
           <a:schemeClr val="tx1"/>
@@ -93,7 +96,7 @@
         <a:cs typeface="+mn-cs"/>
       </a:defRPr>
     </a:lvl8pPr>
-    <a:lvl9pPr marL="3657600" algn="l" defTabSz="914400" rtl="0" eaLnBrk="1" latinLnBrk="0" hangingPunct="1">
+    <a:lvl9pPr marL="3657600" algn="l" defTabSz="457200" rtl="0" eaLnBrk="1" latinLnBrk="0" hangingPunct="1">
       <a:defRPr sz="1800" kern="1200">
         <a:solidFill>
           <a:schemeClr val="tx1"/>
@@ -534,13 +537,7 @@
       </p:grpSpPr>
       <p:sp>
         <p:nvSpPr>
-          <p:cNvPr id="2" name="Title 1">
-            <a:extLst>
-              <a:ext uri="{FF2B5EF4-FFF2-40B4-BE49-F238E27FC236}">
-                <a16:creationId xmlns:a16="http://schemas.microsoft.com/office/drawing/2014/main" id="{21ECC603-E362-67B1-4611-B1FB3C18DEB6}"/>
-              </a:ext>
-            </a:extLst>
-          </p:cNvPr>
+          <p:cNvPr id="2" name="Title 1"/>
           <p:cNvSpPr>
             <a:spLocks noGrp="1"/>
           </p:cNvSpPr>
@@ -550,15 +547,15 @@
         </p:nvSpPr>
         <p:spPr>
           <a:xfrm>
-            <a:off x="1524000" y="1122363"/>
-            <a:ext cx="9144000" cy="2387600"/>
+            <a:off x="2270046" y="7003597"/>
+            <a:ext cx="25727184" cy="14898735"/>
           </a:xfrm>
         </p:spPr>
         <p:txBody>
           <a:bodyPr anchor="b"/>
           <a:lstStyle>
             <a:lvl1pPr algn="ctr">
-              <a:defRPr sz="6000"/>
+              <a:defRPr sz="19861"/>
             </a:lvl1pPr>
           </a:lstStyle>
           <a:p>
@@ -566,19 +563,13 @@
               <a:rPr lang="en-US"/>
               <a:t>Click to edit Master title style</a:t>
             </a:r>
-            <a:endParaRPr lang="en-GB"/>
-          </a:p>
-        </p:txBody>
-      </p:sp>
-      <p:sp>
-        <p:nvSpPr>
-          <p:cNvPr id="3" name="Subtitle 2">
-            <a:extLst>
-              <a:ext uri="{FF2B5EF4-FFF2-40B4-BE49-F238E27FC236}">
-                <a16:creationId xmlns:a16="http://schemas.microsoft.com/office/drawing/2014/main" id="{1A4CFAF9-8E19-D79B-F1D5-743A090FFBEB}"/>
-              </a:ext>
-            </a:extLst>
-          </p:cNvPr>
+            <a:endParaRPr lang="en-US" dirty="0"/>
+          </a:p>
+        </p:txBody>
+      </p:sp>
+      <p:sp>
+        <p:nvSpPr>
+          <p:cNvPr id="3" name="Subtitle 2"/>
           <p:cNvSpPr>
             <a:spLocks noGrp="1"/>
           </p:cNvSpPr>
@@ -588,8 +579,8 @@
         </p:nvSpPr>
         <p:spPr>
           <a:xfrm>
-            <a:off x="1524000" y="3602038"/>
-            <a:ext cx="9144000" cy="1655762"/>
+            <a:off x="3783410" y="22476884"/>
+            <a:ext cx="22700456" cy="10332032"/>
           </a:xfrm>
         </p:spPr>
         <p:txBody>
@@ -597,39 +588,39 @@
           <a:lstStyle>
             <a:lvl1pPr marL="0" indent="0" algn="ctr">
               <a:buNone/>
-              <a:defRPr sz="2400"/>
+              <a:defRPr sz="7944"/>
             </a:lvl1pPr>
-            <a:lvl2pPr marL="457200" indent="0" algn="ctr">
+            <a:lvl2pPr marL="1513378" indent="0" algn="ctr">
               <a:buNone/>
-              <a:defRPr sz="2000"/>
+              <a:defRPr sz="6620"/>
             </a:lvl2pPr>
-            <a:lvl3pPr marL="914400" indent="0" algn="ctr">
+            <a:lvl3pPr marL="3026755" indent="0" algn="ctr">
               <a:buNone/>
-              <a:defRPr sz="1800"/>
+              <a:defRPr sz="5958"/>
             </a:lvl3pPr>
-            <a:lvl4pPr marL="1371600" indent="0" algn="ctr">
+            <a:lvl4pPr marL="4540133" indent="0" algn="ctr">
               <a:buNone/>
-              <a:defRPr sz="1600"/>
+              <a:defRPr sz="5296"/>
             </a:lvl4pPr>
-            <a:lvl5pPr marL="1828800" indent="0" algn="ctr">
+            <a:lvl5pPr marL="6053511" indent="0" algn="ctr">
               <a:buNone/>
-              <a:defRPr sz="1600"/>
+              <a:defRPr sz="5296"/>
             </a:lvl5pPr>
-            <a:lvl6pPr marL="2286000" indent="0" algn="ctr">
+            <a:lvl6pPr marL="7566889" indent="0" algn="ctr">
               <a:buNone/>
-              <a:defRPr sz="1600"/>
+              <a:defRPr sz="5296"/>
             </a:lvl6pPr>
-            <a:lvl7pPr marL="2743200" indent="0" algn="ctr">
+            <a:lvl7pPr marL="9080266" indent="0" algn="ctr">
               <a:buNone/>
-              <a:defRPr sz="1600"/>
+              <a:defRPr sz="5296"/>
             </a:lvl7pPr>
-            <a:lvl8pPr marL="3200400" indent="0" algn="ctr">
+            <a:lvl8pPr marL="10593644" indent="0" algn="ctr">
               <a:buNone/>
-              <a:defRPr sz="1600"/>
+              <a:defRPr sz="5296"/>
             </a:lvl8pPr>
-            <a:lvl9pPr marL="3657600" indent="0" algn="ctr">
+            <a:lvl9pPr marL="12107022" indent="0" algn="ctr">
               <a:buNone/>
-              <a:defRPr sz="1600"/>
+              <a:defRPr sz="5296"/>
             </a:lvl9pPr>
           </a:lstStyle>
           <a:p>
@@ -637,19 +628,13 @@
               <a:rPr lang="en-US"/>
               <a:t>Click to edit Master subtitle style</a:t>
             </a:r>
-            <a:endParaRPr lang="en-GB"/>
-          </a:p>
-        </p:txBody>
-      </p:sp>
-      <p:sp>
-        <p:nvSpPr>
-          <p:cNvPr id="4" name="Date Placeholder 3">
-            <a:extLst>
-              <a:ext uri="{FF2B5EF4-FFF2-40B4-BE49-F238E27FC236}">
-                <a16:creationId xmlns:a16="http://schemas.microsoft.com/office/drawing/2014/main" id="{F802F9C9-D312-0C5C-035F-954F4EF2AE86}"/>
-              </a:ext>
-            </a:extLst>
-          </p:cNvPr>
+            <a:endParaRPr lang="en-US" dirty="0"/>
+          </a:p>
+        </p:txBody>
+      </p:sp>
+      <p:sp>
+        <p:nvSpPr>
+          <p:cNvPr id="4" name="Date Placeholder 3"/>
           <p:cNvSpPr>
             <a:spLocks noGrp="1"/>
           </p:cNvSpPr>
@@ -672,13 +657,7 @@
       </p:sp>
       <p:sp>
         <p:nvSpPr>
-          <p:cNvPr id="5" name="Footer Placeholder 4">
-            <a:extLst>
-              <a:ext uri="{FF2B5EF4-FFF2-40B4-BE49-F238E27FC236}">
-                <a16:creationId xmlns:a16="http://schemas.microsoft.com/office/drawing/2014/main" id="{31EACC73-73DC-7FBF-3F47-BC7148827303}"/>
-              </a:ext>
-            </a:extLst>
-          </p:cNvPr>
+          <p:cNvPr id="5" name="Footer Placeholder 4"/>
           <p:cNvSpPr>
             <a:spLocks noGrp="1"/>
           </p:cNvSpPr>
@@ -697,13 +676,7 @@
       </p:sp>
       <p:sp>
         <p:nvSpPr>
-          <p:cNvPr id="6" name="Slide Number Placeholder 5">
-            <a:extLst>
-              <a:ext uri="{FF2B5EF4-FFF2-40B4-BE49-F238E27FC236}">
-                <a16:creationId xmlns:a16="http://schemas.microsoft.com/office/drawing/2014/main" id="{3CAFB188-66A3-6D35-5031-F9796F54D539}"/>
-              </a:ext>
-            </a:extLst>
-          </p:cNvPr>
+          <p:cNvPr id="6" name="Slide Number Placeholder 5"/>
           <p:cNvSpPr>
             <a:spLocks noGrp="1"/>
           </p:cNvSpPr>
@@ -727,7 +700,7 @@
     </p:spTree>
     <p:extLst>
       <p:ext uri="{BB962C8B-B14F-4D97-AF65-F5344CB8AC3E}">
-        <p14:creationId xmlns:p14="http://schemas.microsoft.com/office/powerpoint/2010/main" val="1673649185"/>
+        <p14:creationId xmlns:p14="http://schemas.microsoft.com/office/powerpoint/2010/main" val="2115330592"/>
       </p:ext>
     </p:extLst>
   </p:cSld>
@@ -756,13 +729,7 @@
       </p:grpSpPr>
       <p:sp>
         <p:nvSpPr>
-          <p:cNvPr id="2" name="Title 1">
-            <a:extLst>
-              <a:ext uri="{FF2B5EF4-FFF2-40B4-BE49-F238E27FC236}">
-                <a16:creationId xmlns:a16="http://schemas.microsoft.com/office/drawing/2014/main" id="{6370282B-C24B-B351-C2BD-581B8BEB10F0}"/>
-              </a:ext>
-            </a:extLst>
-          </p:cNvPr>
+          <p:cNvPr id="2" name="Title 1"/>
           <p:cNvSpPr>
             <a:spLocks noGrp="1"/>
           </p:cNvSpPr>
@@ -779,19 +746,13 @@
               <a:rPr lang="en-US"/>
               <a:t>Click to edit Master title style</a:t>
             </a:r>
-            <a:endParaRPr lang="en-GB"/>
-          </a:p>
-        </p:txBody>
-      </p:sp>
-      <p:sp>
-        <p:nvSpPr>
-          <p:cNvPr id="3" name="Vertical Text Placeholder 2">
-            <a:extLst>
-              <a:ext uri="{FF2B5EF4-FFF2-40B4-BE49-F238E27FC236}">
-                <a16:creationId xmlns:a16="http://schemas.microsoft.com/office/drawing/2014/main" id="{A4766CFD-8C6D-EEF2-B5CF-6F6FB432AEB6}"/>
-              </a:ext>
-            </a:extLst>
-          </p:cNvPr>
+            <a:endParaRPr lang="en-US" dirty="0"/>
+          </a:p>
+        </p:txBody>
+      </p:sp>
+      <p:sp>
+        <p:nvSpPr>
+          <p:cNvPr id="3" name="Vertical Text Placeholder 2"/>
           <p:cNvSpPr>
             <a:spLocks noGrp="1"/>
           </p:cNvSpPr>
@@ -837,19 +798,13 @@
               <a:rPr lang="en-US"/>
               <a:t>Fifth level</a:t>
             </a:r>
-            <a:endParaRPr lang="en-GB"/>
-          </a:p>
-        </p:txBody>
-      </p:sp>
-      <p:sp>
-        <p:nvSpPr>
-          <p:cNvPr id="4" name="Date Placeholder 3">
-            <a:extLst>
-              <a:ext uri="{FF2B5EF4-FFF2-40B4-BE49-F238E27FC236}">
-                <a16:creationId xmlns:a16="http://schemas.microsoft.com/office/drawing/2014/main" id="{C66C219A-9956-A6CA-6716-6569EDD28980}"/>
-              </a:ext>
-            </a:extLst>
-          </p:cNvPr>
+            <a:endParaRPr lang="en-US" dirty="0"/>
+          </a:p>
+        </p:txBody>
+      </p:sp>
+      <p:sp>
+        <p:nvSpPr>
+          <p:cNvPr id="4" name="Date Placeholder 3"/>
           <p:cNvSpPr>
             <a:spLocks noGrp="1"/>
           </p:cNvSpPr>
@@ -872,13 +827,7 @@
       </p:sp>
       <p:sp>
         <p:nvSpPr>
-          <p:cNvPr id="5" name="Footer Placeholder 4">
-            <a:extLst>
-              <a:ext uri="{FF2B5EF4-FFF2-40B4-BE49-F238E27FC236}">
-                <a16:creationId xmlns:a16="http://schemas.microsoft.com/office/drawing/2014/main" id="{54E46167-3ED1-5353-4458-1DFF08D62B50}"/>
-              </a:ext>
-            </a:extLst>
-          </p:cNvPr>
+          <p:cNvPr id="5" name="Footer Placeholder 4"/>
           <p:cNvSpPr>
             <a:spLocks noGrp="1"/>
           </p:cNvSpPr>
@@ -897,13 +846,7 @@
       </p:sp>
       <p:sp>
         <p:nvSpPr>
-          <p:cNvPr id="6" name="Slide Number Placeholder 5">
-            <a:extLst>
-              <a:ext uri="{FF2B5EF4-FFF2-40B4-BE49-F238E27FC236}">
-                <a16:creationId xmlns:a16="http://schemas.microsoft.com/office/drawing/2014/main" id="{17BE25AD-0E43-E694-6404-6C0B46E59848}"/>
-              </a:ext>
-            </a:extLst>
-          </p:cNvPr>
+          <p:cNvPr id="6" name="Slide Number Placeholder 5"/>
           <p:cNvSpPr>
             <a:spLocks noGrp="1"/>
           </p:cNvSpPr>
@@ -927,7 +870,7 @@
     </p:spTree>
     <p:extLst>
       <p:ext uri="{BB962C8B-B14F-4D97-AF65-F5344CB8AC3E}">
-        <p14:creationId xmlns:p14="http://schemas.microsoft.com/office/powerpoint/2010/main" val="1836257502"/>
+        <p14:creationId xmlns:p14="http://schemas.microsoft.com/office/powerpoint/2010/main" val="3233341995"/>
       </p:ext>
     </p:extLst>
   </p:cSld>
@@ -956,13 +899,7 @@
       </p:grpSpPr>
       <p:sp>
         <p:nvSpPr>
-          <p:cNvPr id="2" name="Vertical Title 1">
-            <a:extLst>
-              <a:ext uri="{FF2B5EF4-FFF2-40B4-BE49-F238E27FC236}">
-                <a16:creationId xmlns:a16="http://schemas.microsoft.com/office/drawing/2014/main" id="{CA85E429-7FF4-C448-35B1-BD14EE5945DC}"/>
-              </a:ext>
-            </a:extLst>
-          </p:cNvPr>
+          <p:cNvPr id="2" name="Vertical Title 1"/>
           <p:cNvSpPr>
             <a:spLocks noGrp="1"/>
           </p:cNvSpPr>
@@ -972,8 +909,8 @@
         </p:nvSpPr>
         <p:spPr>
           <a:xfrm>
-            <a:off x="8724900" y="365125"/>
-            <a:ext cx="2628900" cy="5811838"/>
+            <a:off x="21660020" y="2278397"/>
+            <a:ext cx="6526381" cy="36266139"/>
           </a:xfrm>
         </p:spPr>
         <p:txBody>
@@ -984,19 +921,13 @@
               <a:rPr lang="en-US"/>
               <a:t>Click to edit Master title style</a:t>
             </a:r>
-            <a:endParaRPr lang="en-GB"/>
-          </a:p>
-        </p:txBody>
-      </p:sp>
-      <p:sp>
-        <p:nvSpPr>
-          <p:cNvPr id="3" name="Vertical Text Placeholder 2">
-            <a:extLst>
-              <a:ext uri="{FF2B5EF4-FFF2-40B4-BE49-F238E27FC236}">
-                <a16:creationId xmlns:a16="http://schemas.microsoft.com/office/drawing/2014/main" id="{CD073B68-6747-EB3E-5D04-E13727DD0D35}"/>
-              </a:ext>
-            </a:extLst>
-          </p:cNvPr>
+            <a:endParaRPr lang="en-US" dirty="0"/>
+          </a:p>
+        </p:txBody>
+      </p:sp>
+      <p:sp>
+        <p:nvSpPr>
+          <p:cNvPr id="3" name="Vertical Text Placeholder 2"/>
           <p:cNvSpPr>
             <a:spLocks noGrp="1"/>
           </p:cNvSpPr>
@@ -1006,8 +937,8 @@
         </p:nvSpPr>
         <p:spPr>
           <a:xfrm>
-            <a:off x="838200" y="365125"/>
-            <a:ext cx="7734300" cy="5811838"/>
+            <a:off x="2080877" y="2278397"/>
+            <a:ext cx="19200803" cy="36266139"/>
           </a:xfrm>
         </p:spPr>
         <p:txBody>
@@ -1047,19 +978,13 @@
               <a:rPr lang="en-US"/>
               <a:t>Fifth level</a:t>
             </a:r>
-            <a:endParaRPr lang="en-GB"/>
-          </a:p>
-        </p:txBody>
-      </p:sp>
-      <p:sp>
-        <p:nvSpPr>
-          <p:cNvPr id="4" name="Date Placeholder 3">
-            <a:extLst>
-              <a:ext uri="{FF2B5EF4-FFF2-40B4-BE49-F238E27FC236}">
-                <a16:creationId xmlns:a16="http://schemas.microsoft.com/office/drawing/2014/main" id="{2F97BF8D-7F29-F71C-2AE2-962E7C01D738}"/>
-              </a:ext>
-            </a:extLst>
-          </p:cNvPr>
+            <a:endParaRPr lang="en-US" dirty="0"/>
+          </a:p>
+        </p:txBody>
+      </p:sp>
+      <p:sp>
+        <p:nvSpPr>
+          <p:cNvPr id="4" name="Date Placeholder 3"/>
           <p:cNvSpPr>
             <a:spLocks noGrp="1"/>
           </p:cNvSpPr>
@@ -1082,13 +1007,7 @@
       </p:sp>
       <p:sp>
         <p:nvSpPr>
-          <p:cNvPr id="5" name="Footer Placeholder 4">
-            <a:extLst>
-              <a:ext uri="{FF2B5EF4-FFF2-40B4-BE49-F238E27FC236}">
-                <a16:creationId xmlns:a16="http://schemas.microsoft.com/office/drawing/2014/main" id="{C07774B8-F467-EEA2-E3B9-D51F3003E90C}"/>
-              </a:ext>
-            </a:extLst>
-          </p:cNvPr>
+          <p:cNvPr id="5" name="Footer Placeholder 4"/>
           <p:cNvSpPr>
             <a:spLocks noGrp="1"/>
           </p:cNvSpPr>
@@ -1107,13 +1026,7 @@
       </p:sp>
       <p:sp>
         <p:nvSpPr>
-          <p:cNvPr id="6" name="Slide Number Placeholder 5">
-            <a:extLst>
-              <a:ext uri="{FF2B5EF4-FFF2-40B4-BE49-F238E27FC236}">
-                <a16:creationId xmlns:a16="http://schemas.microsoft.com/office/drawing/2014/main" id="{1C5BDFEC-06B4-E4A0-C655-8C6B12245B10}"/>
-              </a:ext>
-            </a:extLst>
-          </p:cNvPr>
+          <p:cNvPr id="6" name="Slide Number Placeholder 5"/>
           <p:cNvSpPr>
             <a:spLocks noGrp="1"/>
           </p:cNvSpPr>
@@ -1137,7 +1050,7 @@
     </p:spTree>
     <p:extLst>
       <p:ext uri="{BB962C8B-B14F-4D97-AF65-F5344CB8AC3E}">
-        <p14:creationId xmlns:p14="http://schemas.microsoft.com/office/powerpoint/2010/main" val="1816198524"/>
+        <p14:creationId xmlns:p14="http://schemas.microsoft.com/office/powerpoint/2010/main" val="1510776586"/>
       </p:ext>
     </p:extLst>
   </p:cSld>
@@ -1166,13 +1079,7 @@
       </p:grpSpPr>
       <p:sp>
         <p:nvSpPr>
-          <p:cNvPr id="2" name="Title 1">
-            <a:extLst>
-              <a:ext uri="{FF2B5EF4-FFF2-40B4-BE49-F238E27FC236}">
-                <a16:creationId xmlns:a16="http://schemas.microsoft.com/office/drawing/2014/main" id="{DC49BB47-CCBB-7939-05F0-152CF43E1A7A}"/>
-              </a:ext>
-            </a:extLst>
-          </p:cNvPr>
+          <p:cNvPr id="2" name="Title 1"/>
           <p:cNvSpPr>
             <a:spLocks noGrp="1"/>
           </p:cNvSpPr>
@@ -1189,19 +1096,13 @@
               <a:rPr lang="en-US"/>
               <a:t>Click to edit Master title style</a:t>
             </a:r>
-            <a:endParaRPr lang="en-GB"/>
-          </a:p>
-        </p:txBody>
-      </p:sp>
-      <p:sp>
-        <p:nvSpPr>
-          <p:cNvPr id="3" name="Content Placeholder 2">
-            <a:extLst>
-              <a:ext uri="{FF2B5EF4-FFF2-40B4-BE49-F238E27FC236}">
-                <a16:creationId xmlns:a16="http://schemas.microsoft.com/office/drawing/2014/main" id="{9140D7F3-2131-D3DA-F4EF-64E448545C28}"/>
-              </a:ext>
-            </a:extLst>
-          </p:cNvPr>
+            <a:endParaRPr lang="en-US" dirty="0"/>
+          </a:p>
+        </p:txBody>
+      </p:sp>
+      <p:sp>
+        <p:nvSpPr>
+          <p:cNvPr id="3" name="Content Placeholder 2"/>
           <p:cNvSpPr>
             <a:spLocks noGrp="1"/>
           </p:cNvSpPr>
@@ -1247,19 +1148,13 @@
               <a:rPr lang="en-US"/>
               <a:t>Fifth level</a:t>
             </a:r>
-            <a:endParaRPr lang="en-GB"/>
-          </a:p>
-        </p:txBody>
-      </p:sp>
-      <p:sp>
-        <p:nvSpPr>
-          <p:cNvPr id="4" name="Date Placeholder 3">
-            <a:extLst>
-              <a:ext uri="{FF2B5EF4-FFF2-40B4-BE49-F238E27FC236}">
-                <a16:creationId xmlns:a16="http://schemas.microsoft.com/office/drawing/2014/main" id="{1E7CE66E-BD7C-C61B-3CC7-67EE68640DB2}"/>
-              </a:ext>
-            </a:extLst>
-          </p:cNvPr>
+            <a:endParaRPr lang="en-US" dirty="0"/>
+          </a:p>
+        </p:txBody>
+      </p:sp>
+      <p:sp>
+        <p:nvSpPr>
+          <p:cNvPr id="4" name="Date Placeholder 3"/>
           <p:cNvSpPr>
             <a:spLocks noGrp="1"/>
           </p:cNvSpPr>
@@ -1282,13 +1177,7 @@
       </p:sp>
       <p:sp>
         <p:nvSpPr>
-          <p:cNvPr id="5" name="Footer Placeholder 4">
-            <a:extLst>
-              <a:ext uri="{FF2B5EF4-FFF2-40B4-BE49-F238E27FC236}">
-                <a16:creationId xmlns:a16="http://schemas.microsoft.com/office/drawing/2014/main" id="{3989B440-7850-48FA-E4EE-FB7F0CB8719F}"/>
-              </a:ext>
-            </a:extLst>
-          </p:cNvPr>
+          <p:cNvPr id="5" name="Footer Placeholder 4"/>
           <p:cNvSpPr>
             <a:spLocks noGrp="1"/>
           </p:cNvSpPr>
@@ -1307,13 +1196,7 @@
       </p:sp>
       <p:sp>
         <p:nvSpPr>
-          <p:cNvPr id="6" name="Slide Number Placeholder 5">
-            <a:extLst>
-              <a:ext uri="{FF2B5EF4-FFF2-40B4-BE49-F238E27FC236}">
-                <a16:creationId xmlns:a16="http://schemas.microsoft.com/office/drawing/2014/main" id="{8D58346E-B62B-DF38-BD9B-DFA2039B7A41}"/>
-              </a:ext>
-            </a:extLst>
-          </p:cNvPr>
+          <p:cNvPr id="6" name="Slide Number Placeholder 5"/>
           <p:cNvSpPr>
             <a:spLocks noGrp="1"/>
           </p:cNvSpPr>
@@ -1337,7 +1220,7 @@
     </p:spTree>
     <p:extLst>
       <p:ext uri="{BB962C8B-B14F-4D97-AF65-F5344CB8AC3E}">
-        <p14:creationId xmlns:p14="http://schemas.microsoft.com/office/powerpoint/2010/main" val="2107828297"/>
+        <p14:creationId xmlns:p14="http://schemas.microsoft.com/office/powerpoint/2010/main" val="2887027309"/>
       </p:ext>
     </p:extLst>
   </p:cSld>
@@ -1366,13 +1249,7 @@
       </p:grpSpPr>
       <p:sp>
         <p:nvSpPr>
-          <p:cNvPr id="2" name="Title 1">
-            <a:extLst>
-              <a:ext uri="{FF2B5EF4-FFF2-40B4-BE49-F238E27FC236}">
-                <a16:creationId xmlns:a16="http://schemas.microsoft.com/office/drawing/2014/main" id="{0B499BC7-6C54-F72B-50D3-C9F2A3AF3793}"/>
-              </a:ext>
-            </a:extLst>
-          </p:cNvPr>
+          <p:cNvPr id="2" name="Title 1"/>
           <p:cNvSpPr>
             <a:spLocks noGrp="1"/>
           </p:cNvSpPr>
@@ -1382,15 +1259,15 @@
         </p:nvSpPr>
         <p:spPr>
           <a:xfrm>
-            <a:off x="831850" y="1709738"/>
-            <a:ext cx="10515600" cy="2852737"/>
+            <a:off x="2065112" y="10668854"/>
+            <a:ext cx="26105525" cy="17801211"/>
           </a:xfrm>
         </p:spPr>
         <p:txBody>
           <a:bodyPr anchor="b"/>
           <a:lstStyle>
             <a:lvl1pPr>
-              <a:defRPr sz="6000"/>
+              <a:defRPr sz="19861"/>
             </a:lvl1pPr>
           </a:lstStyle>
           <a:p>
@@ -1398,19 +1275,13 @@
               <a:rPr lang="en-US"/>
               <a:t>Click to edit Master title style</a:t>
             </a:r>
-            <a:endParaRPr lang="en-GB"/>
-          </a:p>
-        </p:txBody>
-      </p:sp>
-      <p:sp>
-        <p:nvSpPr>
-          <p:cNvPr id="3" name="Text Placeholder 2">
-            <a:extLst>
-              <a:ext uri="{FF2B5EF4-FFF2-40B4-BE49-F238E27FC236}">
-                <a16:creationId xmlns:a16="http://schemas.microsoft.com/office/drawing/2014/main" id="{E7D80586-6601-2F7D-5230-12C5F2DD6A8A}"/>
-              </a:ext>
-            </a:extLst>
-          </p:cNvPr>
+            <a:endParaRPr lang="en-US" dirty="0"/>
+          </a:p>
+        </p:txBody>
+      </p:sp>
+      <p:sp>
+        <p:nvSpPr>
+          <p:cNvPr id="3" name="Text Placeholder 2"/>
           <p:cNvSpPr>
             <a:spLocks noGrp="1"/>
           </p:cNvSpPr>
@@ -1420,8 +1291,8 @@
         </p:nvSpPr>
         <p:spPr>
           <a:xfrm>
-            <a:off x="831850" y="4589463"/>
-            <a:ext cx="10515600" cy="1500187"/>
+            <a:off x="2065112" y="28638472"/>
+            <a:ext cx="26105525" cy="9361236"/>
           </a:xfrm>
         </p:spPr>
         <p:txBody>
@@ -1429,17 +1300,15 @@
           <a:lstStyle>
             <a:lvl1pPr marL="0" indent="0">
               <a:buNone/>
-              <a:defRPr sz="2400">
+              <a:defRPr sz="7944">
                 <a:solidFill>
-                  <a:schemeClr val="tx1">
-                    <a:tint val="75000"/>
-                  </a:schemeClr>
+                  <a:schemeClr val="tx1"/>
                 </a:solidFill>
               </a:defRPr>
             </a:lvl1pPr>
-            <a:lvl2pPr marL="457200" indent="0">
+            <a:lvl2pPr marL="1513378" indent="0">
               <a:buNone/>
-              <a:defRPr sz="2000">
+              <a:defRPr sz="6620">
                 <a:solidFill>
                   <a:schemeClr val="tx1">
                     <a:tint val="75000"/>
@@ -1447,9 +1316,9 @@
                 </a:solidFill>
               </a:defRPr>
             </a:lvl2pPr>
-            <a:lvl3pPr marL="914400" indent="0">
+            <a:lvl3pPr marL="3026755" indent="0">
               <a:buNone/>
-              <a:defRPr sz="1800">
+              <a:defRPr sz="5958">
                 <a:solidFill>
                   <a:schemeClr val="tx1">
                     <a:tint val="75000"/>
@@ -1457,9 +1326,9 @@
                 </a:solidFill>
               </a:defRPr>
             </a:lvl3pPr>
-            <a:lvl4pPr marL="1371600" indent="0">
+            <a:lvl4pPr marL="4540133" indent="0">
               <a:buNone/>
-              <a:defRPr sz="1600">
+              <a:defRPr sz="5296">
                 <a:solidFill>
                   <a:schemeClr val="tx1">
                     <a:tint val="75000"/>
@@ -1467,9 +1336,9 @@
                 </a:solidFill>
               </a:defRPr>
             </a:lvl4pPr>
-            <a:lvl5pPr marL="1828800" indent="0">
+            <a:lvl5pPr marL="6053511" indent="0">
               <a:buNone/>
-              <a:defRPr sz="1600">
+              <a:defRPr sz="5296">
                 <a:solidFill>
                   <a:schemeClr val="tx1">
                     <a:tint val="75000"/>
@@ -1477,9 +1346,9 @@
                 </a:solidFill>
               </a:defRPr>
             </a:lvl5pPr>
-            <a:lvl6pPr marL="2286000" indent="0">
+            <a:lvl6pPr marL="7566889" indent="0">
               <a:buNone/>
-              <a:defRPr sz="1600">
+              <a:defRPr sz="5296">
                 <a:solidFill>
                   <a:schemeClr val="tx1">
                     <a:tint val="75000"/>
@@ -1487,9 +1356,9 @@
                 </a:solidFill>
               </a:defRPr>
             </a:lvl6pPr>
-            <a:lvl7pPr marL="2743200" indent="0">
+            <a:lvl7pPr marL="9080266" indent="0">
               <a:buNone/>
-              <a:defRPr sz="1600">
+              <a:defRPr sz="5296">
                 <a:solidFill>
                   <a:schemeClr val="tx1">
                     <a:tint val="75000"/>
@@ -1497,9 +1366,9 @@
                 </a:solidFill>
               </a:defRPr>
             </a:lvl7pPr>
-            <a:lvl8pPr marL="3200400" indent="0">
+            <a:lvl8pPr marL="10593644" indent="0">
               <a:buNone/>
-              <a:defRPr sz="1600">
+              <a:defRPr sz="5296">
                 <a:solidFill>
                   <a:schemeClr val="tx1">
                     <a:tint val="75000"/>
@@ -1507,9 +1376,9 @@
                 </a:solidFill>
               </a:defRPr>
             </a:lvl8pPr>
-            <a:lvl9pPr marL="3657600" indent="0">
+            <a:lvl9pPr marL="12107022" indent="0">
               <a:buNone/>
-              <a:defRPr sz="1600">
+              <a:defRPr sz="5296">
                 <a:solidFill>
                   <a:schemeClr val="tx1">
                     <a:tint val="75000"/>
@@ -1529,13 +1398,7 @@
       </p:sp>
       <p:sp>
         <p:nvSpPr>
-          <p:cNvPr id="4" name="Date Placeholder 3">
-            <a:extLst>
-              <a:ext uri="{FF2B5EF4-FFF2-40B4-BE49-F238E27FC236}">
-                <a16:creationId xmlns:a16="http://schemas.microsoft.com/office/drawing/2014/main" id="{6166DD36-1E20-19F6-7701-E7585422DC82}"/>
-              </a:ext>
-            </a:extLst>
-          </p:cNvPr>
+          <p:cNvPr id="4" name="Date Placeholder 3"/>
           <p:cNvSpPr>
             <a:spLocks noGrp="1"/>
           </p:cNvSpPr>
@@ -1558,13 +1421,7 @@
       </p:sp>
       <p:sp>
         <p:nvSpPr>
-          <p:cNvPr id="5" name="Footer Placeholder 4">
-            <a:extLst>
-              <a:ext uri="{FF2B5EF4-FFF2-40B4-BE49-F238E27FC236}">
-                <a16:creationId xmlns:a16="http://schemas.microsoft.com/office/drawing/2014/main" id="{D4FE04FB-6BC6-F95B-80A8-1AEECB6F9E16}"/>
-              </a:ext>
-            </a:extLst>
-          </p:cNvPr>
+          <p:cNvPr id="5" name="Footer Placeholder 4"/>
           <p:cNvSpPr>
             <a:spLocks noGrp="1"/>
           </p:cNvSpPr>
@@ -1583,13 +1440,7 @@
       </p:sp>
       <p:sp>
         <p:nvSpPr>
-          <p:cNvPr id="6" name="Slide Number Placeholder 5">
-            <a:extLst>
-              <a:ext uri="{FF2B5EF4-FFF2-40B4-BE49-F238E27FC236}">
-                <a16:creationId xmlns:a16="http://schemas.microsoft.com/office/drawing/2014/main" id="{6AFC8701-AA92-7795-1AB3-22DED2A70A05}"/>
-              </a:ext>
-            </a:extLst>
-          </p:cNvPr>
+          <p:cNvPr id="6" name="Slide Number Placeholder 5"/>
           <p:cNvSpPr>
             <a:spLocks noGrp="1"/>
           </p:cNvSpPr>
@@ -1613,7 +1464,7 @@
     </p:spTree>
     <p:extLst>
       <p:ext uri="{BB962C8B-B14F-4D97-AF65-F5344CB8AC3E}">
-        <p14:creationId xmlns:p14="http://schemas.microsoft.com/office/powerpoint/2010/main" val="2285024903"/>
+        <p14:creationId xmlns:p14="http://schemas.microsoft.com/office/powerpoint/2010/main" val="528708676"/>
       </p:ext>
     </p:extLst>
   </p:cSld>
@@ -1642,13 +1493,7 @@
       </p:grpSpPr>
       <p:sp>
         <p:nvSpPr>
-          <p:cNvPr id="2" name="Title 1">
-            <a:extLst>
-              <a:ext uri="{FF2B5EF4-FFF2-40B4-BE49-F238E27FC236}">
-                <a16:creationId xmlns:a16="http://schemas.microsoft.com/office/drawing/2014/main" id="{F1ED97D5-CBD3-CAC7-E99A-F8198E8DD45E}"/>
-              </a:ext>
-            </a:extLst>
-          </p:cNvPr>
+          <p:cNvPr id="2" name="Title 1"/>
           <p:cNvSpPr>
             <a:spLocks noGrp="1"/>
           </p:cNvSpPr>
@@ -1665,19 +1510,13 @@
               <a:rPr lang="en-US"/>
               <a:t>Click to edit Master title style</a:t>
             </a:r>
-            <a:endParaRPr lang="en-GB"/>
-          </a:p>
-        </p:txBody>
-      </p:sp>
-      <p:sp>
-        <p:nvSpPr>
-          <p:cNvPr id="3" name="Content Placeholder 2">
-            <a:extLst>
-              <a:ext uri="{FF2B5EF4-FFF2-40B4-BE49-F238E27FC236}">
-                <a16:creationId xmlns:a16="http://schemas.microsoft.com/office/drawing/2014/main" id="{BF99118D-6947-2108-AEDD-92BC993C602D}"/>
-              </a:ext>
-            </a:extLst>
-          </p:cNvPr>
+            <a:endParaRPr lang="en-US" dirty="0"/>
+          </a:p>
+        </p:txBody>
+      </p:sp>
+      <p:sp>
+        <p:nvSpPr>
+          <p:cNvPr id="3" name="Content Placeholder 2"/>
           <p:cNvSpPr>
             <a:spLocks noGrp="1"/>
           </p:cNvSpPr>
@@ -1687,8 +1526,8 @@
         </p:nvSpPr>
         <p:spPr>
           <a:xfrm>
-            <a:off x="838200" y="1825625"/>
-            <a:ext cx="5181600" cy="4351338"/>
+            <a:off x="2080875" y="11391985"/>
+            <a:ext cx="12863592" cy="27152551"/>
           </a:xfrm>
         </p:spPr>
         <p:txBody>
@@ -1728,19 +1567,13 @@
               <a:rPr lang="en-US"/>
               <a:t>Fifth level</a:t>
             </a:r>
-            <a:endParaRPr lang="en-GB"/>
-          </a:p>
-        </p:txBody>
-      </p:sp>
-      <p:sp>
-        <p:nvSpPr>
-          <p:cNvPr id="4" name="Content Placeholder 3">
-            <a:extLst>
-              <a:ext uri="{FF2B5EF4-FFF2-40B4-BE49-F238E27FC236}">
-                <a16:creationId xmlns:a16="http://schemas.microsoft.com/office/drawing/2014/main" id="{B08B32AD-42D4-147B-86F8-BB8433A784F8}"/>
-              </a:ext>
-            </a:extLst>
-          </p:cNvPr>
+            <a:endParaRPr lang="en-US" dirty="0"/>
+          </a:p>
+        </p:txBody>
+      </p:sp>
+      <p:sp>
+        <p:nvSpPr>
+          <p:cNvPr id="4" name="Content Placeholder 3"/>
           <p:cNvSpPr>
             <a:spLocks noGrp="1"/>
           </p:cNvSpPr>
@@ -1750,8 +1583,8 @@
         </p:nvSpPr>
         <p:spPr>
           <a:xfrm>
-            <a:off x="6172200" y="1825625"/>
-            <a:ext cx="5181600" cy="4351338"/>
+            <a:off x="15322808" y="11391985"/>
+            <a:ext cx="12863592" cy="27152551"/>
           </a:xfrm>
         </p:spPr>
         <p:txBody>
@@ -1791,19 +1624,13 @@
               <a:rPr lang="en-US"/>
               <a:t>Fifth level</a:t>
             </a:r>
-            <a:endParaRPr lang="en-GB"/>
-          </a:p>
-        </p:txBody>
-      </p:sp>
-      <p:sp>
-        <p:nvSpPr>
-          <p:cNvPr id="5" name="Date Placeholder 4">
-            <a:extLst>
-              <a:ext uri="{FF2B5EF4-FFF2-40B4-BE49-F238E27FC236}">
-                <a16:creationId xmlns:a16="http://schemas.microsoft.com/office/drawing/2014/main" id="{0DC20B70-F55C-BBE8-85B9-B999223E9E16}"/>
-              </a:ext>
-            </a:extLst>
-          </p:cNvPr>
+            <a:endParaRPr lang="en-US" dirty="0"/>
+          </a:p>
+        </p:txBody>
+      </p:sp>
+      <p:sp>
+        <p:nvSpPr>
+          <p:cNvPr id="5" name="Date Placeholder 4"/>
           <p:cNvSpPr>
             <a:spLocks noGrp="1"/>
           </p:cNvSpPr>
@@ -1826,13 +1653,7 @@
       </p:sp>
       <p:sp>
         <p:nvSpPr>
-          <p:cNvPr id="6" name="Footer Placeholder 5">
-            <a:extLst>
-              <a:ext uri="{FF2B5EF4-FFF2-40B4-BE49-F238E27FC236}">
-                <a16:creationId xmlns:a16="http://schemas.microsoft.com/office/drawing/2014/main" id="{2BE609DC-B22A-E39C-AC26-741E48782333}"/>
-              </a:ext>
-            </a:extLst>
-          </p:cNvPr>
+          <p:cNvPr id="6" name="Footer Placeholder 5"/>
           <p:cNvSpPr>
             <a:spLocks noGrp="1"/>
           </p:cNvSpPr>
@@ -1851,13 +1672,7 @@
       </p:sp>
       <p:sp>
         <p:nvSpPr>
-          <p:cNvPr id="7" name="Slide Number Placeholder 6">
-            <a:extLst>
-              <a:ext uri="{FF2B5EF4-FFF2-40B4-BE49-F238E27FC236}">
-                <a16:creationId xmlns:a16="http://schemas.microsoft.com/office/drawing/2014/main" id="{CDB8885A-AB3B-7EFD-3F00-3AA50AAD7469}"/>
-              </a:ext>
-            </a:extLst>
-          </p:cNvPr>
+          <p:cNvPr id="7" name="Slide Number Placeholder 6"/>
           <p:cNvSpPr>
             <a:spLocks noGrp="1"/>
           </p:cNvSpPr>
@@ -1881,7 +1696,7 @@
     </p:spTree>
     <p:extLst>
       <p:ext uri="{BB962C8B-B14F-4D97-AF65-F5344CB8AC3E}">
-        <p14:creationId xmlns:p14="http://schemas.microsoft.com/office/powerpoint/2010/main" val="2100551191"/>
+        <p14:creationId xmlns:p14="http://schemas.microsoft.com/office/powerpoint/2010/main" val="1405571192"/>
       </p:ext>
     </p:extLst>
   </p:cSld>
@@ -1910,13 +1725,7 @@
       </p:grpSpPr>
       <p:sp>
         <p:nvSpPr>
-          <p:cNvPr id="2" name="Title 1">
-            <a:extLst>
-              <a:ext uri="{FF2B5EF4-FFF2-40B4-BE49-F238E27FC236}">
-                <a16:creationId xmlns:a16="http://schemas.microsoft.com/office/drawing/2014/main" id="{1E3EA1FE-0225-9B51-BAA0-78215F71926F}"/>
-              </a:ext>
-            </a:extLst>
-          </p:cNvPr>
+          <p:cNvPr id="2" name="Title 1"/>
           <p:cNvSpPr>
             <a:spLocks noGrp="1"/>
           </p:cNvSpPr>
@@ -1926,8 +1735,8 @@
         </p:nvSpPr>
         <p:spPr>
           <a:xfrm>
-            <a:off x="839788" y="365125"/>
-            <a:ext cx="10515600" cy="1325563"/>
+            <a:off x="2084817" y="2278406"/>
+            <a:ext cx="26105525" cy="8271575"/>
           </a:xfrm>
         </p:spPr>
         <p:txBody>
@@ -1938,19 +1747,13 @@
               <a:rPr lang="en-US"/>
               <a:t>Click to edit Master title style</a:t>
             </a:r>
-            <a:endParaRPr lang="en-GB"/>
-          </a:p>
-        </p:txBody>
-      </p:sp>
-      <p:sp>
-        <p:nvSpPr>
-          <p:cNvPr id="3" name="Text Placeholder 2">
-            <a:extLst>
-              <a:ext uri="{FF2B5EF4-FFF2-40B4-BE49-F238E27FC236}">
-                <a16:creationId xmlns:a16="http://schemas.microsoft.com/office/drawing/2014/main" id="{162C2AB8-8621-88A2-AAB7-0E5968D5551E}"/>
-              </a:ext>
-            </a:extLst>
-          </p:cNvPr>
+            <a:endParaRPr lang="en-US" dirty="0"/>
+          </a:p>
+        </p:txBody>
+      </p:sp>
+      <p:sp>
+        <p:nvSpPr>
+          <p:cNvPr id="3" name="Text Placeholder 2"/>
           <p:cNvSpPr>
             <a:spLocks noGrp="1"/>
           </p:cNvSpPr>
@@ -1960,8 +1763,8 @@
         </p:nvSpPr>
         <p:spPr>
           <a:xfrm>
-            <a:off x="839788" y="1681163"/>
-            <a:ext cx="5157787" cy="823912"/>
+            <a:off x="2084821" y="10490535"/>
+            <a:ext cx="12804474" cy="5141249"/>
           </a:xfrm>
         </p:spPr>
         <p:txBody>
@@ -1969,39 +1772,39 @@
           <a:lstStyle>
             <a:lvl1pPr marL="0" indent="0">
               <a:buNone/>
-              <a:defRPr sz="2400" b="1"/>
+              <a:defRPr sz="7944" b="1"/>
             </a:lvl1pPr>
-            <a:lvl2pPr marL="457200" indent="0">
+            <a:lvl2pPr marL="1513378" indent="0">
               <a:buNone/>
-              <a:defRPr sz="2000" b="1"/>
+              <a:defRPr sz="6620" b="1"/>
             </a:lvl2pPr>
-            <a:lvl3pPr marL="914400" indent="0">
+            <a:lvl3pPr marL="3026755" indent="0">
               <a:buNone/>
-              <a:defRPr sz="1800" b="1"/>
+              <a:defRPr sz="5958" b="1"/>
             </a:lvl3pPr>
-            <a:lvl4pPr marL="1371600" indent="0">
+            <a:lvl4pPr marL="4540133" indent="0">
               <a:buNone/>
-              <a:defRPr sz="1600" b="1"/>
+              <a:defRPr sz="5296" b="1"/>
             </a:lvl4pPr>
-            <a:lvl5pPr marL="1828800" indent="0">
+            <a:lvl5pPr marL="6053511" indent="0">
               <a:buNone/>
-              <a:defRPr sz="1600" b="1"/>
+              <a:defRPr sz="5296" b="1"/>
             </a:lvl5pPr>
-            <a:lvl6pPr marL="2286000" indent="0">
+            <a:lvl6pPr marL="7566889" indent="0">
               <a:buNone/>
-              <a:defRPr sz="1600" b="1"/>
+              <a:defRPr sz="5296" b="1"/>
             </a:lvl6pPr>
-            <a:lvl7pPr marL="2743200" indent="0">
+            <a:lvl7pPr marL="9080266" indent="0">
               <a:buNone/>
-              <a:defRPr sz="1600" b="1"/>
+              <a:defRPr sz="5296" b="1"/>
             </a:lvl7pPr>
-            <a:lvl8pPr marL="3200400" indent="0">
+            <a:lvl8pPr marL="10593644" indent="0">
               <a:buNone/>
-              <a:defRPr sz="1600" b="1"/>
+              <a:defRPr sz="5296" b="1"/>
             </a:lvl8pPr>
-            <a:lvl9pPr marL="3657600" indent="0">
+            <a:lvl9pPr marL="12107022" indent="0">
               <a:buNone/>
-              <a:defRPr sz="1600" b="1"/>
+              <a:defRPr sz="5296" b="1"/>
             </a:lvl9pPr>
           </a:lstStyle>
           <a:p>
@@ -2015,13 +1818,7 @@
       </p:sp>
       <p:sp>
         <p:nvSpPr>
-          <p:cNvPr id="4" name="Content Placeholder 3">
-            <a:extLst>
-              <a:ext uri="{FF2B5EF4-FFF2-40B4-BE49-F238E27FC236}">
-                <a16:creationId xmlns:a16="http://schemas.microsoft.com/office/drawing/2014/main" id="{19CEA474-ABCC-84BB-E4CD-1BA97ADD3621}"/>
-              </a:ext>
-            </a:extLst>
-          </p:cNvPr>
+          <p:cNvPr id="4" name="Content Placeholder 3"/>
           <p:cNvSpPr>
             <a:spLocks noGrp="1"/>
           </p:cNvSpPr>
@@ -2031,8 +1828,8 @@
         </p:nvSpPr>
         <p:spPr>
           <a:xfrm>
-            <a:off x="839788" y="2505075"/>
-            <a:ext cx="5157787" cy="3684588"/>
+            <a:off x="2084821" y="15631784"/>
+            <a:ext cx="12804474" cy="22992000"/>
           </a:xfrm>
         </p:spPr>
         <p:txBody>
@@ -2072,19 +1869,13 @@
               <a:rPr lang="en-US"/>
               <a:t>Fifth level</a:t>
             </a:r>
-            <a:endParaRPr lang="en-GB"/>
-          </a:p>
-        </p:txBody>
-      </p:sp>
-      <p:sp>
-        <p:nvSpPr>
-          <p:cNvPr id="5" name="Text Placeholder 4">
-            <a:extLst>
-              <a:ext uri="{FF2B5EF4-FFF2-40B4-BE49-F238E27FC236}">
-                <a16:creationId xmlns:a16="http://schemas.microsoft.com/office/drawing/2014/main" id="{F9FA3515-665C-5867-EDB3-92B29A4F9C5D}"/>
-              </a:ext>
-            </a:extLst>
-          </p:cNvPr>
+            <a:endParaRPr lang="en-US" dirty="0"/>
+          </a:p>
+        </p:txBody>
+      </p:sp>
+      <p:sp>
+        <p:nvSpPr>
+          <p:cNvPr id="5" name="Text Placeholder 4"/>
           <p:cNvSpPr>
             <a:spLocks noGrp="1"/>
           </p:cNvSpPr>
@@ -2094,8 +1885,8 @@
         </p:nvSpPr>
         <p:spPr>
           <a:xfrm>
-            <a:off x="6172200" y="1681163"/>
-            <a:ext cx="5183188" cy="823912"/>
+            <a:off x="15322810" y="10490535"/>
+            <a:ext cx="12867534" cy="5141249"/>
           </a:xfrm>
         </p:spPr>
         <p:txBody>
@@ -2103,39 +1894,39 @@
           <a:lstStyle>
             <a:lvl1pPr marL="0" indent="0">
               <a:buNone/>
-              <a:defRPr sz="2400" b="1"/>
+              <a:defRPr sz="7944" b="1"/>
             </a:lvl1pPr>
-            <a:lvl2pPr marL="457200" indent="0">
+            <a:lvl2pPr marL="1513378" indent="0">
               <a:buNone/>
-              <a:defRPr sz="2000" b="1"/>
+              <a:defRPr sz="6620" b="1"/>
             </a:lvl2pPr>
-            <a:lvl3pPr marL="914400" indent="0">
+            <a:lvl3pPr marL="3026755" indent="0">
               <a:buNone/>
-              <a:defRPr sz="1800" b="1"/>
+              <a:defRPr sz="5958" b="1"/>
             </a:lvl3pPr>
-            <a:lvl4pPr marL="1371600" indent="0">
+            <a:lvl4pPr marL="4540133" indent="0">
               <a:buNone/>
-              <a:defRPr sz="1600" b="1"/>
+              <a:defRPr sz="5296" b="1"/>
             </a:lvl4pPr>
-            <a:lvl5pPr marL="1828800" indent="0">
+            <a:lvl5pPr marL="6053511" indent="0">
               <a:buNone/>
-              <a:defRPr sz="1600" b="1"/>
+              <a:defRPr sz="5296" b="1"/>
             </a:lvl5pPr>
-            <a:lvl6pPr marL="2286000" indent="0">
+            <a:lvl6pPr marL="7566889" indent="0">
               <a:buNone/>
-              <a:defRPr sz="1600" b="1"/>
+              <a:defRPr sz="5296" b="1"/>
             </a:lvl6pPr>
-            <a:lvl7pPr marL="2743200" indent="0">
+            <a:lvl7pPr marL="9080266" indent="0">
               <a:buNone/>
-              <a:defRPr sz="1600" b="1"/>
+              <a:defRPr sz="5296" b="1"/>
             </a:lvl7pPr>
-            <a:lvl8pPr marL="3200400" indent="0">
+            <a:lvl8pPr marL="10593644" indent="0">
               <a:buNone/>
-              <a:defRPr sz="1600" b="1"/>
+              <a:defRPr sz="5296" b="1"/>
             </a:lvl8pPr>
-            <a:lvl9pPr marL="3657600" indent="0">
+            <a:lvl9pPr marL="12107022" indent="0">
               <a:buNone/>
-              <a:defRPr sz="1600" b="1"/>
+              <a:defRPr sz="5296" b="1"/>
             </a:lvl9pPr>
           </a:lstStyle>
           <a:p>
@@ -2149,13 +1940,7 @@
       </p:sp>
       <p:sp>
         <p:nvSpPr>
-          <p:cNvPr id="6" name="Content Placeholder 5">
-            <a:extLst>
-              <a:ext uri="{FF2B5EF4-FFF2-40B4-BE49-F238E27FC236}">
-                <a16:creationId xmlns:a16="http://schemas.microsoft.com/office/drawing/2014/main" id="{01BF6E2D-EA4E-0926-A859-7607E05365CA}"/>
-              </a:ext>
-            </a:extLst>
-          </p:cNvPr>
+          <p:cNvPr id="6" name="Content Placeholder 5"/>
           <p:cNvSpPr>
             <a:spLocks noGrp="1"/>
           </p:cNvSpPr>
@@ -2165,8 +1950,8 @@
         </p:nvSpPr>
         <p:spPr>
           <a:xfrm>
-            <a:off x="6172200" y="2505075"/>
-            <a:ext cx="5183188" cy="3684588"/>
+            <a:off x="15322810" y="15631784"/>
+            <a:ext cx="12867534" cy="22992000"/>
           </a:xfrm>
         </p:spPr>
         <p:txBody>
@@ -2206,19 +1991,13 @@
               <a:rPr lang="en-US"/>
               <a:t>Fifth level</a:t>
             </a:r>
-            <a:endParaRPr lang="en-GB"/>
-          </a:p>
-        </p:txBody>
-      </p:sp>
-      <p:sp>
-        <p:nvSpPr>
-          <p:cNvPr id="7" name="Date Placeholder 6">
-            <a:extLst>
-              <a:ext uri="{FF2B5EF4-FFF2-40B4-BE49-F238E27FC236}">
-                <a16:creationId xmlns:a16="http://schemas.microsoft.com/office/drawing/2014/main" id="{7D1DE278-739C-3FFA-7057-FF973873398C}"/>
-              </a:ext>
-            </a:extLst>
-          </p:cNvPr>
+            <a:endParaRPr lang="en-US" dirty="0"/>
+          </a:p>
+        </p:txBody>
+      </p:sp>
+      <p:sp>
+        <p:nvSpPr>
+          <p:cNvPr id="7" name="Date Placeholder 6"/>
           <p:cNvSpPr>
             <a:spLocks noGrp="1"/>
           </p:cNvSpPr>
@@ -2241,13 +2020,7 @@
       </p:sp>
       <p:sp>
         <p:nvSpPr>
-          <p:cNvPr id="8" name="Footer Placeholder 7">
-            <a:extLst>
-              <a:ext uri="{FF2B5EF4-FFF2-40B4-BE49-F238E27FC236}">
-                <a16:creationId xmlns:a16="http://schemas.microsoft.com/office/drawing/2014/main" id="{D449C781-48B3-03B2-7B40-B88426CE5C77}"/>
-              </a:ext>
-            </a:extLst>
-          </p:cNvPr>
+          <p:cNvPr id="8" name="Footer Placeholder 7"/>
           <p:cNvSpPr>
             <a:spLocks noGrp="1"/>
           </p:cNvSpPr>
@@ -2266,13 +2039,7 @@
       </p:sp>
       <p:sp>
         <p:nvSpPr>
-          <p:cNvPr id="9" name="Slide Number Placeholder 8">
-            <a:extLst>
-              <a:ext uri="{FF2B5EF4-FFF2-40B4-BE49-F238E27FC236}">
-                <a16:creationId xmlns:a16="http://schemas.microsoft.com/office/drawing/2014/main" id="{A7562642-4A65-780A-2118-F4A0ABDBAC8A}"/>
-              </a:ext>
-            </a:extLst>
-          </p:cNvPr>
+          <p:cNvPr id="9" name="Slide Number Placeholder 8"/>
           <p:cNvSpPr>
             <a:spLocks noGrp="1"/>
           </p:cNvSpPr>
@@ -2296,7 +2063,7 @@
     </p:spTree>
     <p:extLst>
       <p:ext uri="{BB962C8B-B14F-4D97-AF65-F5344CB8AC3E}">
-        <p14:creationId xmlns:p14="http://schemas.microsoft.com/office/powerpoint/2010/main" val="159208537"/>
+        <p14:creationId xmlns:p14="http://schemas.microsoft.com/office/powerpoint/2010/main" val="3764499300"/>
       </p:ext>
     </p:extLst>
   </p:cSld>
@@ -2325,13 +2092,7 @@
       </p:grpSpPr>
       <p:sp>
         <p:nvSpPr>
-          <p:cNvPr id="2" name="Title 1">
-            <a:extLst>
-              <a:ext uri="{FF2B5EF4-FFF2-40B4-BE49-F238E27FC236}">
-                <a16:creationId xmlns:a16="http://schemas.microsoft.com/office/drawing/2014/main" id="{004CE6A8-3EE3-8D23-ECCF-9476CECDE337}"/>
-              </a:ext>
-            </a:extLst>
-          </p:cNvPr>
+          <p:cNvPr id="2" name="Title 1"/>
           <p:cNvSpPr>
             <a:spLocks noGrp="1"/>
           </p:cNvSpPr>
@@ -2348,19 +2109,13 @@
               <a:rPr lang="en-US"/>
               <a:t>Click to edit Master title style</a:t>
             </a:r>
-            <a:endParaRPr lang="en-GB"/>
-          </a:p>
-        </p:txBody>
-      </p:sp>
-      <p:sp>
-        <p:nvSpPr>
-          <p:cNvPr id="3" name="Date Placeholder 2">
-            <a:extLst>
-              <a:ext uri="{FF2B5EF4-FFF2-40B4-BE49-F238E27FC236}">
-                <a16:creationId xmlns:a16="http://schemas.microsoft.com/office/drawing/2014/main" id="{6D45FFC4-B033-14C8-E18B-6977477F993B}"/>
-              </a:ext>
-            </a:extLst>
-          </p:cNvPr>
+            <a:endParaRPr lang="en-US" dirty="0"/>
+          </a:p>
+        </p:txBody>
+      </p:sp>
+      <p:sp>
+        <p:nvSpPr>
+          <p:cNvPr id="3" name="Date Placeholder 2"/>
           <p:cNvSpPr>
             <a:spLocks noGrp="1"/>
           </p:cNvSpPr>
@@ -2383,13 +2138,7 @@
       </p:sp>
       <p:sp>
         <p:nvSpPr>
-          <p:cNvPr id="4" name="Footer Placeholder 3">
-            <a:extLst>
-              <a:ext uri="{FF2B5EF4-FFF2-40B4-BE49-F238E27FC236}">
-                <a16:creationId xmlns:a16="http://schemas.microsoft.com/office/drawing/2014/main" id="{A41CE8C9-EA36-47E3-BB54-8656202E7C87}"/>
-              </a:ext>
-            </a:extLst>
-          </p:cNvPr>
+          <p:cNvPr id="4" name="Footer Placeholder 3"/>
           <p:cNvSpPr>
             <a:spLocks noGrp="1"/>
           </p:cNvSpPr>
@@ -2408,13 +2157,7 @@
       </p:sp>
       <p:sp>
         <p:nvSpPr>
-          <p:cNvPr id="5" name="Slide Number Placeholder 4">
-            <a:extLst>
-              <a:ext uri="{FF2B5EF4-FFF2-40B4-BE49-F238E27FC236}">
-                <a16:creationId xmlns:a16="http://schemas.microsoft.com/office/drawing/2014/main" id="{9D258BC2-1A01-EDB8-0CFB-FB127F4C9947}"/>
-              </a:ext>
-            </a:extLst>
-          </p:cNvPr>
+          <p:cNvPr id="5" name="Slide Number Placeholder 4"/>
           <p:cNvSpPr>
             <a:spLocks noGrp="1"/>
           </p:cNvSpPr>
@@ -2438,7 +2181,7 @@
     </p:spTree>
     <p:extLst>
       <p:ext uri="{BB962C8B-B14F-4D97-AF65-F5344CB8AC3E}">
-        <p14:creationId xmlns:p14="http://schemas.microsoft.com/office/powerpoint/2010/main" val="3562969365"/>
+        <p14:creationId xmlns:p14="http://schemas.microsoft.com/office/powerpoint/2010/main" val="2647129486"/>
       </p:ext>
     </p:extLst>
   </p:cSld>
@@ -2467,13 +2210,7 @@
       </p:grpSpPr>
       <p:sp>
         <p:nvSpPr>
-          <p:cNvPr id="2" name="Date Placeholder 1">
-            <a:extLst>
-              <a:ext uri="{FF2B5EF4-FFF2-40B4-BE49-F238E27FC236}">
-                <a16:creationId xmlns:a16="http://schemas.microsoft.com/office/drawing/2014/main" id="{1054B486-1A98-7733-FBC5-67C30EA3025D}"/>
-              </a:ext>
-            </a:extLst>
-          </p:cNvPr>
+          <p:cNvPr id="2" name="Date Placeholder 1"/>
           <p:cNvSpPr>
             <a:spLocks noGrp="1"/>
           </p:cNvSpPr>
@@ -2496,13 +2233,7 @@
       </p:sp>
       <p:sp>
         <p:nvSpPr>
-          <p:cNvPr id="3" name="Footer Placeholder 2">
-            <a:extLst>
-              <a:ext uri="{FF2B5EF4-FFF2-40B4-BE49-F238E27FC236}">
-                <a16:creationId xmlns:a16="http://schemas.microsoft.com/office/drawing/2014/main" id="{06019DB7-55BE-F2E9-FCEC-C0377D2A2410}"/>
-              </a:ext>
-            </a:extLst>
-          </p:cNvPr>
+          <p:cNvPr id="3" name="Footer Placeholder 2"/>
           <p:cNvSpPr>
             <a:spLocks noGrp="1"/>
           </p:cNvSpPr>
@@ -2521,13 +2252,7 @@
       </p:sp>
       <p:sp>
         <p:nvSpPr>
-          <p:cNvPr id="4" name="Slide Number Placeholder 3">
-            <a:extLst>
-              <a:ext uri="{FF2B5EF4-FFF2-40B4-BE49-F238E27FC236}">
-                <a16:creationId xmlns:a16="http://schemas.microsoft.com/office/drawing/2014/main" id="{EF89C2C8-3862-6978-9468-3ABB2340A70E}"/>
-              </a:ext>
-            </a:extLst>
-          </p:cNvPr>
+          <p:cNvPr id="4" name="Slide Number Placeholder 3"/>
           <p:cNvSpPr>
             <a:spLocks noGrp="1"/>
           </p:cNvSpPr>
@@ -2551,7 +2276,7 @@
     </p:spTree>
     <p:extLst>
       <p:ext uri="{BB962C8B-B14F-4D97-AF65-F5344CB8AC3E}">
-        <p14:creationId xmlns:p14="http://schemas.microsoft.com/office/powerpoint/2010/main" val="4172907439"/>
+        <p14:creationId xmlns:p14="http://schemas.microsoft.com/office/powerpoint/2010/main" val="35710003"/>
       </p:ext>
     </p:extLst>
   </p:cSld>
@@ -2580,13 +2305,7 @@
       </p:grpSpPr>
       <p:sp>
         <p:nvSpPr>
-          <p:cNvPr id="2" name="Title 1">
-            <a:extLst>
-              <a:ext uri="{FF2B5EF4-FFF2-40B4-BE49-F238E27FC236}">
-                <a16:creationId xmlns:a16="http://schemas.microsoft.com/office/drawing/2014/main" id="{D0433FE4-B2C4-C073-27A7-53FABCFBA62C}"/>
-              </a:ext>
-            </a:extLst>
-          </p:cNvPr>
+          <p:cNvPr id="2" name="Title 1"/>
           <p:cNvSpPr>
             <a:spLocks noGrp="1"/>
           </p:cNvSpPr>
@@ -2596,15 +2315,15 @@
         </p:nvSpPr>
         <p:spPr>
           <a:xfrm>
-            <a:off x="839788" y="457200"/>
-            <a:ext cx="3932237" cy="1600200"/>
+            <a:off x="2084817" y="2852949"/>
+            <a:ext cx="9761984" cy="9985322"/>
           </a:xfrm>
         </p:spPr>
         <p:txBody>
           <a:bodyPr anchor="b"/>
           <a:lstStyle>
             <a:lvl1pPr>
-              <a:defRPr sz="3200"/>
+              <a:defRPr sz="10592"/>
             </a:lvl1pPr>
           </a:lstStyle>
           <a:p>
@@ -2612,19 +2331,13 @@
               <a:rPr lang="en-US"/>
               <a:t>Click to edit Master title style</a:t>
             </a:r>
-            <a:endParaRPr lang="en-GB"/>
-          </a:p>
-        </p:txBody>
-      </p:sp>
-      <p:sp>
-        <p:nvSpPr>
-          <p:cNvPr id="3" name="Content Placeholder 2">
-            <a:extLst>
-              <a:ext uri="{FF2B5EF4-FFF2-40B4-BE49-F238E27FC236}">
-                <a16:creationId xmlns:a16="http://schemas.microsoft.com/office/drawing/2014/main" id="{C2F469DE-DA14-44EB-A561-82CA3A00F4F7}"/>
-              </a:ext>
-            </a:extLst>
-          </p:cNvPr>
+            <a:endParaRPr lang="en-US" dirty="0"/>
+          </a:p>
+        </p:txBody>
+      </p:sp>
+      <p:sp>
+        <p:nvSpPr>
+          <p:cNvPr id="3" name="Content Placeholder 2"/>
           <p:cNvSpPr>
             <a:spLocks noGrp="1"/>
           </p:cNvSpPr>
@@ -2634,39 +2347,39 @@
         </p:nvSpPr>
         <p:spPr>
           <a:xfrm>
-            <a:off x="5183188" y="987425"/>
-            <a:ext cx="6172200" cy="4873625"/>
+            <a:off x="12867534" y="6161587"/>
+            <a:ext cx="15322808" cy="30411646"/>
           </a:xfrm>
         </p:spPr>
         <p:txBody>
           <a:bodyPr/>
           <a:lstStyle>
             <a:lvl1pPr>
-              <a:defRPr sz="3200"/>
+              <a:defRPr sz="10592"/>
             </a:lvl1pPr>
             <a:lvl2pPr>
-              <a:defRPr sz="2800"/>
+              <a:defRPr sz="9268"/>
             </a:lvl2pPr>
             <a:lvl3pPr>
-              <a:defRPr sz="2400"/>
+              <a:defRPr sz="7944"/>
             </a:lvl3pPr>
             <a:lvl4pPr>
-              <a:defRPr sz="2000"/>
+              <a:defRPr sz="6620"/>
             </a:lvl4pPr>
             <a:lvl5pPr>
-              <a:defRPr sz="2000"/>
+              <a:defRPr sz="6620"/>
             </a:lvl5pPr>
             <a:lvl6pPr>
-              <a:defRPr sz="2000"/>
+              <a:defRPr sz="6620"/>
             </a:lvl6pPr>
             <a:lvl7pPr>
-              <a:defRPr sz="2000"/>
+              <a:defRPr sz="6620"/>
             </a:lvl7pPr>
             <a:lvl8pPr>
-              <a:defRPr sz="2000"/>
+              <a:defRPr sz="6620"/>
             </a:lvl8pPr>
             <a:lvl9pPr>
-              <a:defRPr sz="2000"/>
+              <a:defRPr sz="6620"/>
             </a:lvl9pPr>
           </a:lstStyle>
           <a:p>
@@ -2703,19 +2416,13 @@
               <a:rPr lang="en-US"/>
               <a:t>Fifth level</a:t>
             </a:r>
-            <a:endParaRPr lang="en-GB"/>
-          </a:p>
-        </p:txBody>
-      </p:sp>
-      <p:sp>
-        <p:nvSpPr>
-          <p:cNvPr id="4" name="Text Placeholder 3">
-            <a:extLst>
-              <a:ext uri="{FF2B5EF4-FFF2-40B4-BE49-F238E27FC236}">
-                <a16:creationId xmlns:a16="http://schemas.microsoft.com/office/drawing/2014/main" id="{09F9B171-4A64-6F18-7FDE-4FA21DC69553}"/>
-              </a:ext>
-            </a:extLst>
-          </p:cNvPr>
+            <a:endParaRPr lang="en-US" dirty="0"/>
+          </a:p>
+        </p:txBody>
+      </p:sp>
+      <p:sp>
+        <p:nvSpPr>
+          <p:cNvPr id="4" name="Text Placeholder 3"/>
           <p:cNvSpPr>
             <a:spLocks noGrp="1"/>
           </p:cNvSpPr>
@@ -2725,8 +2432,8 @@
         </p:nvSpPr>
         <p:spPr>
           <a:xfrm>
-            <a:off x="839788" y="2057400"/>
-            <a:ext cx="3932237" cy="3811588"/>
+            <a:off x="2084817" y="12838271"/>
+            <a:ext cx="9761984" cy="23784486"/>
           </a:xfrm>
         </p:spPr>
         <p:txBody>
@@ -2734,39 +2441,39 @@
           <a:lstStyle>
             <a:lvl1pPr marL="0" indent="0">
               <a:buNone/>
-              <a:defRPr sz="1600"/>
+              <a:defRPr sz="5296"/>
             </a:lvl1pPr>
-            <a:lvl2pPr marL="457200" indent="0">
+            <a:lvl2pPr marL="1513378" indent="0">
               <a:buNone/>
-              <a:defRPr sz="1400"/>
+              <a:defRPr sz="4634"/>
             </a:lvl2pPr>
-            <a:lvl3pPr marL="914400" indent="0">
+            <a:lvl3pPr marL="3026755" indent="0">
               <a:buNone/>
-              <a:defRPr sz="1200"/>
+              <a:defRPr sz="3972"/>
             </a:lvl3pPr>
-            <a:lvl4pPr marL="1371600" indent="0">
+            <a:lvl4pPr marL="4540133" indent="0">
               <a:buNone/>
-              <a:defRPr sz="1000"/>
+              <a:defRPr sz="3310"/>
             </a:lvl4pPr>
-            <a:lvl5pPr marL="1828800" indent="0">
+            <a:lvl5pPr marL="6053511" indent="0">
               <a:buNone/>
-              <a:defRPr sz="1000"/>
+              <a:defRPr sz="3310"/>
             </a:lvl5pPr>
-            <a:lvl6pPr marL="2286000" indent="0">
+            <a:lvl6pPr marL="7566889" indent="0">
               <a:buNone/>
-              <a:defRPr sz="1000"/>
+              <a:defRPr sz="3310"/>
             </a:lvl6pPr>
-            <a:lvl7pPr marL="2743200" indent="0">
+            <a:lvl7pPr marL="9080266" indent="0">
               <a:buNone/>
-              <a:defRPr sz="1000"/>
+              <a:defRPr sz="3310"/>
             </a:lvl7pPr>
-            <a:lvl8pPr marL="3200400" indent="0">
+            <a:lvl8pPr marL="10593644" indent="0">
               <a:buNone/>
-              <a:defRPr sz="1000"/>
+              <a:defRPr sz="3310"/>
             </a:lvl8pPr>
-            <a:lvl9pPr marL="3657600" indent="0">
+            <a:lvl9pPr marL="12107022" indent="0">
               <a:buNone/>
-              <a:defRPr sz="1000"/>
+              <a:defRPr sz="3310"/>
             </a:lvl9pPr>
           </a:lstStyle>
           <a:p>
@@ -2780,13 +2487,7 @@
       </p:sp>
       <p:sp>
         <p:nvSpPr>
-          <p:cNvPr id="5" name="Date Placeholder 4">
-            <a:extLst>
-              <a:ext uri="{FF2B5EF4-FFF2-40B4-BE49-F238E27FC236}">
-                <a16:creationId xmlns:a16="http://schemas.microsoft.com/office/drawing/2014/main" id="{EB7E1E62-77D3-14AD-4EA3-8AB49C86F116}"/>
-              </a:ext>
-            </a:extLst>
-          </p:cNvPr>
+          <p:cNvPr id="5" name="Date Placeholder 4"/>
           <p:cNvSpPr>
             <a:spLocks noGrp="1"/>
           </p:cNvSpPr>
@@ -2809,13 +2510,7 @@
       </p:sp>
       <p:sp>
         <p:nvSpPr>
-          <p:cNvPr id="6" name="Footer Placeholder 5">
-            <a:extLst>
-              <a:ext uri="{FF2B5EF4-FFF2-40B4-BE49-F238E27FC236}">
-                <a16:creationId xmlns:a16="http://schemas.microsoft.com/office/drawing/2014/main" id="{D5EBEC96-269B-7F19-7A32-4B023F656472}"/>
-              </a:ext>
-            </a:extLst>
-          </p:cNvPr>
+          <p:cNvPr id="6" name="Footer Placeholder 5"/>
           <p:cNvSpPr>
             <a:spLocks noGrp="1"/>
           </p:cNvSpPr>
@@ -2834,13 +2529,7 @@
       </p:sp>
       <p:sp>
         <p:nvSpPr>
-          <p:cNvPr id="7" name="Slide Number Placeholder 6">
-            <a:extLst>
-              <a:ext uri="{FF2B5EF4-FFF2-40B4-BE49-F238E27FC236}">
-                <a16:creationId xmlns:a16="http://schemas.microsoft.com/office/drawing/2014/main" id="{03D94061-789D-2511-DAEC-21FDA54654FD}"/>
-              </a:ext>
-            </a:extLst>
-          </p:cNvPr>
+          <p:cNvPr id="7" name="Slide Number Placeholder 6"/>
           <p:cNvSpPr>
             <a:spLocks noGrp="1"/>
           </p:cNvSpPr>
@@ -2864,7 +2553,7 @@
     </p:spTree>
     <p:extLst>
       <p:ext uri="{BB962C8B-B14F-4D97-AF65-F5344CB8AC3E}">
-        <p14:creationId xmlns:p14="http://schemas.microsoft.com/office/powerpoint/2010/main" val="824167732"/>
+        <p14:creationId xmlns:p14="http://schemas.microsoft.com/office/powerpoint/2010/main" val="2736302533"/>
       </p:ext>
     </p:extLst>
   </p:cSld>
@@ -2893,13 +2582,7 @@
       </p:grpSpPr>
       <p:sp>
         <p:nvSpPr>
-          <p:cNvPr id="2" name="Title 1">
-            <a:extLst>
-              <a:ext uri="{FF2B5EF4-FFF2-40B4-BE49-F238E27FC236}">
-                <a16:creationId xmlns:a16="http://schemas.microsoft.com/office/drawing/2014/main" id="{F8BA3152-7BFF-A9EA-6B6F-A8C2ED507ACA}"/>
-              </a:ext>
-            </a:extLst>
-          </p:cNvPr>
+          <p:cNvPr id="2" name="Title 1"/>
           <p:cNvSpPr>
             <a:spLocks noGrp="1"/>
           </p:cNvSpPr>
@@ -2909,15 +2592,15 @@
         </p:nvSpPr>
         <p:spPr>
           <a:xfrm>
-            <a:off x="839788" y="457200"/>
-            <a:ext cx="3932237" cy="1600200"/>
+            <a:off x="2084817" y="2852949"/>
+            <a:ext cx="9761984" cy="9985322"/>
           </a:xfrm>
         </p:spPr>
         <p:txBody>
           <a:bodyPr anchor="b"/>
           <a:lstStyle>
             <a:lvl1pPr>
-              <a:defRPr sz="3200"/>
+              <a:defRPr sz="10592"/>
             </a:lvl1pPr>
           </a:lstStyle>
           <a:p>
@@ -2925,21 +2608,15 @@
               <a:rPr lang="en-US"/>
               <a:t>Click to edit Master title style</a:t>
             </a:r>
-            <a:endParaRPr lang="en-GB"/>
-          </a:p>
-        </p:txBody>
-      </p:sp>
-      <p:sp>
-        <p:nvSpPr>
-          <p:cNvPr id="3" name="Picture Placeholder 2">
-            <a:extLst>
-              <a:ext uri="{FF2B5EF4-FFF2-40B4-BE49-F238E27FC236}">
-                <a16:creationId xmlns:a16="http://schemas.microsoft.com/office/drawing/2014/main" id="{54563B95-E340-E427-5B2F-9B23745D9B33}"/>
-              </a:ext>
-            </a:extLst>
-          </p:cNvPr>
+            <a:endParaRPr lang="en-US" dirty="0"/>
+          </a:p>
+        </p:txBody>
+      </p:sp>
+      <p:sp>
+        <p:nvSpPr>
+          <p:cNvPr id="3" name="Picture Placeholder 2"/>
           <p:cNvSpPr>
-            <a:spLocks noGrp="1"/>
+            <a:spLocks noGrp="1" noChangeAspect="1"/>
           </p:cNvSpPr>
           <p:nvPr>
             <p:ph type="pic" idx="1"/>
@@ -2947,64 +2624,62 @@
         </p:nvSpPr>
         <p:spPr>
           <a:xfrm>
-            <a:off x="5183188" y="987425"/>
-            <a:ext cx="6172200" cy="4873625"/>
-          </a:xfrm>
-        </p:spPr>
-        <p:txBody>
-          <a:bodyPr/>
+            <a:off x="12867534" y="6161587"/>
+            <a:ext cx="15322808" cy="30411646"/>
+          </a:xfrm>
+        </p:spPr>
+        <p:txBody>
+          <a:bodyPr anchor="t"/>
           <a:lstStyle>
             <a:lvl1pPr marL="0" indent="0">
               <a:buNone/>
-              <a:defRPr sz="3200"/>
+              <a:defRPr sz="10592"/>
             </a:lvl1pPr>
-            <a:lvl2pPr marL="457200" indent="0">
+            <a:lvl2pPr marL="1513378" indent="0">
               <a:buNone/>
-              <a:defRPr sz="2800"/>
+              <a:defRPr sz="9268"/>
             </a:lvl2pPr>
-            <a:lvl3pPr marL="914400" indent="0">
+            <a:lvl3pPr marL="3026755" indent="0">
               <a:buNone/>
-              <a:defRPr sz="2400"/>
+              <a:defRPr sz="7944"/>
             </a:lvl3pPr>
-            <a:lvl4pPr marL="1371600" indent="0">
+            <a:lvl4pPr marL="4540133" indent="0">
               <a:buNone/>
-              <a:defRPr sz="2000"/>
+              <a:defRPr sz="6620"/>
             </a:lvl4pPr>
-            <a:lvl5pPr marL="1828800" indent="0">
+            <a:lvl5pPr marL="6053511" indent="0">
               <a:buNone/>
-              <a:defRPr sz="2000"/>
+              <a:defRPr sz="6620"/>
             </a:lvl5pPr>
-            <a:lvl6pPr marL="2286000" indent="0">
+            <a:lvl6pPr marL="7566889" indent="0">
               <a:buNone/>
-              <a:defRPr sz="2000"/>
+              <a:defRPr sz="6620"/>
             </a:lvl6pPr>
-            <a:lvl7pPr marL="2743200" indent="0">
+            <a:lvl7pPr marL="9080266" indent="0">
               <a:buNone/>
-              <a:defRPr sz="2000"/>
+              <a:defRPr sz="6620"/>
             </a:lvl7pPr>
-            <a:lvl8pPr marL="3200400" indent="0">
+            <a:lvl8pPr marL="10593644" indent="0">
               <a:buNone/>
-              <a:defRPr sz="2000"/>
+              <a:defRPr sz="6620"/>
             </a:lvl8pPr>
-            <a:lvl9pPr marL="3657600" indent="0">
+            <a:lvl9pPr marL="12107022" indent="0">
               <a:buNone/>
-              <a:defRPr sz="2000"/>
+              <a:defRPr sz="6620"/>
             </a:lvl9pPr>
           </a:lstStyle>
           <a:p>
-            <a:endParaRPr lang="en-GB"/>
-          </a:p>
-        </p:txBody>
-      </p:sp>
-      <p:sp>
-        <p:nvSpPr>
-          <p:cNvPr id="4" name="Text Placeholder 3">
-            <a:extLst>
-              <a:ext uri="{FF2B5EF4-FFF2-40B4-BE49-F238E27FC236}">
-                <a16:creationId xmlns:a16="http://schemas.microsoft.com/office/drawing/2014/main" id="{60F690B1-E66D-0B2B-2DD8-2C47D7BF6F74}"/>
-              </a:ext>
-            </a:extLst>
-          </p:cNvPr>
+            <a:r>
+              <a:rPr lang="en-US"/>
+              <a:t>Click icon to add picture</a:t>
+            </a:r>
+            <a:endParaRPr lang="en-US" dirty="0"/>
+          </a:p>
+        </p:txBody>
+      </p:sp>
+      <p:sp>
+        <p:nvSpPr>
+          <p:cNvPr id="4" name="Text Placeholder 3"/>
           <p:cNvSpPr>
             <a:spLocks noGrp="1"/>
           </p:cNvSpPr>
@@ -3014,8 +2689,8 @@
         </p:nvSpPr>
         <p:spPr>
           <a:xfrm>
-            <a:off x="839788" y="2057400"/>
-            <a:ext cx="3932237" cy="3811588"/>
+            <a:off x="2084817" y="12838271"/>
+            <a:ext cx="9761984" cy="23784486"/>
           </a:xfrm>
         </p:spPr>
         <p:txBody>
@@ -3023,39 +2698,39 @@
           <a:lstStyle>
             <a:lvl1pPr marL="0" indent="0">
               <a:buNone/>
-              <a:defRPr sz="1600"/>
+              <a:defRPr sz="5296"/>
             </a:lvl1pPr>
-            <a:lvl2pPr marL="457200" indent="0">
+            <a:lvl2pPr marL="1513378" indent="0">
               <a:buNone/>
-              <a:defRPr sz="1400"/>
+              <a:defRPr sz="4634"/>
             </a:lvl2pPr>
-            <a:lvl3pPr marL="914400" indent="0">
+            <a:lvl3pPr marL="3026755" indent="0">
               <a:buNone/>
-              <a:defRPr sz="1200"/>
+              <a:defRPr sz="3972"/>
             </a:lvl3pPr>
-            <a:lvl4pPr marL="1371600" indent="0">
+            <a:lvl4pPr marL="4540133" indent="0">
               <a:buNone/>
-              <a:defRPr sz="1000"/>
+              <a:defRPr sz="3310"/>
             </a:lvl4pPr>
-            <a:lvl5pPr marL="1828800" indent="0">
+            <a:lvl5pPr marL="6053511" indent="0">
               <a:buNone/>
-              <a:defRPr sz="1000"/>
+              <a:defRPr sz="3310"/>
             </a:lvl5pPr>
-            <a:lvl6pPr marL="2286000" indent="0">
+            <a:lvl6pPr marL="7566889" indent="0">
               <a:buNone/>
-              <a:defRPr sz="1000"/>
+              <a:defRPr sz="3310"/>
             </a:lvl6pPr>
-            <a:lvl7pPr marL="2743200" indent="0">
+            <a:lvl7pPr marL="9080266" indent="0">
               <a:buNone/>
-              <a:defRPr sz="1000"/>
+              <a:defRPr sz="3310"/>
             </a:lvl7pPr>
-            <a:lvl8pPr marL="3200400" indent="0">
+            <a:lvl8pPr marL="10593644" indent="0">
               <a:buNone/>
-              <a:defRPr sz="1000"/>
+              <a:defRPr sz="3310"/>
             </a:lvl8pPr>
-            <a:lvl9pPr marL="3657600" indent="0">
+            <a:lvl9pPr marL="12107022" indent="0">
               <a:buNone/>
-              <a:defRPr sz="1000"/>
+              <a:defRPr sz="3310"/>
             </a:lvl9pPr>
           </a:lstStyle>
           <a:p>
@@ -3069,13 +2744,7 @@
       </p:sp>
       <p:sp>
         <p:nvSpPr>
-          <p:cNvPr id="5" name="Date Placeholder 4">
-            <a:extLst>
-              <a:ext uri="{FF2B5EF4-FFF2-40B4-BE49-F238E27FC236}">
-                <a16:creationId xmlns:a16="http://schemas.microsoft.com/office/drawing/2014/main" id="{0A08E43C-BA60-E262-25F4-FC436769C9C2}"/>
-              </a:ext>
-            </a:extLst>
-          </p:cNvPr>
+          <p:cNvPr id="5" name="Date Placeholder 4"/>
           <p:cNvSpPr>
             <a:spLocks noGrp="1"/>
           </p:cNvSpPr>
@@ -3098,13 +2767,7 @@
       </p:sp>
       <p:sp>
         <p:nvSpPr>
-          <p:cNvPr id="6" name="Footer Placeholder 5">
-            <a:extLst>
-              <a:ext uri="{FF2B5EF4-FFF2-40B4-BE49-F238E27FC236}">
-                <a16:creationId xmlns:a16="http://schemas.microsoft.com/office/drawing/2014/main" id="{973FEC3C-A47B-BD8D-A6F0-D29D5F05B9F0}"/>
-              </a:ext>
-            </a:extLst>
-          </p:cNvPr>
+          <p:cNvPr id="6" name="Footer Placeholder 5"/>
           <p:cNvSpPr>
             <a:spLocks noGrp="1"/>
           </p:cNvSpPr>
@@ -3123,13 +2786,7 @@
       </p:sp>
       <p:sp>
         <p:nvSpPr>
-          <p:cNvPr id="7" name="Slide Number Placeholder 6">
-            <a:extLst>
-              <a:ext uri="{FF2B5EF4-FFF2-40B4-BE49-F238E27FC236}">
-                <a16:creationId xmlns:a16="http://schemas.microsoft.com/office/drawing/2014/main" id="{A22C7229-9EDB-DBDB-805E-9542D6FB79E3}"/>
-              </a:ext>
-            </a:extLst>
-          </p:cNvPr>
+          <p:cNvPr id="7" name="Slide Number Placeholder 6"/>
           <p:cNvSpPr>
             <a:spLocks noGrp="1"/>
           </p:cNvSpPr>
@@ -3153,7 +2810,7 @@
     </p:spTree>
     <p:extLst>
       <p:ext uri="{BB962C8B-B14F-4D97-AF65-F5344CB8AC3E}">
-        <p14:creationId xmlns:p14="http://schemas.microsoft.com/office/powerpoint/2010/main" val="3089267586"/>
+        <p14:creationId xmlns:p14="http://schemas.microsoft.com/office/powerpoint/2010/main" val="729050789"/>
       </p:ext>
     </p:extLst>
   </p:cSld>
@@ -3187,13 +2844,7 @@
       </p:grpSpPr>
       <p:sp>
         <p:nvSpPr>
-          <p:cNvPr id="2" name="Title Placeholder 1">
-            <a:extLst>
-              <a:ext uri="{FF2B5EF4-FFF2-40B4-BE49-F238E27FC236}">
-                <a16:creationId xmlns:a16="http://schemas.microsoft.com/office/drawing/2014/main" id="{6A56D5CD-3757-9351-3A2D-0FCB8297B650}"/>
-              </a:ext>
-            </a:extLst>
-          </p:cNvPr>
+          <p:cNvPr id="2" name="Title Placeholder 1"/>
           <p:cNvSpPr>
             <a:spLocks noGrp="1"/>
           </p:cNvSpPr>
@@ -3203,8 +2854,8 @@
         </p:nvSpPr>
         <p:spPr>
           <a:xfrm>
-            <a:off x="838200" y="365125"/>
-            <a:ext cx="10515600" cy="1325563"/>
+            <a:off x="2080875" y="2278406"/>
+            <a:ext cx="26105525" cy="8271575"/>
           </a:xfrm>
           <a:prstGeom prst="rect">
             <a:avLst/>
@@ -3220,19 +2871,13 @@
               <a:rPr lang="en-US"/>
               <a:t>Click to edit Master title style</a:t>
             </a:r>
-            <a:endParaRPr lang="en-GB"/>
-          </a:p>
-        </p:txBody>
-      </p:sp>
-      <p:sp>
-        <p:nvSpPr>
-          <p:cNvPr id="3" name="Text Placeholder 2">
-            <a:extLst>
-              <a:ext uri="{FF2B5EF4-FFF2-40B4-BE49-F238E27FC236}">
-                <a16:creationId xmlns:a16="http://schemas.microsoft.com/office/drawing/2014/main" id="{8D979C3C-6642-4D50-4F73-BFE5BDE16343}"/>
-              </a:ext>
-            </a:extLst>
-          </p:cNvPr>
+            <a:endParaRPr lang="en-US" dirty="0"/>
+          </a:p>
+        </p:txBody>
+      </p:sp>
+      <p:sp>
+        <p:nvSpPr>
+          <p:cNvPr id="3" name="Text Placeholder 2"/>
           <p:cNvSpPr>
             <a:spLocks noGrp="1"/>
           </p:cNvSpPr>
@@ -3242,8 +2887,8 @@
         </p:nvSpPr>
         <p:spPr>
           <a:xfrm>
-            <a:off x="838200" y="1825625"/>
-            <a:ext cx="10515600" cy="4351338"/>
+            <a:off x="2080875" y="11391985"/>
+            <a:ext cx="26105525" cy="27152551"/>
           </a:xfrm>
           <a:prstGeom prst="rect">
             <a:avLst/>
@@ -3288,19 +2933,13 @@
               <a:rPr lang="en-US"/>
               <a:t>Fifth level</a:t>
             </a:r>
-            <a:endParaRPr lang="en-GB"/>
-          </a:p>
-        </p:txBody>
-      </p:sp>
-      <p:sp>
-        <p:nvSpPr>
-          <p:cNvPr id="4" name="Date Placeholder 3">
-            <a:extLst>
-              <a:ext uri="{FF2B5EF4-FFF2-40B4-BE49-F238E27FC236}">
-                <a16:creationId xmlns:a16="http://schemas.microsoft.com/office/drawing/2014/main" id="{9A6B7841-1644-F4F2-7914-88CF9BEC8F12}"/>
-              </a:ext>
-            </a:extLst>
-          </p:cNvPr>
+            <a:endParaRPr lang="en-US" dirty="0"/>
+          </a:p>
+        </p:txBody>
+      </p:sp>
+      <p:sp>
+        <p:nvSpPr>
+          <p:cNvPr id="4" name="Date Placeholder 3"/>
           <p:cNvSpPr>
             <a:spLocks noGrp="1"/>
           </p:cNvSpPr>
@@ -3310,8 +2949,8 @@
         </p:nvSpPr>
         <p:spPr>
           <a:xfrm>
-            <a:off x="838200" y="6356350"/>
-            <a:ext cx="2743200" cy="365125"/>
+            <a:off x="2080875" y="39663928"/>
+            <a:ext cx="6810137" cy="2278397"/>
           </a:xfrm>
           <a:prstGeom prst="rect">
             <a:avLst/>
@@ -3321,7 +2960,7 @@
           <a:bodyPr vert="horz" lIns="91440" tIns="45720" rIns="91440" bIns="45720" rtlCol="0" anchor="ctr"/>
           <a:lstStyle>
             <a:lvl1pPr algn="l">
-              <a:defRPr sz="1200">
+              <a:defRPr sz="3972">
                 <a:solidFill>
                   <a:schemeClr val="tx1">
                     <a:tint val="75000"/>
@@ -3341,13 +2980,7 @@
       </p:sp>
       <p:sp>
         <p:nvSpPr>
-          <p:cNvPr id="5" name="Footer Placeholder 4">
-            <a:extLst>
-              <a:ext uri="{FF2B5EF4-FFF2-40B4-BE49-F238E27FC236}">
-                <a16:creationId xmlns:a16="http://schemas.microsoft.com/office/drawing/2014/main" id="{28C506F6-6635-212B-BBE2-C3F7AD70F18F}"/>
-              </a:ext>
-            </a:extLst>
-          </p:cNvPr>
+          <p:cNvPr id="5" name="Footer Placeholder 4"/>
           <p:cNvSpPr>
             <a:spLocks noGrp="1"/>
           </p:cNvSpPr>
@@ -3357,8 +2990,8 @@
         </p:nvSpPr>
         <p:spPr>
           <a:xfrm>
-            <a:off x="4038600" y="6356350"/>
-            <a:ext cx="4114800" cy="365125"/>
+            <a:off x="10026035" y="39663928"/>
+            <a:ext cx="10215205" cy="2278397"/>
           </a:xfrm>
           <a:prstGeom prst="rect">
             <a:avLst/>
@@ -3368,7 +3001,7 @@
           <a:bodyPr vert="horz" lIns="91440" tIns="45720" rIns="91440" bIns="45720" rtlCol="0" anchor="ctr"/>
           <a:lstStyle>
             <a:lvl1pPr algn="ctr">
-              <a:defRPr sz="1200">
+              <a:defRPr sz="3972">
                 <a:solidFill>
                   <a:schemeClr val="tx1">
                     <a:tint val="75000"/>
@@ -3384,13 +3017,7 @@
       </p:sp>
       <p:sp>
         <p:nvSpPr>
-          <p:cNvPr id="6" name="Slide Number Placeholder 5">
-            <a:extLst>
-              <a:ext uri="{FF2B5EF4-FFF2-40B4-BE49-F238E27FC236}">
-                <a16:creationId xmlns:a16="http://schemas.microsoft.com/office/drawing/2014/main" id="{042C2F2A-4C57-F3A0-6395-4915F47CF20F}"/>
-              </a:ext>
-            </a:extLst>
-          </p:cNvPr>
+          <p:cNvPr id="6" name="Slide Number Placeholder 5"/>
           <p:cNvSpPr>
             <a:spLocks noGrp="1"/>
           </p:cNvSpPr>
@@ -3400,8 +3027,8 @@
         </p:nvSpPr>
         <p:spPr>
           <a:xfrm>
-            <a:off x="8610600" y="6356350"/>
-            <a:ext cx="2743200" cy="365125"/>
+            <a:off x="21376263" y="39663928"/>
+            <a:ext cx="6810137" cy="2278397"/>
           </a:xfrm>
           <a:prstGeom prst="rect">
             <a:avLst/>
@@ -3411,7 +3038,7 @@
           <a:bodyPr vert="horz" lIns="91440" tIns="45720" rIns="91440" bIns="45720" rtlCol="0" anchor="ctr"/>
           <a:lstStyle>
             <a:lvl1pPr algn="r">
-              <a:defRPr sz="1200">
+              <a:defRPr sz="3972">
                 <a:solidFill>
                   <a:schemeClr val="tx1">
                     <a:tint val="75000"/>
@@ -3432,27 +3059,27 @@
     </p:spTree>
     <p:extLst>
       <p:ext uri="{BB962C8B-B14F-4D97-AF65-F5344CB8AC3E}">
-        <p14:creationId xmlns:p14="http://schemas.microsoft.com/office/powerpoint/2010/main" val="3550842806"/>
+        <p14:creationId xmlns:p14="http://schemas.microsoft.com/office/powerpoint/2010/main" val="3983613560"/>
       </p:ext>
     </p:extLst>
   </p:cSld>
   <p:clrMap bg1="lt1" tx1="dk1" bg2="lt2" tx2="dk2" accent1="accent1" accent2="accent2" accent3="accent3" accent4="accent4" accent5="accent5" accent6="accent6" hlink="hlink" folHlink="folHlink"/>
   <p:sldLayoutIdLst>
-    <p:sldLayoutId id="2147483662" r:id="rId1"/>
-    <p:sldLayoutId id="2147483663" r:id="rId2"/>
-    <p:sldLayoutId id="2147483664" r:id="rId3"/>
-    <p:sldLayoutId id="2147483665" r:id="rId4"/>
-    <p:sldLayoutId id="2147483666" r:id="rId5"/>
-    <p:sldLayoutId id="2147483667" r:id="rId6"/>
-    <p:sldLayoutId id="2147483668" r:id="rId7"/>
-    <p:sldLayoutId id="2147483669" r:id="rId8"/>
-    <p:sldLayoutId id="2147483670" r:id="rId9"/>
-    <p:sldLayoutId id="2147483671" r:id="rId10"/>
-    <p:sldLayoutId id="2147483672" r:id="rId11"/>
+    <p:sldLayoutId id="2147483674" r:id="rId1"/>
+    <p:sldLayoutId id="2147483675" r:id="rId2"/>
+    <p:sldLayoutId id="2147483676" r:id="rId3"/>
+    <p:sldLayoutId id="2147483677" r:id="rId4"/>
+    <p:sldLayoutId id="2147483678" r:id="rId5"/>
+    <p:sldLayoutId id="2147483679" r:id="rId6"/>
+    <p:sldLayoutId id="2147483680" r:id="rId7"/>
+    <p:sldLayoutId id="2147483681" r:id="rId8"/>
+    <p:sldLayoutId id="2147483682" r:id="rId9"/>
+    <p:sldLayoutId id="2147483683" r:id="rId10"/>
+    <p:sldLayoutId id="2147483684" r:id="rId11"/>
   </p:sldLayoutIdLst>
   <p:txStyles>
     <p:titleStyle>
-      <a:lvl1pPr algn="l" defTabSz="914400" rtl="0" eaLnBrk="1" latinLnBrk="0" hangingPunct="1">
+      <a:lvl1pPr algn="l" defTabSz="3026755" rtl="0" eaLnBrk="1" latinLnBrk="0" hangingPunct="1">
         <a:lnSpc>
           <a:spcPct val="90000"/>
         </a:lnSpc>
@@ -3460,7 +3087,7 @@
           <a:spcPct val="0"/>
         </a:spcBef>
         <a:buNone/>
-        <a:defRPr sz="4400" kern="1200">
+        <a:defRPr sz="14564" kern="1200">
           <a:solidFill>
             <a:schemeClr val="tx1"/>
           </a:solidFill>
@@ -3471,16 +3098,16 @@
       </a:lvl1pPr>
     </p:titleStyle>
     <p:bodyStyle>
-      <a:lvl1pPr marL="228600" indent="-228600" algn="l" defTabSz="914400" rtl="0" eaLnBrk="1" latinLnBrk="0" hangingPunct="1">
+      <a:lvl1pPr marL="756689" indent="-756689" algn="l" defTabSz="3026755" rtl="0" eaLnBrk="1" latinLnBrk="0" hangingPunct="1">
         <a:lnSpc>
           <a:spcPct val="90000"/>
         </a:lnSpc>
         <a:spcBef>
-          <a:spcPts val="1000"/>
+          <a:spcPts val="3310"/>
         </a:spcBef>
         <a:buFont typeface="Arial" panose="020B0604020202020204" pitchFamily="34" charset="0"/>
         <a:buChar char="•"/>
-        <a:defRPr sz="2800" kern="1200">
+        <a:defRPr sz="9268" kern="1200">
           <a:solidFill>
             <a:schemeClr val="tx1"/>
           </a:solidFill>
@@ -3489,16 +3116,16 @@
           <a:cs typeface="+mn-cs"/>
         </a:defRPr>
       </a:lvl1pPr>
-      <a:lvl2pPr marL="685800" indent="-228600" algn="l" defTabSz="914400" rtl="0" eaLnBrk="1" latinLnBrk="0" hangingPunct="1">
+      <a:lvl2pPr marL="2270067" indent="-756689" algn="l" defTabSz="3026755" rtl="0" eaLnBrk="1" latinLnBrk="0" hangingPunct="1">
         <a:lnSpc>
           <a:spcPct val="90000"/>
         </a:lnSpc>
         <a:spcBef>
-          <a:spcPts val="500"/>
+          <a:spcPts val="1655"/>
         </a:spcBef>
         <a:buFont typeface="Arial" panose="020B0604020202020204" pitchFamily="34" charset="0"/>
         <a:buChar char="•"/>
-        <a:defRPr sz="2400" kern="1200">
+        <a:defRPr sz="7944" kern="1200">
           <a:solidFill>
             <a:schemeClr val="tx1"/>
           </a:solidFill>
@@ -3507,16 +3134,16 @@
           <a:cs typeface="+mn-cs"/>
         </a:defRPr>
       </a:lvl2pPr>
-      <a:lvl3pPr marL="1143000" indent="-228600" algn="l" defTabSz="914400" rtl="0" eaLnBrk="1" latinLnBrk="0" hangingPunct="1">
+      <a:lvl3pPr marL="3783444" indent="-756689" algn="l" defTabSz="3026755" rtl="0" eaLnBrk="1" latinLnBrk="0" hangingPunct="1">
         <a:lnSpc>
           <a:spcPct val="90000"/>
         </a:lnSpc>
         <a:spcBef>
-          <a:spcPts val="500"/>
+          <a:spcPts val="1655"/>
         </a:spcBef>
         <a:buFont typeface="Arial" panose="020B0604020202020204" pitchFamily="34" charset="0"/>
         <a:buChar char="•"/>
-        <a:defRPr sz="2000" kern="1200">
+        <a:defRPr sz="6620" kern="1200">
           <a:solidFill>
             <a:schemeClr val="tx1"/>
           </a:solidFill>
@@ -3525,16 +3152,16 @@
           <a:cs typeface="+mn-cs"/>
         </a:defRPr>
       </a:lvl3pPr>
-      <a:lvl4pPr marL="1600200" indent="-228600" algn="l" defTabSz="914400" rtl="0" eaLnBrk="1" latinLnBrk="0" hangingPunct="1">
+      <a:lvl4pPr marL="5296822" indent="-756689" algn="l" defTabSz="3026755" rtl="0" eaLnBrk="1" latinLnBrk="0" hangingPunct="1">
         <a:lnSpc>
           <a:spcPct val="90000"/>
         </a:lnSpc>
         <a:spcBef>
-          <a:spcPts val="500"/>
+          <a:spcPts val="1655"/>
         </a:spcBef>
         <a:buFont typeface="Arial" panose="020B0604020202020204" pitchFamily="34" charset="0"/>
         <a:buChar char="•"/>
-        <a:defRPr sz="1800" kern="1200">
+        <a:defRPr sz="5958" kern="1200">
           <a:solidFill>
             <a:schemeClr val="tx1"/>
           </a:solidFill>
@@ -3543,16 +3170,16 @@
           <a:cs typeface="+mn-cs"/>
         </a:defRPr>
       </a:lvl4pPr>
-      <a:lvl5pPr marL="2057400" indent="-228600" algn="l" defTabSz="914400" rtl="0" eaLnBrk="1" latinLnBrk="0" hangingPunct="1">
+      <a:lvl5pPr marL="6810200" indent="-756689" algn="l" defTabSz="3026755" rtl="0" eaLnBrk="1" latinLnBrk="0" hangingPunct="1">
         <a:lnSpc>
           <a:spcPct val="90000"/>
         </a:lnSpc>
         <a:spcBef>
-          <a:spcPts val="500"/>
+          <a:spcPts val="1655"/>
         </a:spcBef>
         <a:buFont typeface="Arial" panose="020B0604020202020204" pitchFamily="34" charset="0"/>
         <a:buChar char="•"/>
-        <a:defRPr sz="1800" kern="1200">
+        <a:defRPr sz="5958" kern="1200">
           <a:solidFill>
             <a:schemeClr val="tx1"/>
           </a:solidFill>
@@ -3561,16 +3188,16 @@
           <a:cs typeface="+mn-cs"/>
         </a:defRPr>
       </a:lvl5pPr>
-      <a:lvl6pPr marL="2514600" indent="-228600" algn="l" defTabSz="914400" rtl="0" eaLnBrk="1" latinLnBrk="0" hangingPunct="1">
+      <a:lvl6pPr marL="8323577" indent="-756689" algn="l" defTabSz="3026755" rtl="0" eaLnBrk="1" latinLnBrk="0" hangingPunct="1">
         <a:lnSpc>
           <a:spcPct val="90000"/>
         </a:lnSpc>
         <a:spcBef>
-          <a:spcPts val="500"/>
+          <a:spcPts val="1655"/>
         </a:spcBef>
         <a:buFont typeface="Arial" panose="020B0604020202020204" pitchFamily="34" charset="0"/>
         <a:buChar char="•"/>
-        <a:defRPr sz="1800" kern="1200">
+        <a:defRPr sz="5958" kern="1200">
           <a:solidFill>
             <a:schemeClr val="tx1"/>
           </a:solidFill>
@@ -3579,16 +3206,16 @@
           <a:cs typeface="+mn-cs"/>
         </a:defRPr>
       </a:lvl6pPr>
-      <a:lvl7pPr marL="2971800" indent="-228600" algn="l" defTabSz="914400" rtl="0" eaLnBrk="1" latinLnBrk="0" hangingPunct="1">
+      <a:lvl7pPr marL="9836955" indent="-756689" algn="l" defTabSz="3026755" rtl="0" eaLnBrk="1" latinLnBrk="0" hangingPunct="1">
         <a:lnSpc>
           <a:spcPct val="90000"/>
         </a:lnSpc>
         <a:spcBef>
-          <a:spcPts val="500"/>
+          <a:spcPts val="1655"/>
         </a:spcBef>
         <a:buFont typeface="Arial" panose="020B0604020202020204" pitchFamily="34" charset="0"/>
         <a:buChar char="•"/>
-        <a:defRPr sz="1800" kern="1200">
+        <a:defRPr sz="5958" kern="1200">
           <a:solidFill>
             <a:schemeClr val="tx1"/>
           </a:solidFill>
@@ -3597,16 +3224,16 @@
           <a:cs typeface="+mn-cs"/>
         </a:defRPr>
       </a:lvl7pPr>
-      <a:lvl8pPr marL="3429000" indent="-228600" algn="l" defTabSz="914400" rtl="0" eaLnBrk="1" latinLnBrk="0" hangingPunct="1">
+      <a:lvl8pPr marL="11350333" indent="-756689" algn="l" defTabSz="3026755" rtl="0" eaLnBrk="1" latinLnBrk="0" hangingPunct="1">
         <a:lnSpc>
           <a:spcPct val="90000"/>
         </a:lnSpc>
         <a:spcBef>
-          <a:spcPts val="500"/>
+          <a:spcPts val="1655"/>
         </a:spcBef>
         <a:buFont typeface="Arial" panose="020B0604020202020204" pitchFamily="34" charset="0"/>
         <a:buChar char="•"/>
-        <a:defRPr sz="1800" kern="1200">
+        <a:defRPr sz="5958" kern="1200">
           <a:solidFill>
             <a:schemeClr val="tx1"/>
           </a:solidFill>
@@ -3615,16 +3242,16 @@
           <a:cs typeface="+mn-cs"/>
         </a:defRPr>
       </a:lvl8pPr>
-      <a:lvl9pPr marL="3886200" indent="-228600" algn="l" defTabSz="914400" rtl="0" eaLnBrk="1" latinLnBrk="0" hangingPunct="1">
+      <a:lvl9pPr marL="12863711" indent="-756689" algn="l" defTabSz="3026755" rtl="0" eaLnBrk="1" latinLnBrk="0" hangingPunct="1">
         <a:lnSpc>
           <a:spcPct val="90000"/>
         </a:lnSpc>
         <a:spcBef>
-          <a:spcPts val="500"/>
+          <a:spcPts val="1655"/>
         </a:spcBef>
         <a:buFont typeface="Arial" panose="020B0604020202020204" pitchFamily="34" charset="0"/>
         <a:buChar char="•"/>
-        <a:defRPr sz="1800" kern="1200">
+        <a:defRPr sz="5958" kern="1200">
           <a:solidFill>
             <a:schemeClr val="tx1"/>
           </a:solidFill>
@@ -3638,8 +3265,8 @@
       <a:defPPr>
         <a:defRPr lang="en-US"/>
       </a:defPPr>
-      <a:lvl1pPr marL="0" algn="l" defTabSz="914400" rtl="0" eaLnBrk="1" latinLnBrk="0" hangingPunct="1">
-        <a:defRPr sz="1800" kern="1200">
+      <a:lvl1pPr marL="0" algn="l" defTabSz="3026755" rtl="0" eaLnBrk="1" latinLnBrk="0" hangingPunct="1">
+        <a:defRPr sz="5958" kern="1200">
           <a:solidFill>
             <a:schemeClr val="tx1"/>
           </a:solidFill>
@@ -3648,8 +3275,8 @@
           <a:cs typeface="+mn-cs"/>
         </a:defRPr>
       </a:lvl1pPr>
-      <a:lvl2pPr marL="457200" algn="l" defTabSz="914400" rtl="0" eaLnBrk="1" latinLnBrk="0" hangingPunct="1">
-        <a:defRPr sz="1800" kern="1200">
+      <a:lvl2pPr marL="1513378" algn="l" defTabSz="3026755" rtl="0" eaLnBrk="1" latinLnBrk="0" hangingPunct="1">
+        <a:defRPr sz="5958" kern="1200">
           <a:solidFill>
             <a:schemeClr val="tx1"/>
           </a:solidFill>
@@ -3658,8 +3285,8 @@
           <a:cs typeface="+mn-cs"/>
         </a:defRPr>
       </a:lvl2pPr>
-      <a:lvl3pPr marL="914400" algn="l" defTabSz="914400" rtl="0" eaLnBrk="1" latinLnBrk="0" hangingPunct="1">
-        <a:defRPr sz="1800" kern="1200">
+      <a:lvl3pPr marL="3026755" algn="l" defTabSz="3026755" rtl="0" eaLnBrk="1" latinLnBrk="0" hangingPunct="1">
+        <a:defRPr sz="5958" kern="1200">
           <a:solidFill>
             <a:schemeClr val="tx1"/>
           </a:solidFill>
@@ -3668,8 +3295,8 @@
           <a:cs typeface="+mn-cs"/>
         </a:defRPr>
       </a:lvl3pPr>
-      <a:lvl4pPr marL="1371600" algn="l" defTabSz="914400" rtl="0" eaLnBrk="1" latinLnBrk="0" hangingPunct="1">
-        <a:defRPr sz="1800" kern="1200">
+      <a:lvl4pPr marL="4540133" algn="l" defTabSz="3026755" rtl="0" eaLnBrk="1" latinLnBrk="0" hangingPunct="1">
+        <a:defRPr sz="5958" kern="1200">
           <a:solidFill>
             <a:schemeClr val="tx1"/>
           </a:solidFill>
@@ -3678,8 +3305,8 @@
           <a:cs typeface="+mn-cs"/>
         </a:defRPr>
       </a:lvl4pPr>
-      <a:lvl5pPr marL="1828800" algn="l" defTabSz="914400" rtl="0" eaLnBrk="1" latinLnBrk="0" hangingPunct="1">
-        <a:defRPr sz="1800" kern="1200">
+      <a:lvl5pPr marL="6053511" algn="l" defTabSz="3026755" rtl="0" eaLnBrk="1" latinLnBrk="0" hangingPunct="1">
+        <a:defRPr sz="5958" kern="1200">
           <a:solidFill>
             <a:schemeClr val="tx1"/>
           </a:solidFill>
@@ -3688,8 +3315,8 @@
           <a:cs typeface="+mn-cs"/>
         </a:defRPr>
       </a:lvl5pPr>
-      <a:lvl6pPr marL="2286000" algn="l" defTabSz="914400" rtl="0" eaLnBrk="1" latinLnBrk="0" hangingPunct="1">
-        <a:defRPr sz="1800" kern="1200">
+      <a:lvl6pPr marL="7566889" algn="l" defTabSz="3026755" rtl="0" eaLnBrk="1" latinLnBrk="0" hangingPunct="1">
+        <a:defRPr sz="5958" kern="1200">
           <a:solidFill>
             <a:schemeClr val="tx1"/>
           </a:solidFill>
@@ -3698,8 +3325,8 @@
           <a:cs typeface="+mn-cs"/>
         </a:defRPr>
       </a:lvl6pPr>
-      <a:lvl7pPr marL="2743200" algn="l" defTabSz="914400" rtl="0" eaLnBrk="1" latinLnBrk="0" hangingPunct="1">
-        <a:defRPr sz="1800" kern="1200">
+      <a:lvl7pPr marL="9080266" algn="l" defTabSz="3026755" rtl="0" eaLnBrk="1" latinLnBrk="0" hangingPunct="1">
+        <a:defRPr sz="5958" kern="1200">
           <a:solidFill>
             <a:schemeClr val="tx1"/>
           </a:solidFill>
@@ -3708,8 +3335,8 @@
           <a:cs typeface="+mn-cs"/>
         </a:defRPr>
       </a:lvl7pPr>
-      <a:lvl8pPr marL="3200400" algn="l" defTabSz="914400" rtl="0" eaLnBrk="1" latinLnBrk="0" hangingPunct="1">
-        <a:defRPr sz="1800" kern="1200">
+      <a:lvl8pPr marL="10593644" algn="l" defTabSz="3026755" rtl="0" eaLnBrk="1" latinLnBrk="0" hangingPunct="1">
+        <a:defRPr sz="5958" kern="1200">
           <a:solidFill>
             <a:schemeClr val="tx1"/>
           </a:solidFill>
@@ -3718,8 +3345,8 @@
           <a:cs typeface="+mn-cs"/>
         </a:defRPr>
       </a:lvl8pPr>
-      <a:lvl9pPr marL="3657600" algn="l" defTabSz="914400" rtl="0" eaLnBrk="1" latinLnBrk="0" hangingPunct="1">
-        <a:defRPr sz="1800" kern="1200">
+      <a:lvl9pPr marL="12107022" algn="l" defTabSz="3026755" rtl="0" eaLnBrk="1" latinLnBrk="0" hangingPunct="1">
+        <a:defRPr sz="5958" kern="1200">
           <a:solidFill>
             <a:schemeClr val="tx1"/>
           </a:solidFill>
@@ -3739,7 +3366,9 @@
     <p:bg>
       <p:bgPr>
         <a:solidFill>
-          <a:schemeClr val="bg1"/>
+          <a:schemeClr val="bg1">
+            <a:alpha val="16000"/>
+          </a:schemeClr>
         </a:solidFill>
         <a:effectLst/>
       </p:bgPr>
@@ -3758,125 +3387,47 @@
           <a:chExt cx="0" cy="0"/>
         </a:xfrm>
       </p:grpSpPr>
-      <p:sp useBgFill="1">
-        <p:nvSpPr>
-          <p:cNvPr id="16" name="Rectangle 15">
+      <p:sp>
+        <p:nvSpPr>
+          <p:cNvPr id="37" name="Rectangle 36">
             <a:extLst>
               <a:ext uri="{FF2B5EF4-FFF2-40B4-BE49-F238E27FC236}">
-                <a16:creationId xmlns:a16="http://schemas.microsoft.com/office/drawing/2014/main" id="{AB8C311F-7253-4AED-9701-7FC0708C41C7}"/>
-              </a:ext>
-              <a:ext uri="{C183D7F6-B498-43B3-948B-1728B52AA6E4}">
-                <adec:decorative xmlns:adec="http://schemas.microsoft.com/office/drawing/2017/decorative" val="1"/>
+                <a16:creationId xmlns:a16="http://schemas.microsoft.com/office/drawing/2014/main" id="{0547F8DA-4D2D-79A0-4569-4AE015C95BE7}"/>
               </a:ext>
             </a:extLst>
           </p:cNvPr>
-          <p:cNvSpPr>
-            <a:spLocks noGrp="1" noRot="1" noChangeAspect="1" noMove="1" noResize="1" noEditPoints="1" noAdjustHandles="1" noChangeArrowheads="1" noChangeShapeType="1" noTextEdit="1"/>
-          </p:cNvSpPr>
-          <p:nvPr>
-            <p:extLst>
-              <p:ext uri="{386F3935-93C4-4BCD-93E2-E3B085C9AB24}">
-                <p16:designElem xmlns:p16="http://schemas.microsoft.com/office/powerpoint/2015/main" val="1"/>
-              </p:ext>
-            </p:extLst>
-          </p:nvPr>
-        </p:nvSpPr>
-        <p:spPr>
-          <a:xfrm>
-            <a:off x="0" y="0"/>
-            <a:ext cx="12192000" cy="6858000"/>
+          <p:cNvSpPr/>
+          <p:nvPr/>
+        </p:nvSpPr>
+        <p:spPr>
+          <a:xfrm>
+            <a:off x="-1" y="32308800"/>
+            <a:ext cx="30267276" cy="10618862"/>
           </a:xfrm>
           <a:prstGeom prst="rect">
             <a:avLst/>
           </a:prstGeom>
-          <a:ln w="12700" cap="flat" cmpd="sng" algn="ctr">
-            <a:noFill/>
-            <a:prstDash val="solid"/>
-            <a:miter lim="800000"/>
-          </a:ln>
-          <a:effectLst/>
-          <a:extLst>
-            <a:ext uri="{91240B29-F687-4F45-9708-019B960494DF}">
-              <a14:hiddenLine xmlns:a14="http://schemas.microsoft.com/office/drawing/2010/main" w="12700" cap="flat" cmpd="sng" algn="ctr">
-                <a:solidFill>
-                  <a:schemeClr val="accent1">
-                    <a:shade val="50000"/>
-                  </a:schemeClr>
-                </a:solidFill>
-                <a:prstDash val="solid"/>
-                <a:miter lim="800000"/>
-              </a14:hiddenLine>
-            </a:ext>
-          </a:extLst>
-        </p:spPr>
-        <p:style>
-          <a:lnRef idx="2">
-            <a:schemeClr val="accent1">
-              <a:shade val="50000"/>
-            </a:schemeClr>
-          </a:lnRef>
-          <a:fillRef idx="1">
-            <a:schemeClr val="accent1"/>
-          </a:fillRef>
-          <a:effectRef idx="0">
-            <a:schemeClr val="accent1"/>
-          </a:effectRef>
-          <a:fontRef idx="minor">
-            <a:schemeClr val="lt1"/>
-          </a:fontRef>
-        </p:style>
-        <p:txBody>
-          <a:bodyPr rtlCol="0" anchor="ctr"/>
-          <a:lstStyle/>
-          <a:p>
-            <a:pPr algn="ctr"/>
-            <a:endParaRPr lang="en-US"/>
-          </a:p>
-        </p:txBody>
-      </p:sp>
-      <p:sp>
-        <p:nvSpPr>
-          <p:cNvPr id="18" name="Rectangle 17">
-            <a:extLst>
-              <a:ext uri="{FF2B5EF4-FFF2-40B4-BE49-F238E27FC236}">
-                <a16:creationId xmlns:a16="http://schemas.microsoft.com/office/drawing/2014/main" id="{E2384209-CB15-4CDF-9D31-C44FD9A3F20D}"/>
-              </a:ext>
-              <a:ext uri="{C183D7F6-B498-43B3-948B-1728B52AA6E4}">
-                <adec:decorative xmlns:adec="http://schemas.microsoft.com/office/drawing/2017/decorative" val="1"/>
-              </a:ext>
-            </a:extLst>
-          </p:cNvPr>
-          <p:cNvSpPr>
-            <a:spLocks noGrp="1" noRot="1" noChangeAspect="1" noMove="1" noResize="1" noEditPoints="1" noAdjustHandles="1" noChangeArrowheads="1" noChangeShapeType="1" noTextEdit="1"/>
-          </p:cNvSpPr>
-          <p:nvPr>
-            <p:extLst>
-              <p:ext uri="{386F3935-93C4-4BCD-93E2-E3B085C9AB24}">
-                <p16:designElem xmlns:p16="http://schemas.microsoft.com/office/powerpoint/2015/main" val="1"/>
-              </p:ext>
-            </p:extLst>
-          </p:nvPr>
-        </p:nvSpPr>
-        <p:spPr>
-          <a:xfrm rot="16200000" flipH="1">
-            <a:off x="2666617" y="-2666188"/>
-            <a:ext cx="6858000" cy="12191233"/>
-          </a:xfrm>
-          <a:prstGeom prst="rect">
-            <a:avLst/>
-          </a:prstGeom>
-          <a:gradFill>
+          <a:gradFill flip="none" rotWithShape="1">
             <a:gsLst>
-              <a:gs pos="8000">
-                <a:schemeClr val="accent1"/>
+              <a:gs pos="0">
+                <a:srgbClr val="052943"/>
               </a:gs>
-              <a:gs pos="100000">
+              <a:gs pos="23000">
+                <a:srgbClr val="22607A"/>
+              </a:gs>
+              <a:gs pos="69000">
+                <a:srgbClr val="6FA4B7"/>
+              </a:gs>
+              <a:gs pos="97000">
                 <a:schemeClr val="accent1">
-                  <a:lumMod val="50000"/>
+                  <a:lumMod val="70000"/>
                 </a:schemeClr>
               </a:gs>
             </a:gsLst>
-            <a:lin ang="12000000" scaled="0"/>
+            <a:path path="rect">
+              <a:fillToRect r="100000" b="100000"/>
+            </a:path>
+            <a:tileRect l="-100000" t="-100000"/>
           </a:gradFill>
           <a:ln>
             <a:noFill/>
@@ -3885,217 +3436,7 @@
         <p:style>
           <a:lnRef idx="2">
             <a:schemeClr val="accent1">
-              <a:shade val="50000"/>
-            </a:schemeClr>
-          </a:lnRef>
-          <a:fillRef idx="1">
-            <a:schemeClr val="accent1"/>
-          </a:fillRef>
-          <a:effectRef idx="0">
-            <a:schemeClr val="accent1"/>
-          </a:effectRef>
-          <a:fontRef idx="minor">
-            <a:schemeClr val="lt1"/>
-          </a:fontRef>
-        </p:style>
-        <p:txBody>
-          <a:bodyPr rtlCol="0" anchor="ctr"/>
-          <a:lstStyle/>
-          <a:p>
-            <a:pPr algn="ctr"/>
-            <a:endParaRPr lang="en-US"/>
-          </a:p>
-        </p:txBody>
-      </p:sp>
-      <p:sp>
-        <p:nvSpPr>
-          <p:cNvPr id="20" name="Rectangle 19">
-            <a:extLst>
-              <a:ext uri="{FF2B5EF4-FFF2-40B4-BE49-F238E27FC236}">
-                <a16:creationId xmlns:a16="http://schemas.microsoft.com/office/drawing/2014/main" id="{2633B3B5-CC90-43F0-8714-D31D1F3F0209}"/>
-              </a:ext>
-              <a:ext uri="{C183D7F6-B498-43B3-948B-1728B52AA6E4}">
-                <adec:decorative xmlns:adec="http://schemas.microsoft.com/office/drawing/2017/decorative" val="1"/>
-              </a:ext>
-            </a:extLst>
-          </p:cNvPr>
-          <p:cNvSpPr>
-            <a:spLocks noGrp="1" noRot="1" noChangeAspect="1" noMove="1" noResize="1" noEditPoints="1" noAdjustHandles="1" noChangeArrowheads="1" noChangeShapeType="1" noTextEdit="1"/>
-          </p:cNvSpPr>
-          <p:nvPr>
-            <p:extLst>
-              <p:ext uri="{386F3935-93C4-4BCD-93E2-E3B085C9AB24}">
-                <p16:designElem xmlns:p16="http://schemas.microsoft.com/office/powerpoint/2015/main" val="1"/>
-              </p:ext>
-            </p:extLst>
-          </p:nvPr>
-        </p:nvSpPr>
-        <p:spPr>
-          <a:xfrm rot="10800000" flipH="1">
-            <a:off x="-2311" y="0"/>
-            <a:ext cx="9070846" cy="6857572"/>
-          </a:xfrm>
-          <a:prstGeom prst="rect">
-            <a:avLst/>
-          </a:prstGeom>
-          <a:gradFill>
-            <a:gsLst>
-              <a:gs pos="8000">
-                <a:srgbClr val="000000">
-                  <a:alpha val="52000"/>
-                </a:srgbClr>
-              </a:gs>
-              <a:gs pos="100000">
-                <a:schemeClr val="accent1"/>
-              </a:gs>
-            </a:gsLst>
-            <a:lin ang="4800000" scaled="0"/>
-          </a:gradFill>
-          <a:ln>
-            <a:noFill/>
-          </a:ln>
-        </p:spPr>
-        <p:style>
-          <a:lnRef idx="2">
-            <a:schemeClr val="accent1">
-              <a:shade val="50000"/>
-            </a:schemeClr>
-          </a:lnRef>
-          <a:fillRef idx="1">
-            <a:schemeClr val="accent1"/>
-          </a:fillRef>
-          <a:effectRef idx="0">
-            <a:schemeClr val="accent1"/>
-          </a:effectRef>
-          <a:fontRef idx="minor">
-            <a:schemeClr val="lt1"/>
-          </a:fontRef>
-        </p:style>
-        <p:txBody>
-          <a:bodyPr rtlCol="0" anchor="ctr"/>
-          <a:lstStyle/>
-          <a:p>
-            <a:pPr algn="ctr"/>
-            <a:endParaRPr lang="en-US"/>
-          </a:p>
-        </p:txBody>
-      </p:sp>
-      <p:sp>
-        <p:nvSpPr>
-          <p:cNvPr id="22" name="Rectangle 21">
-            <a:extLst>
-              <a:ext uri="{FF2B5EF4-FFF2-40B4-BE49-F238E27FC236}">
-                <a16:creationId xmlns:a16="http://schemas.microsoft.com/office/drawing/2014/main" id="{A8D57A06-A426-446D-B02C-A2DC6B62E45E}"/>
-              </a:ext>
-              <a:ext uri="{C183D7F6-B498-43B3-948B-1728B52AA6E4}">
-                <adec:decorative xmlns:adec="http://schemas.microsoft.com/office/drawing/2017/decorative" val="1"/>
-              </a:ext>
-            </a:extLst>
-          </p:cNvPr>
-          <p:cNvSpPr>
-            <a:spLocks noGrp="1" noRot="1" noChangeAspect="1" noMove="1" noResize="1" noEditPoints="1" noAdjustHandles="1" noChangeArrowheads="1" noChangeShapeType="1" noTextEdit="1"/>
-          </p:cNvSpPr>
-          <p:nvPr>
-            <p:extLst>
-              <p:ext uri="{386F3935-93C4-4BCD-93E2-E3B085C9AB24}">
-                <p16:designElem xmlns:p16="http://schemas.microsoft.com/office/powerpoint/2015/main" val="1"/>
-              </p:ext>
-            </p:extLst>
-          </p:nvPr>
-        </p:nvSpPr>
-        <p:spPr>
-          <a:xfrm rot="16200000" flipH="1">
-            <a:off x="3649491" y="-1685840"/>
-            <a:ext cx="4894564" cy="12193546"/>
-          </a:xfrm>
-          <a:prstGeom prst="rect">
-            <a:avLst/>
-          </a:prstGeom>
-          <a:gradFill>
-            <a:gsLst>
-              <a:gs pos="0">
-                <a:schemeClr val="accent5">
-                  <a:lumMod val="60000"/>
-                  <a:lumOff val="40000"/>
-                  <a:alpha val="0"/>
-                </a:schemeClr>
-              </a:gs>
-              <a:gs pos="100000">
-                <a:srgbClr val="000000">
-                  <a:alpha val="46000"/>
-                </a:srgbClr>
-              </a:gs>
-            </a:gsLst>
-            <a:lin ang="1200000" scaled="0"/>
-          </a:gradFill>
-          <a:ln>
-            <a:noFill/>
-          </a:ln>
-        </p:spPr>
-        <p:style>
-          <a:lnRef idx="2">
-            <a:schemeClr val="accent1">
-              <a:shade val="50000"/>
-            </a:schemeClr>
-          </a:lnRef>
-          <a:fillRef idx="1">
-            <a:schemeClr val="accent1"/>
-          </a:fillRef>
-          <a:effectRef idx="0">
-            <a:schemeClr val="accent1"/>
-          </a:effectRef>
-          <a:fontRef idx="minor">
-            <a:schemeClr val="lt1"/>
-          </a:fontRef>
-        </p:style>
-        <p:txBody>
-          <a:bodyPr rtlCol="0" anchor="ctr"/>
-          <a:lstStyle/>
-          <a:p>
-            <a:pPr algn="ctr"/>
-            <a:endParaRPr lang="en-US"/>
-          </a:p>
-        </p:txBody>
-      </p:sp>
-      <p:sp useBgFill="1">
-        <p:nvSpPr>
-          <p:cNvPr id="11" name="Rectangle 10">
-            <a:extLst>
-              <a:ext uri="{FF2B5EF4-FFF2-40B4-BE49-F238E27FC236}">
-                <a16:creationId xmlns:a16="http://schemas.microsoft.com/office/drawing/2014/main" id="{79BB35BC-D5C2-4C8B-A22A-A71E6191913B}"/>
-              </a:ext>
-              <a:ext uri="{C183D7F6-B498-43B3-948B-1728B52AA6E4}">
-                <adec:decorative xmlns:adec="http://schemas.microsoft.com/office/drawing/2017/decorative" val="1"/>
-              </a:ext>
-            </a:extLst>
-          </p:cNvPr>
-          <p:cNvSpPr>
-            <a:spLocks noGrp="1" noRot="1" noChangeAspect="1" noMove="1" noResize="1" noEditPoints="1" noAdjustHandles="1" noChangeArrowheads="1" noChangeShapeType="1" noTextEdit="1"/>
-          </p:cNvSpPr>
-          <p:nvPr>
-            <p:extLst>
-              <p:ext uri="{386F3935-93C4-4BCD-93E2-E3B085C9AB24}">
-                <p16:designElem xmlns:p16="http://schemas.microsoft.com/office/powerpoint/2015/main" val="1"/>
-              </p:ext>
-            </p:extLst>
-          </p:nvPr>
-        </p:nvSpPr>
-        <p:spPr>
-          <a:xfrm>
-            <a:off x="814121" y="457200"/>
-            <a:ext cx="10563758" cy="5943600"/>
-          </a:xfrm>
-          <a:prstGeom prst="rect">
-            <a:avLst/>
-          </a:prstGeom>
-          <a:ln>
-            <a:noFill/>
-          </a:ln>
-        </p:spPr>
-        <p:style>
-          <a:lnRef idx="2">
-            <a:schemeClr val="accent1">
-              <a:shade val="50000"/>
+              <a:shade val="15000"/>
             </a:schemeClr>
           </a:lnRef>
           <a:fillRef idx="1">
@@ -4138,8 +3479,8 @@
         </p:blipFill>
         <p:spPr>
           <a:xfrm>
-            <a:off x="814138" y="457209"/>
-            <a:ext cx="5301009" cy="5943591"/>
+            <a:off x="1" y="-43247"/>
+            <a:ext cx="16806233" cy="18843465"/>
           </a:xfrm>
           <a:custGeom>
             <a:avLst/>
@@ -4492,8 +3833,1952 @@
               </a:path>
             </a:pathLst>
           </a:custGeom>
+          <a:gradFill>
+            <a:gsLst>
+              <a:gs pos="0">
+                <a:srgbClr val="073A59"/>
+              </a:gs>
+              <a:gs pos="23000">
+                <a:srgbClr val="22607A"/>
+              </a:gs>
+              <a:gs pos="69000">
+                <a:srgbClr val="6FA4B7"/>
+              </a:gs>
+              <a:gs pos="97000">
+                <a:schemeClr val="accent1">
+                  <a:lumMod val="70000"/>
+                </a:schemeClr>
+              </a:gs>
+            </a:gsLst>
+            <a:path path="rect">
+              <a:fillToRect l="100000" t="100000"/>
+            </a:path>
+          </a:gradFill>
         </p:spPr>
       </p:pic>
+      <p:pic>
+        <p:nvPicPr>
+          <p:cNvPr id="41" name="Picture 40" descr="A qr code on a white background&#10;&#10;Description automatically generated">
+            <a:extLst>
+              <a:ext uri="{FF2B5EF4-FFF2-40B4-BE49-F238E27FC236}">
+                <a16:creationId xmlns:a16="http://schemas.microsoft.com/office/drawing/2014/main" id="{341DEBF2-B0C6-276D-3645-0AD449BD33C3}"/>
+              </a:ext>
+            </a:extLst>
+          </p:cNvPr>
+          <p:cNvPicPr>
+            <a:picLocks noChangeAspect="1"/>
+          </p:cNvPicPr>
+          <p:nvPr/>
+        </p:nvPicPr>
+        <p:blipFill>
+          <a:blip r:embed="rId3"/>
+          <a:stretch>
+            <a:fillRect/>
+          </a:stretch>
+        </p:blipFill>
+        <p:spPr>
+          <a:xfrm>
+            <a:off x="1676740" y="33931752"/>
+            <a:ext cx="7302674" cy="7302678"/>
+          </a:xfrm>
+          <a:prstGeom prst="rect">
+            <a:avLst/>
+          </a:prstGeom>
+        </p:spPr>
+      </p:pic>
+      <p:sp>
+        <p:nvSpPr>
+          <p:cNvPr id="42" name="TextBox 41">
+            <a:extLst>
+              <a:ext uri="{FF2B5EF4-FFF2-40B4-BE49-F238E27FC236}">
+                <a16:creationId xmlns:a16="http://schemas.microsoft.com/office/drawing/2014/main" id="{70E36158-8EB8-53D9-3E1E-49B035D969F1}"/>
+              </a:ext>
+            </a:extLst>
+          </p:cNvPr>
+          <p:cNvSpPr txBox="1"/>
+          <p:nvPr/>
+        </p:nvSpPr>
+        <p:spPr>
+          <a:xfrm>
+            <a:off x="11015418" y="37796937"/>
+            <a:ext cx="16478870" cy="1200329"/>
+          </a:xfrm>
+          <a:prstGeom prst="rect">
+            <a:avLst/>
+          </a:prstGeom>
+          <a:noFill/>
+        </p:spPr>
+        <p:txBody>
+          <a:bodyPr wrap="none" rtlCol="0">
+            <a:spAutoFit/>
+          </a:bodyPr>
+          <a:lstStyle/>
+          <a:p>
+            <a:pPr defTabSz="1952277">
+              <a:spcAft>
+                <a:spcPts val="1490"/>
+              </a:spcAft>
+            </a:pPr>
+            <a:r>
+              <a:rPr lang="en-US" sz="7200" dirty="0">
+                <a:solidFill>
+                  <a:schemeClr val="bg1"/>
+                </a:solidFill>
+                <a:hlinkClick r:id="rId4">
+                  <a:extLst>
+                    <a:ext uri="{A12FA001-AC4F-418D-AE19-62706E023703}">
+                      <ahyp:hlinkClr xmlns:ahyp="http://schemas.microsoft.com/office/drawing/2018/hyperlinkcolor" val="tx"/>
+                    </a:ext>
+                  </a:extLst>
+                </a:hlinkClick>
+              </a:rPr>
+              <a:t>Eclipse SDV Hackathon / Maestro Challenge</a:t>
+            </a:r>
+            <a:endParaRPr lang="en-US" sz="61300" dirty="0">
+              <a:solidFill>
+                <a:schemeClr val="bg1"/>
+              </a:solidFill>
+            </a:endParaRPr>
+          </a:p>
+        </p:txBody>
+      </p:sp>
+      <p:sp>
+        <p:nvSpPr>
+          <p:cNvPr id="43" name="TextBox 42">
+            <a:extLst>
+              <a:ext uri="{FF2B5EF4-FFF2-40B4-BE49-F238E27FC236}">
+                <a16:creationId xmlns:a16="http://schemas.microsoft.com/office/drawing/2014/main" id="{591A8C4F-66E7-5F05-5C29-DEC053D0B361}"/>
+              </a:ext>
+            </a:extLst>
+          </p:cNvPr>
+          <p:cNvSpPr txBox="1"/>
+          <p:nvPr/>
+        </p:nvSpPr>
+        <p:spPr>
+          <a:xfrm>
+            <a:off x="10087560" y="34101598"/>
+            <a:ext cx="18223984" cy="2705164"/>
+          </a:xfrm>
+          <a:prstGeom prst="rect">
+            <a:avLst/>
+          </a:prstGeom>
+          <a:noFill/>
+        </p:spPr>
+        <p:txBody>
+          <a:bodyPr wrap="square">
+            <a:spAutoFit/>
+          </a:bodyPr>
+          <a:lstStyle/>
+          <a:p>
+            <a:pPr algn="ctr" defTabSz="1952277">
+              <a:lnSpc>
+                <a:spcPct val="90000"/>
+              </a:lnSpc>
+              <a:spcAft>
+                <a:spcPts val="1281"/>
+              </a:spcAft>
+            </a:pPr>
+            <a:r>
+              <a:rPr lang="en-US" sz="8000" dirty="0">
+                <a:solidFill>
+                  <a:schemeClr val="bg1"/>
+                </a:solidFill>
+                <a:latin typeface="Aptos Narrow" panose="020B0004020202020204" pitchFamily="34" charset="0"/>
+              </a:rPr>
+              <a:t>The stage is set for you to become… </a:t>
+            </a:r>
+          </a:p>
+          <a:p>
+            <a:pPr algn="ctr" defTabSz="1952277">
+              <a:lnSpc>
+                <a:spcPct val="90000"/>
+              </a:lnSpc>
+              <a:spcAft>
+                <a:spcPts val="1281"/>
+              </a:spcAft>
+            </a:pPr>
+            <a:r>
+              <a:rPr lang="en-US" sz="9600" dirty="0">
+                <a:solidFill>
+                  <a:schemeClr val="bg1"/>
+                </a:solidFill>
+                <a:latin typeface="Aptos Narrow" panose="020B0004020202020204" pitchFamily="34" charset="0"/>
+              </a:rPr>
+              <a:t>The maestro of in-vehicle software.</a:t>
+            </a:r>
+            <a:endParaRPr lang="en-US" sz="16600" dirty="0">
+              <a:solidFill>
+                <a:schemeClr val="bg1"/>
+              </a:solidFill>
+              <a:latin typeface="Aptos Narrow" panose="020B0004020202020204" pitchFamily="34" charset="0"/>
+            </a:endParaRPr>
+          </a:p>
+        </p:txBody>
+      </p:sp>
+      <p:sp>
+        <p:nvSpPr>
+          <p:cNvPr id="44" name="TextBox 43">
+            <a:extLst>
+              <a:ext uri="{FF2B5EF4-FFF2-40B4-BE49-F238E27FC236}">
+                <a16:creationId xmlns:a16="http://schemas.microsoft.com/office/drawing/2014/main" id="{D7E68277-9B21-A98A-9D61-55172B7DF987}"/>
+              </a:ext>
+            </a:extLst>
+          </p:cNvPr>
+          <p:cNvSpPr txBox="1"/>
+          <p:nvPr/>
+        </p:nvSpPr>
+        <p:spPr>
+          <a:xfrm>
+            <a:off x="134748" y="30819812"/>
+            <a:ext cx="2840144" cy="780085"/>
+          </a:xfrm>
+          <a:prstGeom prst="rect">
+            <a:avLst/>
+          </a:prstGeom>
+          <a:noFill/>
+        </p:spPr>
+        <p:txBody>
+          <a:bodyPr wrap="square">
+            <a:spAutoFit/>
+          </a:bodyPr>
+          <a:lstStyle/>
+          <a:p>
+            <a:pPr algn="ctr"/>
+            <a:r>
+              <a:rPr lang="en-US" sz="4469" dirty="0"/>
+              <a:t>🚗💻🎶</a:t>
+            </a:r>
+            <a:endParaRPr lang="en-US" sz="17137" dirty="0"/>
+          </a:p>
+        </p:txBody>
+      </p:sp>
+      <p:sp>
+        <p:nvSpPr>
+          <p:cNvPr id="45" name="TextBox 44">
+            <a:extLst>
+              <a:ext uri="{FF2B5EF4-FFF2-40B4-BE49-F238E27FC236}">
+                <a16:creationId xmlns:a16="http://schemas.microsoft.com/office/drawing/2014/main" id="{8A18F282-E32A-A35A-53C6-C45743678E27}"/>
+              </a:ext>
+            </a:extLst>
+          </p:cNvPr>
+          <p:cNvSpPr txBox="1"/>
+          <p:nvPr/>
+        </p:nvSpPr>
+        <p:spPr>
+          <a:xfrm>
+            <a:off x="2837669" y="30819812"/>
+            <a:ext cx="2840144" cy="780085"/>
+          </a:xfrm>
+          <a:prstGeom prst="rect">
+            <a:avLst/>
+          </a:prstGeom>
+          <a:noFill/>
+        </p:spPr>
+        <p:txBody>
+          <a:bodyPr wrap="square">
+            <a:spAutoFit/>
+          </a:bodyPr>
+          <a:lstStyle/>
+          <a:p>
+            <a:pPr algn="ctr"/>
+            <a:r>
+              <a:rPr lang="en-US" sz="4469" dirty="0"/>
+              <a:t>🚗💻🎶</a:t>
+            </a:r>
+            <a:endParaRPr lang="en-US" sz="17137" dirty="0"/>
+          </a:p>
+        </p:txBody>
+      </p:sp>
+      <p:sp>
+        <p:nvSpPr>
+          <p:cNvPr id="46" name="TextBox 45">
+            <a:extLst>
+              <a:ext uri="{FF2B5EF4-FFF2-40B4-BE49-F238E27FC236}">
+                <a16:creationId xmlns:a16="http://schemas.microsoft.com/office/drawing/2014/main" id="{15857F88-B5A9-11A0-4E47-3E67F89A9E79}"/>
+              </a:ext>
+            </a:extLst>
+          </p:cNvPr>
+          <p:cNvSpPr txBox="1"/>
+          <p:nvPr/>
+        </p:nvSpPr>
+        <p:spPr>
+          <a:xfrm>
+            <a:off x="5540590" y="30819812"/>
+            <a:ext cx="2840144" cy="780085"/>
+          </a:xfrm>
+          <a:prstGeom prst="rect">
+            <a:avLst/>
+          </a:prstGeom>
+          <a:noFill/>
+        </p:spPr>
+        <p:txBody>
+          <a:bodyPr wrap="square">
+            <a:spAutoFit/>
+          </a:bodyPr>
+          <a:lstStyle/>
+          <a:p>
+            <a:pPr algn="ctr"/>
+            <a:r>
+              <a:rPr lang="en-US" sz="4469" dirty="0"/>
+              <a:t>🚗💻🎶</a:t>
+            </a:r>
+            <a:endParaRPr lang="en-US" sz="17137" dirty="0"/>
+          </a:p>
+        </p:txBody>
+      </p:sp>
+      <p:sp>
+        <p:nvSpPr>
+          <p:cNvPr id="47" name="TextBox 46">
+            <a:extLst>
+              <a:ext uri="{FF2B5EF4-FFF2-40B4-BE49-F238E27FC236}">
+                <a16:creationId xmlns:a16="http://schemas.microsoft.com/office/drawing/2014/main" id="{554AFC74-3188-064B-353A-A756FD7C7A36}"/>
+              </a:ext>
+            </a:extLst>
+          </p:cNvPr>
+          <p:cNvSpPr txBox="1"/>
+          <p:nvPr/>
+        </p:nvSpPr>
+        <p:spPr>
+          <a:xfrm>
+            <a:off x="8243511" y="30819812"/>
+            <a:ext cx="2840144" cy="780085"/>
+          </a:xfrm>
+          <a:prstGeom prst="rect">
+            <a:avLst/>
+          </a:prstGeom>
+          <a:noFill/>
+        </p:spPr>
+        <p:txBody>
+          <a:bodyPr wrap="square">
+            <a:spAutoFit/>
+          </a:bodyPr>
+          <a:lstStyle/>
+          <a:p>
+            <a:pPr algn="ctr"/>
+            <a:r>
+              <a:rPr lang="en-US" sz="4469" dirty="0"/>
+              <a:t>🚗💻🎶</a:t>
+            </a:r>
+            <a:endParaRPr lang="en-US" sz="17137" dirty="0"/>
+          </a:p>
+        </p:txBody>
+      </p:sp>
+      <p:sp>
+        <p:nvSpPr>
+          <p:cNvPr id="48" name="TextBox 47">
+            <a:extLst>
+              <a:ext uri="{FF2B5EF4-FFF2-40B4-BE49-F238E27FC236}">
+                <a16:creationId xmlns:a16="http://schemas.microsoft.com/office/drawing/2014/main" id="{3713CB02-1C0B-C000-8FB2-7B7BDFEDCE54}"/>
+              </a:ext>
+            </a:extLst>
+          </p:cNvPr>
+          <p:cNvSpPr txBox="1"/>
+          <p:nvPr/>
+        </p:nvSpPr>
+        <p:spPr>
+          <a:xfrm>
+            <a:off x="10946431" y="30819812"/>
+            <a:ext cx="2840144" cy="780085"/>
+          </a:xfrm>
+          <a:prstGeom prst="rect">
+            <a:avLst/>
+          </a:prstGeom>
+          <a:noFill/>
+        </p:spPr>
+        <p:txBody>
+          <a:bodyPr wrap="square">
+            <a:spAutoFit/>
+          </a:bodyPr>
+          <a:lstStyle/>
+          <a:p>
+            <a:pPr algn="ctr"/>
+            <a:r>
+              <a:rPr lang="en-US" sz="4469" dirty="0"/>
+              <a:t>🚗💻🎶</a:t>
+            </a:r>
+            <a:endParaRPr lang="en-US" sz="17137" dirty="0"/>
+          </a:p>
+        </p:txBody>
+      </p:sp>
+      <p:sp>
+        <p:nvSpPr>
+          <p:cNvPr id="49" name="TextBox 48">
+            <a:extLst>
+              <a:ext uri="{FF2B5EF4-FFF2-40B4-BE49-F238E27FC236}">
+                <a16:creationId xmlns:a16="http://schemas.microsoft.com/office/drawing/2014/main" id="{A3062878-8A93-6679-0DEF-EB26D9B37801}"/>
+              </a:ext>
+            </a:extLst>
+          </p:cNvPr>
+          <p:cNvSpPr txBox="1"/>
+          <p:nvPr/>
+        </p:nvSpPr>
+        <p:spPr>
+          <a:xfrm>
+            <a:off x="13649352" y="30819812"/>
+            <a:ext cx="2840144" cy="780085"/>
+          </a:xfrm>
+          <a:prstGeom prst="rect">
+            <a:avLst/>
+          </a:prstGeom>
+          <a:noFill/>
+        </p:spPr>
+        <p:txBody>
+          <a:bodyPr wrap="square">
+            <a:spAutoFit/>
+          </a:bodyPr>
+          <a:lstStyle/>
+          <a:p>
+            <a:pPr algn="ctr"/>
+            <a:r>
+              <a:rPr lang="en-US" sz="4469" dirty="0"/>
+              <a:t>🚗💻🎶</a:t>
+            </a:r>
+            <a:endParaRPr lang="en-US" sz="17137" dirty="0"/>
+          </a:p>
+        </p:txBody>
+      </p:sp>
+      <p:sp>
+        <p:nvSpPr>
+          <p:cNvPr id="50" name="TextBox 49">
+            <a:extLst>
+              <a:ext uri="{FF2B5EF4-FFF2-40B4-BE49-F238E27FC236}">
+                <a16:creationId xmlns:a16="http://schemas.microsoft.com/office/drawing/2014/main" id="{1012DC47-5002-14CF-0B99-FE8AA35F8399}"/>
+              </a:ext>
+            </a:extLst>
+          </p:cNvPr>
+          <p:cNvSpPr txBox="1"/>
+          <p:nvPr/>
+        </p:nvSpPr>
+        <p:spPr>
+          <a:xfrm>
+            <a:off x="16433072" y="30819812"/>
+            <a:ext cx="2840144" cy="780085"/>
+          </a:xfrm>
+          <a:prstGeom prst="rect">
+            <a:avLst/>
+          </a:prstGeom>
+          <a:noFill/>
+        </p:spPr>
+        <p:txBody>
+          <a:bodyPr wrap="square">
+            <a:spAutoFit/>
+          </a:bodyPr>
+          <a:lstStyle/>
+          <a:p>
+            <a:pPr algn="ctr"/>
+            <a:r>
+              <a:rPr lang="en-US" sz="4469" dirty="0"/>
+              <a:t>🚗💻🎶</a:t>
+            </a:r>
+            <a:endParaRPr lang="en-US" sz="17137" dirty="0"/>
+          </a:p>
+        </p:txBody>
+      </p:sp>
+      <p:sp>
+        <p:nvSpPr>
+          <p:cNvPr id="51" name="TextBox 50">
+            <a:extLst>
+              <a:ext uri="{FF2B5EF4-FFF2-40B4-BE49-F238E27FC236}">
+                <a16:creationId xmlns:a16="http://schemas.microsoft.com/office/drawing/2014/main" id="{F1C1A80B-C8D6-A6FA-74E6-FE17EDD2E7B8}"/>
+              </a:ext>
+            </a:extLst>
+          </p:cNvPr>
+          <p:cNvSpPr txBox="1"/>
+          <p:nvPr/>
+        </p:nvSpPr>
+        <p:spPr>
+          <a:xfrm>
+            <a:off x="19135993" y="30819812"/>
+            <a:ext cx="2840144" cy="780085"/>
+          </a:xfrm>
+          <a:prstGeom prst="rect">
+            <a:avLst/>
+          </a:prstGeom>
+          <a:noFill/>
+        </p:spPr>
+        <p:txBody>
+          <a:bodyPr wrap="square">
+            <a:spAutoFit/>
+          </a:bodyPr>
+          <a:lstStyle/>
+          <a:p>
+            <a:pPr algn="ctr"/>
+            <a:r>
+              <a:rPr lang="en-US" sz="4469" dirty="0"/>
+              <a:t>🚗💻🎶</a:t>
+            </a:r>
+            <a:endParaRPr lang="en-US" sz="17137" dirty="0"/>
+          </a:p>
+        </p:txBody>
+      </p:sp>
+      <p:sp>
+        <p:nvSpPr>
+          <p:cNvPr id="52" name="TextBox 51">
+            <a:extLst>
+              <a:ext uri="{FF2B5EF4-FFF2-40B4-BE49-F238E27FC236}">
+                <a16:creationId xmlns:a16="http://schemas.microsoft.com/office/drawing/2014/main" id="{3D6DD496-4D10-5C66-AA52-6681EFEA3A3D}"/>
+              </a:ext>
+            </a:extLst>
+          </p:cNvPr>
+          <p:cNvSpPr txBox="1"/>
+          <p:nvPr/>
+        </p:nvSpPr>
+        <p:spPr>
+          <a:xfrm>
+            <a:off x="21838914" y="30819812"/>
+            <a:ext cx="2840144" cy="780085"/>
+          </a:xfrm>
+          <a:prstGeom prst="rect">
+            <a:avLst/>
+          </a:prstGeom>
+          <a:noFill/>
+        </p:spPr>
+        <p:txBody>
+          <a:bodyPr wrap="square">
+            <a:spAutoFit/>
+          </a:bodyPr>
+          <a:lstStyle/>
+          <a:p>
+            <a:pPr algn="ctr"/>
+            <a:r>
+              <a:rPr lang="en-US" sz="4469" dirty="0"/>
+              <a:t>🚗💻🎶</a:t>
+            </a:r>
+            <a:endParaRPr lang="en-US" sz="17137" dirty="0"/>
+          </a:p>
+        </p:txBody>
+      </p:sp>
+      <p:sp>
+        <p:nvSpPr>
+          <p:cNvPr id="53" name="TextBox 52">
+            <a:extLst>
+              <a:ext uri="{FF2B5EF4-FFF2-40B4-BE49-F238E27FC236}">
+                <a16:creationId xmlns:a16="http://schemas.microsoft.com/office/drawing/2014/main" id="{D9C69B46-C559-49CB-00D6-32B55C2531FD}"/>
+              </a:ext>
+            </a:extLst>
+          </p:cNvPr>
+          <p:cNvSpPr txBox="1"/>
+          <p:nvPr/>
+        </p:nvSpPr>
+        <p:spPr>
+          <a:xfrm>
+            <a:off x="24541835" y="30819812"/>
+            <a:ext cx="2840144" cy="780085"/>
+          </a:xfrm>
+          <a:prstGeom prst="rect">
+            <a:avLst/>
+          </a:prstGeom>
+          <a:noFill/>
+        </p:spPr>
+        <p:txBody>
+          <a:bodyPr wrap="square">
+            <a:spAutoFit/>
+          </a:bodyPr>
+          <a:lstStyle/>
+          <a:p>
+            <a:pPr algn="ctr"/>
+            <a:r>
+              <a:rPr lang="en-US" sz="4469" dirty="0"/>
+              <a:t>🚗💻🎶</a:t>
+            </a:r>
+            <a:endParaRPr lang="en-US" sz="17137" dirty="0"/>
+          </a:p>
+        </p:txBody>
+      </p:sp>
+      <p:sp>
+        <p:nvSpPr>
+          <p:cNvPr id="54" name="TextBox 53">
+            <a:extLst>
+              <a:ext uri="{FF2B5EF4-FFF2-40B4-BE49-F238E27FC236}">
+                <a16:creationId xmlns:a16="http://schemas.microsoft.com/office/drawing/2014/main" id="{88C2C853-59F5-0147-4521-745006060977}"/>
+              </a:ext>
+            </a:extLst>
+          </p:cNvPr>
+          <p:cNvSpPr txBox="1"/>
+          <p:nvPr/>
+        </p:nvSpPr>
+        <p:spPr>
+          <a:xfrm>
+            <a:off x="27244755" y="30819812"/>
+            <a:ext cx="2840144" cy="780085"/>
+          </a:xfrm>
+          <a:prstGeom prst="rect">
+            <a:avLst/>
+          </a:prstGeom>
+          <a:noFill/>
+        </p:spPr>
+        <p:txBody>
+          <a:bodyPr wrap="square">
+            <a:spAutoFit/>
+          </a:bodyPr>
+          <a:lstStyle/>
+          <a:p>
+            <a:pPr algn="ctr"/>
+            <a:r>
+              <a:rPr lang="en-US" sz="4469" dirty="0"/>
+              <a:t>🚗💻🎶</a:t>
+            </a:r>
+            <a:endParaRPr lang="en-US" sz="17137" dirty="0"/>
+          </a:p>
+        </p:txBody>
+      </p:sp>
+      <p:sp>
+        <p:nvSpPr>
+          <p:cNvPr id="55" name="TextBox 54">
+            <a:extLst>
+              <a:ext uri="{FF2B5EF4-FFF2-40B4-BE49-F238E27FC236}">
+                <a16:creationId xmlns:a16="http://schemas.microsoft.com/office/drawing/2014/main" id="{2CCF666F-CFBA-471D-2559-AC4C759C3DA8}"/>
+              </a:ext>
+            </a:extLst>
+          </p:cNvPr>
+          <p:cNvSpPr txBox="1"/>
+          <p:nvPr/>
+        </p:nvSpPr>
+        <p:spPr>
+          <a:xfrm>
+            <a:off x="16806234" y="5743622"/>
+            <a:ext cx="12721929" cy="11575245"/>
+          </a:xfrm>
+          <a:prstGeom prst="rect">
+            <a:avLst/>
+          </a:prstGeom>
+        </p:spPr>
+        <p:txBody>
+          <a:bodyPr vert="horz" lIns="227005" tIns="113502" rIns="227005" bIns="113502" rtlCol="0">
+            <a:normAutofit/>
+          </a:bodyPr>
+          <a:lstStyle/>
+          <a:p>
+            <a:pPr algn="just" defTabSz="1952277">
+              <a:lnSpc>
+                <a:spcPct val="90000"/>
+              </a:lnSpc>
+              <a:spcAft>
+                <a:spcPts val="1281"/>
+              </a:spcAft>
+            </a:pPr>
+            <a:r>
+              <a:rPr lang="en-US" sz="5400" dirty="0">
+                <a:latin typeface="Aptos Narrow" panose="020B0004020202020204" pitchFamily="34" charset="0"/>
+              </a:rPr>
+              <a:t>Imagine yourself as the </a:t>
+            </a:r>
+            <a:r>
+              <a:rPr lang="en-US" sz="5400" b="1" dirty="0">
+                <a:latin typeface="Aptos Narrow" panose="020B0004020202020204" pitchFamily="34" charset="0"/>
+              </a:rPr>
+              <a:t>maestro</a:t>
+            </a:r>
+            <a:r>
+              <a:rPr lang="en-US" sz="5400" dirty="0">
+                <a:latin typeface="Aptos Narrow" panose="020B0004020202020204" pitchFamily="34" charset="0"/>
+              </a:rPr>
+              <a:t>. You are not just writing code. You are composing a masterpiece that will drive the future of transportation. Your work will ensure that every component, from the engine control unit to the infotainment system, works in perfect harmony. </a:t>
+            </a:r>
+          </a:p>
+          <a:p>
+            <a:pPr algn="just" defTabSz="1952277">
+              <a:lnSpc>
+                <a:spcPct val="90000"/>
+              </a:lnSpc>
+              <a:spcAft>
+                <a:spcPts val="1281"/>
+              </a:spcAft>
+            </a:pPr>
+            <a:endParaRPr lang="en-US" sz="5400" dirty="0">
+              <a:latin typeface="Aptos Narrow" panose="020B0004020202020204" pitchFamily="34" charset="0"/>
+            </a:endParaRPr>
+          </a:p>
+          <a:p>
+            <a:pPr algn="just" defTabSz="1952277">
+              <a:lnSpc>
+                <a:spcPct val="90000"/>
+              </a:lnSpc>
+              <a:spcAft>
+                <a:spcPts val="1281"/>
+              </a:spcAft>
+            </a:pPr>
+            <a:r>
+              <a:rPr lang="en-US" sz="5400" dirty="0">
+                <a:latin typeface="Aptos Narrow" panose="020B0004020202020204" pitchFamily="34" charset="0"/>
+              </a:rPr>
+              <a:t>So, step up to the podium, take a deep breath, and let your creativity flow. </a:t>
+            </a:r>
+          </a:p>
+        </p:txBody>
+      </p:sp>
+      <p:sp>
+        <p:nvSpPr>
+          <p:cNvPr id="56" name="TextBox 55">
+            <a:extLst>
+              <a:ext uri="{FF2B5EF4-FFF2-40B4-BE49-F238E27FC236}">
+                <a16:creationId xmlns:a16="http://schemas.microsoft.com/office/drawing/2014/main" id="{2CAA4379-86A8-0121-F739-40D369F7A23B}"/>
+              </a:ext>
+            </a:extLst>
+          </p:cNvPr>
+          <p:cNvSpPr txBox="1"/>
+          <p:nvPr/>
+        </p:nvSpPr>
+        <p:spPr>
+          <a:xfrm>
+            <a:off x="17632802" y="3231063"/>
+            <a:ext cx="11118245" cy="1695336"/>
+          </a:xfrm>
+          <a:prstGeom prst="rect">
+            <a:avLst/>
+          </a:prstGeom>
+          <a:noFill/>
+        </p:spPr>
+        <p:txBody>
+          <a:bodyPr wrap="square">
+            <a:spAutoFit/>
+          </a:bodyPr>
+          <a:lstStyle/>
+          <a:p>
+            <a:pPr algn="ctr">
+              <a:lnSpc>
+                <a:spcPct val="90000"/>
+              </a:lnSpc>
+              <a:spcAft>
+                <a:spcPts val="1490"/>
+              </a:spcAft>
+            </a:pPr>
+            <a:r>
+              <a:rPr lang="en-US" sz="11500" dirty="0">
+                <a:solidFill>
+                  <a:schemeClr val="accent1">
+                    <a:lumMod val="75000"/>
+                  </a:schemeClr>
+                </a:solidFill>
+                <a:latin typeface="Aptos Narrow" panose="020B0004020202020204" pitchFamily="34" charset="0"/>
+              </a:rPr>
+              <a:t>The time is now!</a:t>
+            </a:r>
+          </a:p>
+        </p:txBody>
+      </p:sp>
+      <p:pic>
+        <p:nvPicPr>
+          <p:cNvPr id="57" name="Google Shape;210;p25">
+            <a:extLst>
+              <a:ext uri="{FF2B5EF4-FFF2-40B4-BE49-F238E27FC236}">
+                <a16:creationId xmlns:a16="http://schemas.microsoft.com/office/drawing/2014/main" id="{662BAC80-DEB3-AD9A-CA5D-0811731AB6B4}"/>
+              </a:ext>
+            </a:extLst>
+          </p:cNvPr>
+          <p:cNvPicPr preferRelativeResize="0"/>
+          <p:nvPr/>
+        </p:nvPicPr>
+        <p:blipFill>
+          <a:blip r:embed="rId5">
+            <a:alphaModFix/>
+          </a:blip>
+          <a:stretch>
+            <a:fillRect/>
+          </a:stretch>
+        </p:blipFill>
+        <p:spPr>
+          <a:xfrm>
+            <a:off x="26312782" y="545215"/>
+            <a:ext cx="3997523" cy="1217125"/>
+          </a:xfrm>
+          <a:prstGeom prst="rect">
+            <a:avLst/>
+          </a:prstGeom>
+          <a:noFill/>
+          <a:ln>
+            <a:noFill/>
+          </a:ln>
+        </p:spPr>
+      </p:pic>
+      <p:sp>
+        <p:nvSpPr>
+          <p:cNvPr id="58" name="TextBox 57">
+            <a:extLst>
+              <a:ext uri="{FF2B5EF4-FFF2-40B4-BE49-F238E27FC236}">
+                <a16:creationId xmlns:a16="http://schemas.microsoft.com/office/drawing/2014/main" id="{7C07E105-BE1A-5720-3595-A156BA375B3F}"/>
+              </a:ext>
+            </a:extLst>
+          </p:cNvPr>
+          <p:cNvSpPr txBox="1"/>
+          <p:nvPr/>
+        </p:nvSpPr>
+        <p:spPr>
+          <a:xfrm>
+            <a:off x="4044197" y="19470778"/>
+            <a:ext cx="22372320" cy="2315506"/>
+          </a:xfrm>
+          <a:prstGeom prst="rect">
+            <a:avLst/>
+          </a:prstGeom>
+          <a:noFill/>
+        </p:spPr>
+        <p:txBody>
+          <a:bodyPr wrap="square">
+            <a:spAutoFit/>
+          </a:bodyPr>
+          <a:lstStyle/>
+          <a:p>
+            <a:pPr algn="ctr">
+              <a:lnSpc>
+                <a:spcPct val="90000"/>
+              </a:lnSpc>
+              <a:spcAft>
+                <a:spcPts val="1490"/>
+              </a:spcAft>
+            </a:pPr>
+            <a:r>
+              <a:rPr lang="en-US" sz="8000" b="1" dirty="0">
+                <a:solidFill>
+                  <a:schemeClr val="accent1">
+                    <a:lumMod val="75000"/>
+                  </a:schemeClr>
+                </a:solidFill>
+                <a:latin typeface="Aptos Narrow" panose="020B0004020202020204" pitchFamily="34" charset="0"/>
+              </a:rPr>
+              <a:t>Do you want to be the maestro of the next generation of vehicle software? </a:t>
+            </a:r>
+          </a:p>
+        </p:txBody>
+      </p:sp>
+      <p:pic>
+        <p:nvPicPr>
+          <p:cNvPr id="61" name="Picture 60">
+            <a:extLst>
+              <a:ext uri="{FF2B5EF4-FFF2-40B4-BE49-F238E27FC236}">
+                <a16:creationId xmlns:a16="http://schemas.microsoft.com/office/drawing/2014/main" id="{0A57F905-8405-C49D-7206-0C113477ACCB}"/>
+              </a:ext>
+            </a:extLst>
+          </p:cNvPr>
+          <p:cNvPicPr>
+            <a:picLocks noChangeAspect="1"/>
+          </p:cNvPicPr>
+          <p:nvPr/>
+        </p:nvPicPr>
+        <p:blipFill>
+          <a:blip r:embed="rId6"/>
+          <a:stretch>
+            <a:fillRect/>
+          </a:stretch>
+        </p:blipFill>
+        <p:spPr>
+          <a:xfrm>
+            <a:off x="2837669" y="22725598"/>
+            <a:ext cx="11741914" cy="6480610"/>
+          </a:xfrm>
+          <a:prstGeom prst="rect">
+            <a:avLst/>
+          </a:prstGeom>
+        </p:spPr>
+      </p:pic>
+      <p:pic>
+        <p:nvPicPr>
+          <p:cNvPr id="62" name="Picture 61">
+            <a:extLst>
+              <a:ext uri="{FF2B5EF4-FFF2-40B4-BE49-F238E27FC236}">
+                <a16:creationId xmlns:a16="http://schemas.microsoft.com/office/drawing/2014/main" id="{CF131306-8977-E85B-725F-84E67D3086F3}"/>
+              </a:ext>
+            </a:extLst>
+          </p:cNvPr>
+          <p:cNvPicPr>
+            <a:picLocks noChangeAspect="1"/>
+          </p:cNvPicPr>
+          <p:nvPr/>
+        </p:nvPicPr>
+        <p:blipFill>
+          <a:blip r:embed="rId7"/>
+          <a:stretch>
+            <a:fillRect/>
+          </a:stretch>
+        </p:blipFill>
+        <p:spPr>
+          <a:xfrm>
+            <a:off x="15502841" y="22725598"/>
+            <a:ext cx="11741914" cy="6480610"/>
+          </a:xfrm>
+          <a:prstGeom prst="rect">
+            <a:avLst/>
+          </a:prstGeom>
+        </p:spPr>
+      </p:pic>
+    </p:spTree>
+    <p:extLst>
+      <p:ext uri="{BB962C8B-B14F-4D97-AF65-F5344CB8AC3E}">
+        <p14:creationId xmlns:p14="http://schemas.microsoft.com/office/powerpoint/2010/main" val="936870642"/>
+      </p:ext>
+    </p:extLst>
+  </p:cSld>
+  <p:clrMapOvr>
+    <a:masterClrMapping/>
+  </p:clrMapOvr>
+</p:sld>
+</file>
+
+<file path=ppt/slides/slide2.xml><?xml version="1.0" encoding="utf-8"?>
+<p:sld xmlns:a="http://schemas.openxmlformats.org/drawingml/2006/main" xmlns:r="http://schemas.openxmlformats.org/officeDocument/2006/relationships" xmlns:p="http://schemas.openxmlformats.org/presentationml/2006/main">
+  <p:cSld>
+    <p:bg>
+      <p:bgPr>
+        <a:solidFill>
+          <a:schemeClr val="bg1">
+            <a:alpha val="16000"/>
+          </a:schemeClr>
+        </a:solidFill>
+        <a:effectLst/>
+      </p:bgPr>
+    </p:bg>
+    <p:spTree>
+      <p:nvGrpSpPr>
+        <p:cNvPr id="1" name=""/>
+        <p:cNvGrpSpPr/>
+        <p:nvPr/>
+      </p:nvGrpSpPr>
+      <p:grpSpPr>
+        <a:xfrm>
+          <a:off x="0" y="0"/>
+          <a:ext cx="0" cy="0"/>
+          <a:chOff x="0" y="0"/>
+          <a:chExt cx="0" cy="0"/>
+        </a:xfrm>
+      </p:grpSpPr>
+      <p:sp>
+        <p:nvSpPr>
+          <p:cNvPr id="37" name="Rectangle 36">
+            <a:extLst>
+              <a:ext uri="{FF2B5EF4-FFF2-40B4-BE49-F238E27FC236}">
+                <a16:creationId xmlns:a16="http://schemas.microsoft.com/office/drawing/2014/main" id="{0547F8DA-4D2D-79A0-4569-4AE015C95BE7}"/>
+              </a:ext>
+            </a:extLst>
+          </p:cNvPr>
+          <p:cNvSpPr/>
+          <p:nvPr/>
+        </p:nvSpPr>
+        <p:spPr>
+          <a:xfrm>
+            <a:off x="-1" y="32308800"/>
+            <a:ext cx="30267276" cy="10618862"/>
+          </a:xfrm>
+          <a:prstGeom prst="rect">
+            <a:avLst/>
+          </a:prstGeom>
+          <a:gradFill flip="none" rotWithShape="1">
+            <a:gsLst>
+              <a:gs pos="0">
+                <a:srgbClr val="052943"/>
+              </a:gs>
+              <a:gs pos="23000">
+                <a:srgbClr val="22607A"/>
+              </a:gs>
+              <a:gs pos="69000">
+                <a:srgbClr val="6FA4B7"/>
+              </a:gs>
+              <a:gs pos="97000">
+                <a:schemeClr val="accent1">
+                  <a:lumMod val="70000"/>
+                </a:schemeClr>
+              </a:gs>
+            </a:gsLst>
+            <a:path path="rect">
+              <a:fillToRect r="100000" b="100000"/>
+            </a:path>
+            <a:tileRect l="-100000" t="-100000"/>
+          </a:gradFill>
+          <a:ln>
+            <a:noFill/>
+          </a:ln>
+        </p:spPr>
+        <p:style>
+          <a:lnRef idx="2">
+            <a:schemeClr val="accent1">
+              <a:shade val="15000"/>
+            </a:schemeClr>
+          </a:lnRef>
+          <a:fillRef idx="1">
+            <a:schemeClr val="accent1"/>
+          </a:fillRef>
+          <a:effectRef idx="0">
+            <a:schemeClr val="accent1"/>
+          </a:effectRef>
+          <a:fontRef idx="minor">
+            <a:schemeClr val="lt1"/>
+          </a:fontRef>
+        </p:style>
+        <p:txBody>
+          <a:bodyPr rtlCol="0" anchor="ctr"/>
+          <a:lstStyle/>
+          <a:p>
+            <a:pPr algn="ctr"/>
+            <a:endParaRPr lang="en-US"/>
+          </a:p>
+        </p:txBody>
+      </p:sp>
+      <p:pic>
+        <p:nvPicPr>
+          <p:cNvPr id="5" name="Picture 4" descr="A car surrounded by various electronics&#10;&#10;Description automatically generated">
+            <a:extLst>
+              <a:ext uri="{FF2B5EF4-FFF2-40B4-BE49-F238E27FC236}">
+                <a16:creationId xmlns:a16="http://schemas.microsoft.com/office/drawing/2014/main" id="{B1B8840B-708A-3CB2-34B2-DEC09C595548}"/>
+              </a:ext>
+            </a:extLst>
+          </p:cNvPr>
+          <p:cNvPicPr>
+            <a:picLocks noChangeAspect="1"/>
+          </p:cNvPicPr>
+          <p:nvPr/>
+        </p:nvPicPr>
+        <p:blipFill rotWithShape="1">
+          <a:blip r:embed="rId2"/>
+          <a:srcRect l="10400" r="412"/>
+          <a:stretch/>
+        </p:blipFill>
+        <p:spPr>
+          <a:xfrm>
+            <a:off x="1" y="-43247"/>
+            <a:ext cx="16806233" cy="18843465"/>
+          </a:xfrm>
+          <a:custGeom>
+            <a:avLst/>
+            <a:gdLst/>
+            <a:ahLst/>
+            <a:cxnLst/>
+            <a:rect l="l" t="t" r="r" b="b"/>
+            <a:pathLst>
+              <a:path w="6116569" h="6879321">
+                <a:moveTo>
+                  <a:pt x="0" y="0"/>
+                </a:moveTo>
+                <a:lnTo>
+                  <a:pt x="2935851" y="0"/>
+                </a:lnTo>
+                <a:cubicBezTo>
+                  <a:pt x="3035710" y="10660"/>
+                  <a:pt x="3138421" y="17767"/>
+                  <a:pt x="3238280" y="31980"/>
+                </a:cubicBezTo>
+                <a:cubicBezTo>
+                  <a:pt x="3817462" y="106602"/>
+                  <a:pt x="3127009" y="277163"/>
+                  <a:pt x="3660541" y="550772"/>
+                </a:cubicBezTo>
+                <a:cubicBezTo>
+                  <a:pt x="3706191" y="575645"/>
+                  <a:pt x="3757546" y="579199"/>
+                  <a:pt x="3808902" y="589860"/>
+                </a:cubicBezTo>
+                <a:cubicBezTo>
+                  <a:pt x="4008620" y="625393"/>
+                  <a:pt x="4211192" y="618286"/>
+                  <a:pt x="4413762" y="625393"/>
+                </a:cubicBezTo>
+                <a:cubicBezTo>
+                  <a:pt x="4465118" y="628946"/>
+                  <a:pt x="4525033" y="625393"/>
+                  <a:pt x="4567830" y="721333"/>
+                </a:cubicBezTo>
+                <a:cubicBezTo>
+                  <a:pt x="4425175" y="724888"/>
+                  <a:pt x="4305344" y="731994"/>
+                  <a:pt x="4171247" y="792401"/>
+                </a:cubicBezTo>
+                <a:cubicBezTo>
+                  <a:pt x="4239722" y="859916"/>
+                  <a:pt x="4322462" y="795955"/>
+                  <a:pt x="4376671" y="842148"/>
+                </a:cubicBezTo>
+                <a:cubicBezTo>
+                  <a:pt x="4428027" y="888342"/>
+                  <a:pt x="4470824" y="891896"/>
+                  <a:pt x="4527887" y="813722"/>
+                </a:cubicBezTo>
+                <a:cubicBezTo>
+                  <a:pt x="4556417" y="774634"/>
+                  <a:pt x="4604920" y="778187"/>
+                  <a:pt x="4633452" y="799508"/>
+                </a:cubicBezTo>
+                <a:cubicBezTo>
+                  <a:pt x="4781813" y="913216"/>
+                  <a:pt x="4778960" y="909662"/>
+                  <a:pt x="4947293" y="870576"/>
+                </a:cubicBezTo>
+                <a:cubicBezTo>
+                  <a:pt x="5055712" y="845701"/>
+                  <a:pt x="5166983" y="806615"/>
+                  <a:pt x="5263988" y="820828"/>
+                </a:cubicBezTo>
+                <a:cubicBezTo>
+                  <a:pt x="5275401" y="867022"/>
+                  <a:pt x="5263988" y="888342"/>
+                  <a:pt x="5249723" y="895449"/>
+                </a:cubicBezTo>
+                <a:cubicBezTo>
+                  <a:pt x="5021475" y="1005604"/>
+                  <a:pt x="4975825" y="1122864"/>
+                  <a:pt x="4744723" y="1197485"/>
+                </a:cubicBezTo>
+                <a:cubicBezTo>
+                  <a:pt x="4724751" y="1268552"/>
+                  <a:pt x="4807491" y="1275660"/>
+                  <a:pt x="4767548" y="1346727"/>
+                </a:cubicBezTo>
+                <a:cubicBezTo>
+                  <a:pt x="4693367" y="1407134"/>
+                  <a:pt x="4610627" y="1346727"/>
+                  <a:pt x="4539299" y="1421348"/>
+                </a:cubicBezTo>
+                <a:cubicBezTo>
+                  <a:pt x="4550712" y="1471094"/>
+                  <a:pt x="4610627" y="1432008"/>
+                  <a:pt x="4607773" y="1485309"/>
+                </a:cubicBezTo>
+                <a:cubicBezTo>
+                  <a:pt x="4604920" y="1517288"/>
+                  <a:pt x="4593508" y="1527948"/>
+                  <a:pt x="4579242" y="1535055"/>
+                </a:cubicBezTo>
+                <a:cubicBezTo>
+                  <a:pt x="4776107" y="1538608"/>
+                  <a:pt x="5383820" y="1574142"/>
+                  <a:pt x="5278255" y="1609676"/>
+                </a:cubicBezTo>
+                <a:cubicBezTo>
+                  <a:pt x="5418057" y="1698511"/>
+                  <a:pt x="5623481" y="1609676"/>
+                  <a:pt x="5771843" y="1630997"/>
+                </a:cubicBezTo>
+                <a:cubicBezTo>
+                  <a:pt x="5925911" y="1652316"/>
+                  <a:pt x="6171278" y="1719830"/>
+                  <a:pt x="6105656" y="1748257"/>
+                </a:cubicBezTo>
+                <a:cubicBezTo>
+                  <a:pt x="6031475" y="1780238"/>
+                  <a:pt x="5766136" y="2146235"/>
+                  <a:pt x="5691955" y="2167555"/>
+                </a:cubicBezTo>
+                <a:cubicBezTo>
+                  <a:pt x="5606362" y="2188875"/>
+                  <a:pt x="5589243" y="2217302"/>
+                  <a:pt x="5475118" y="2348776"/>
+                </a:cubicBezTo>
+                <a:cubicBezTo>
+                  <a:pt x="5398085" y="2437610"/>
+                  <a:pt x="5709074" y="2238623"/>
+                  <a:pt x="5826051" y="2291922"/>
+                </a:cubicBezTo>
+                <a:cubicBezTo>
+                  <a:pt x="5868848" y="2309690"/>
+                  <a:pt x="5552153" y="2554872"/>
+                  <a:pt x="5552153" y="2597513"/>
+                </a:cubicBezTo>
+                <a:cubicBezTo>
+                  <a:pt x="5549300" y="2640153"/>
+                  <a:pt x="5577831" y="2647260"/>
+                  <a:pt x="5603508" y="2647260"/>
+                </a:cubicBezTo>
+                <a:cubicBezTo>
+                  <a:pt x="5660571" y="2647260"/>
+                  <a:pt x="5640599" y="2686346"/>
+                  <a:pt x="5700515" y="2679240"/>
+                </a:cubicBezTo>
+                <a:cubicBezTo>
+                  <a:pt x="5523622" y="2800055"/>
+                  <a:pt x="5418057" y="2778734"/>
+                  <a:pt x="5246870" y="2888889"/>
+                </a:cubicBezTo>
+                <a:cubicBezTo>
+                  <a:pt x="5164130" y="2942189"/>
+                  <a:pt x="4921615" y="3119857"/>
+                  <a:pt x="4836022" y="3169605"/>
+                </a:cubicBezTo>
+                <a:cubicBezTo>
+                  <a:pt x="4801785" y="3187371"/>
+                  <a:pt x="4758988" y="3173158"/>
+                  <a:pt x="4736163" y="3233565"/>
+                </a:cubicBezTo>
+                <a:cubicBezTo>
+                  <a:pt x="4770400" y="3279759"/>
+                  <a:pt x="4816050" y="3254885"/>
+                  <a:pt x="4853141" y="3233565"/>
+                </a:cubicBezTo>
+                <a:cubicBezTo>
+                  <a:pt x="4944440" y="3176711"/>
+                  <a:pt x="4935881" y="3190925"/>
+                  <a:pt x="4944440" y="3226459"/>
+                </a:cubicBezTo>
+                <a:cubicBezTo>
+                  <a:pt x="4972972" y="3350827"/>
+                  <a:pt x="5044300" y="3308186"/>
+                  <a:pt x="5109921" y="3283313"/>
+                </a:cubicBezTo>
+                <a:cubicBezTo>
+                  <a:pt x="5303932" y="3208692"/>
+                  <a:pt x="5500797" y="3215799"/>
+                  <a:pt x="5694809" y="3141178"/>
+                </a:cubicBezTo>
+                <a:cubicBezTo>
+                  <a:pt x="5714781" y="3134070"/>
+                  <a:pt x="5612068" y="3283313"/>
+                  <a:pt x="5566419" y="3301079"/>
+                </a:cubicBezTo>
+                <a:cubicBezTo>
+                  <a:pt x="5515063" y="3322399"/>
+                  <a:pt x="5452294" y="3311739"/>
+                  <a:pt x="5415203" y="3397020"/>
+                </a:cubicBezTo>
+                <a:cubicBezTo>
+                  <a:pt x="5477972" y="3414787"/>
+                  <a:pt x="5552153" y="3372147"/>
+                  <a:pt x="5612068" y="3432554"/>
+                </a:cubicBezTo>
+                <a:cubicBezTo>
+                  <a:pt x="5469413" y="3528494"/>
+                  <a:pt x="5329610" y="3535601"/>
+                  <a:pt x="5206927" y="3599562"/>
+                </a:cubicBezTo>
+                <a:cubicBezTo>
+                  <a:pt x="5192661" y="3706163"/>
+                  <a:pt x="5272548" y="3663523"/>
+                  <a:pt x="5301079" y="3723930"/>
+                </a:cubicBezTo>
+                <a:cubicBezTo>
+                  <a:pt x="5072830" y="3844745"/>
+                  <a:pt x="4564977" y="4232062"/>
+                  <a:pt x="4507915" y="4306683"/>
+                </a:cubicBezTo>
+                <a:cubicBezTo>
+                  <a:pt x="4390937" y="4463031"/>
+                  <a:pt x="3900202" y="4562525"/>
+                  <a:pt x="3982942" y="4587399"/>
+                </a:cubicBezTo>
+                <a:cubicBezTo>
+                  <a:pt x="4051417" y="4608719"/>
+                  <a:pt x="4119891" y="4587399"/>
+                  <a:pt x="4185513" y="4541205"/>
+                </a:cubicBezTo>
+                <a:cubicBezTo>
+                  <a:pt x="4291078" y="4466584"/>
+                  <a:pt x="5010062" y="4523438"/>
+                  <a:pt x="5212633" y="4455924"/>
+                </a:cubicBezTo>
+                <a:cubicBezTo>
+                  <a:pt x="5241164" y="4445264"/>
+                  <a:pt x="5283960" y="4409730"/>
+                  <a:pt x="5312492" y="4473691"/>
+                </a:cubicBezTo>
+                <a:cubicBezTo>
+                  <a:pt x="5098508" y="4704659"/>
+                  <a:pt x="4833169" y="4654913"/>
+                  <a:pt x="4596361" y="4818368"/>
+                </a:cubicBezTo>
+                <a:cubicBezTo>
+                  <a:pt x="4684807" y="4917861"/>
+                  <a:pt x="4776107" y="4907202"/>
+                  <a:pt x="4873113" y="4885882"/>
+                </a:cubicBezTo>
+                <a:cubicBezTo>
+                  <a:pt x="4895938" y="4878775"/>
+                  <a:pt x="4930175" y="4871668"/>
+                  <a:pt x="4935881" y="4914309"/>
+                </a:cubicBezTo>
+                <a:cubicBezTo>
+                  <a:pt x="4941587" y="4967609"/>
+                  <a:pt x="4898790" y="4978270"/>
+                  <a:pt x="4873113" y="5003143"/>
+                </a:cubicBezTo>
+                <a:cubicBezTo>
+                  <a:pt x="4833169" y="5038676"/>
+                  <a:pt x="4773254" y="4999590"/>
+                  <a:pt x="4721898" y="5095530"/>
+                </a:cubicBezTo>
+                <a:cubicBezTo>
+                  <a:pt x="4873113" y="5067104"/>
+                  <a:pt x="4998650" y="5020910"/>
+                  <a:pt x="5132745" y="4949842"/>
+                </a:cubicBezTo>
+                <a:cubicBezTo>
+                  <a:pt x="5121333" y="5006696"/>
+                  <a:pt x="5081390" y="5035123"/>
+                  <a:pt x="5101362" y="5081317"/>
+                </a:cubicBezTo>
+                <a:cubicBezTo>
+                  <a:pt x="5118480" y="5116850"/>
+                  <a:pt x="5164130" y="5131063"/>
+                  <a:pt x="5138452" y="5198578"/>
+                </a:cubicBezTo>
+                <a:cubicBezTo>
+                  <a:pt x="5067125" y="5273199"/>
+                  <a:pt x="4967265" y="5258986"/>
+                  <a:pt x="4904497" y="5362033"/>
+                </a:cubicBezTo>
+                <a:cubicBezTo>
+                  <a:pt x="4818903" y="5507721"/>
+                  <a:pt x="4684807" y="5564575"/>
+                  <a:pt x="4579242" y="5674729"/>
+                </a:cubicBezTo>
+                <a:cubicBezTo>
+                  <a:pt x="4545005" y="5713816"/>
+                  <a:pt x="4313903" y="5841738"/>
+                  <a:pt x="4253988" y="5884379"/>
+                </a:cubicBezTo>
+                <a:cubicBezTo>
+                  <a:pt x="4168395" y="5944786"/>
+                  <a:pt x="4071389" y="5966106"/>
+                  <a:pt x="3985795" y="6069153"/>
+                </a:cubicBezTo>
+                <a:cubicBezTo>
+                  <a:pt x="4065682" y="6086921"/>
+                  <a:pt x="4134157" y="5990979"/>
+                  <a:pt x="4231163" y="6030066"/>
+                </a:cubicBezTo>
+                <a:cubicBezTo>
+                  <a:pt x="4074242" y="6133114"/>
+                  <a:pt x="3931586" y="6182861"/>
+                  <a:pt x="3814609" y="6317889"/>
+                </a:cubicBezTo>
+                <a:cubicBezTo>
+                  <a:pt x="3800343" y="6335656"/>
+                  <a:pt x="3771812" y="6332102"/>
+                  <a:pt x="3751840" y="6339209"/>
+                </a:cubicBezTo>
+                <a:cubicBezTo>
+                  <a:pt x="3529298" y="6406723"/>
+                  <a:pt x="3309608" y="6467130"/>
+                  <a:pt x="3089919" y="6563071"/>
+                </a:cubicBezTo>
+                <a:cubicBezTo>
+                  <a:pt x="3041416" y="6584392"/>
+                  <a:pt x="2955823" y="6595052"/>
+                  <a:pt x="2961529" y="6662566"/>
+                </a:cubicBezTo>
+                <a:cubicBezTo>
+                  <a:pt x="2972941" y="6765613"/>
+                  <a:pt x="3055681" y="6687439"/>
+                  <a:pt x="3107038" y="6673226"/>
+                </a:cubicBezTo>
+                <a:cubicBezTo>
+                  <a:pt x="3269664" y="6634138"/>
+                  <a:pt x="3432292" y="6570178"/>
+                  <a:pt x="3594919" y="6591499"/>
+                </a:cubicBezTo>
+                <a:cubicBezTo>
+                  <a:pt x="3483648" y="6637693"/>
+                  <a:pt x="3372376" y="6680332"/>
+                  <a:pt x="3261106" y="6726527"/>
+                </a:cubicBezTo>
+                <a:cubicBezTo>
+                  <a:pt x="3386642" y="6705206"/>
+                  <a:pt x="3495061" y="6786934"/>
+                  <a:pt x="3620597" y="6740740"/>
+                </a:cubicBezTo>
+                <a:cubicBezTo>
+                  <a:pt x="3660541" y="6726527"/>
+                  <a:pt x="3700484" y="6765613"/>
+                  <a:pt x="3703337" y="6826020"/>
+                </a:cubicBezTo>
+                <a:cubicBezTo>
+                  <a:pt x="3706191" y="6847340"/>
+                  <a:pt x="3700484" y="6865108"/>
+                  <a:pt x="3689072" y="6879321"/>
+                </a:cubicBezTo>
+                <a:lnTo>
+                  <a:pt x="0" y="6879321"/>
+                </a:lnTo>
+                <a:close/>
+              </a:path>
+            </a:pathLst>
+          </a:custGeom>
+          <a:gradFill>
+            <a:gsLst>
+              <a:gs pos="0">
+                <a:srgbClr val="073A59"/>
+              </a:gs>
+              <a:gs pos="23000">
+                <a:srgbClr val="22607A"/>
+              </a:gs>
+              <a:gs pos="69000">
+                <a:srgbClr val="6FA4B7"/>
+              </a:gs>
+              <a:gs pos="97000">
+                <a:schemeClr val="accent1">
+                  <a:lumMod val="70000"/>
+                </a:schemeClr>
+              </a:gs>
+            </a:gsLst>
+            <a:path path="rect">
+              <a:fillToRect l="100000" t="100000"/>
+            </a:path>
+          </a:gradFill>
+        </p:spPr>
+      </p:pic>
+      <p:pic>
+        <p:nvPicPr>
+          <p:cNvPr id="41" name="Picture 40" descr="A qr code on a white background&#10;&#10;Description automatically generated">
+            <a:extLst>
+              <a:ext uri="{FF2B5EF4-FFF2-40B4-BE49-F238E27FC236}">
+                <a16:creationId xmlns:a16="http://schemas.microsoft.com/office/drawing/2014/main" id="{341DEBF2-B0C6-276D-3645-0AD449BD33C3}"/>
+              </a:ext>
+            </a:extLst>
+          </p:cNvPr>
+          <p:cNvPicPr>
+            <a:picLocks noChangeAspect="1"/>
+          </p:cNvPicPr>
+          <p:nvPr/>
+        </p:nvPicPr>
+        <p:blipFill>
+          <a:blip r:embed="rId3"/>
+          <a:stretch>
+            <a:fillRect/>
+          </a:stretch>
+        </p:blipFill>
+        <p:spPr>
+          <a:xfrm>
+            <a:off x="1676740" y="33931752"/>
+            <a:ext cx="7302674" cy="7302678"/>
+          </a:xfrm>
+          <a:prstGeom prst="rect">
+            <a:avLst/>
+          </a:prstGeom>
+        </p:spPr>
+      </p:pic>
+      <p:sp>
+        <p:nvSpPr>
+          <p:cNvPr id="42" name="TextBox 41">
+            <a:extLst>
+              <a:ext uri="{FF2B5EF4-FFF2-40B4-BE49-F238E27FC236}">
+                <a16:creationId xmlns:a16="http://schemas.microsoft.com/office/drawing/2014/main" id="{70E36158-8EB8-53D9-3E1E-49B035D969F1}"/>
+              </a:ext>
+            </a:extLst>
+          </p:cNvPr>
+          <p:cNvSpPr txBox="1"/>
+          <p:nvPr/>
+        </p:nvSpPr>
+        <p:spPr>
+          <a:xfrm>
+            <a:off x="11015418" y="37796937"/>
+            <a:ext cx="16478870" cy="1200329"/>
+          </a:xfrm>
+          <a:prstGeom prst="rect">
+            <a:avLst/>
+          </a:prstGeom>
+          <a:noFill/>
+        </p:spPr>
+        <p:txBody>
+          <a:bodyPr wrap="none" rtlCol="0">
+            <a:spAutoFit/>
+          </a:bodyPr>
+          <a:lstStyle/>
+          <a:p>
+            <a:pPr defTabSz="1952277">
+              <a:spcAft>
+                <a:spcPts val="1490"/>
+              </a:spcAft>
+            </a:pPr>
+            <a:r>
+              <a:rPr lang="en-US" sz="7200" dirty="0">
+                <a:solidFill>
+                  <a:schemeClr val="bg1"/>
+                </a:solidFill>
+                <a:hlinkClick r:id="rId4">
+                  <a:extLst>
+                    <a:ext uri="{A12FA001-AC4F-418D-AE19-62706E023703}">
+                      <ahyp:hlinkClr xmlns:ahyp="http://schemas.microsoft.com/office/drawing/2018/hyperlinkcolor" val="tx"/>
+                    </a:ext>
+                  </a:extLst>
+                </a:hlinkClick>
+              </a:rPr>
+              <a:t>Eclipse SDV Hackathon / Maestro Challenge</a:t>
+            </a:r>
+            <a:endParaRPr lang="en-US" sz="61300" dirty="0">
+              <a:solidFill>
+                <a:schemeClr val="bg1"/>
+              </a:solidFill>
+            </a:endParaRPr>
+          </a:p>
+        </p:txBody>
+      </p:sp>
+      <p:sp>
+        <p:nvSpPr>
+          <p:cNvPr id="43" name="TextBox 42">
+            <a:extLst>
+              <a:ext uri="{FF2B5EF4-FFF2-40B4-BE49-F238E27FC236}">
+                <a16:creationId xmlns:a16="http://schemas.microsoft.com/office/drawing/2014/main" id="{591A8C4F-66E7-5F05-5C29-DEC053D0B361}"/>
+              </a:ext>
+            </a:extLst>
+          </p:cNvPr>
+          <p:cNvSpPr txBox="1"/>
+          <p:nvPr/>
+        </p:nvSpPr>
+        <p:spPr>
+          <a:xfrm>
+            <a:off x="10087560" y="34101598"/>
+            <a:ext cx="18223984" cy="2705164"/>
+          </a:xfrm>
+          <a:prstGeom prst="rect">
+            <a:avLst/>
+          </a:prstGeom>
+          <a:noFill/>
+        </p:spPr>
+        <p:txBody>
+          <a:bodyPr wrap="square">
+            <a:spAutoFit/>
+          </a:bodyPr>
+          <a:lstStyle/>
+          <a:p>
+            <a:pPr algn="ctr" defTabSz="1952277">
+              <a:lnSpc>
+                <a:spcPct val="90000"/>
+              </a:lnSpc>
+              <a:spcAft>
+                <a:spcPts val="1281"/>
+              </a:spcAft>
+            </a:pPr>
+            <a:r>
+              <a:rPr lang="en-US" sz="8000" dirty="0">
+                <a:solidFill>
+                  <a:schemeClr val="bg1"/>
+                </a:solidFill>
+                <a:latin typeface="Aptos Narrow" panose="020B0004020202020204" pitchFamily="34" charset="0"/>
+              </a:rPr>
+              <a:t>The stage is set for you to become… </a:t>
+            </a:r>
+          </a:p>
+          <a:p>
+            <a:pPr algn="ctr" defTabSz="1952277">
+              <a:lnSpc>
+                <a:spcPct val="90000"/>
+              </a:lnSpc>
+              <a:spcAft>
+                <a:spcPts val="1281"/>
+              </a:spcAft>
+            </a:pPr>
+            <a:r>
+              <a:rPr lang="en-US" sz="9600" dirty="0">
+                <a:solidFill>
+                  <a:schemeClr val="bg1"/>
+                </a:solidFill>
+                <a:latin typeface="Aptos Narrow" panose="020B0004020202020204" pitchFamily="34" charset="0"/>
+              </a:rPr>
+              <a:t>The maestro of in-vehicle software.</a:t>
+            </a:r>
+            <a:endParaRPr lang="en-US" sz="16600" dirty="0">
+              <a:solidFill>
+                <a:schemeClr val="bg1"/>
+              </a:solidFill>
+              <a:latin typeface="Aptos Narrow" panose="020B0004020202020204" pitchFamily="34" charset="0"/>
+            </a:endParaRPr>
+          </a:p>
+        </p:txBody>
+      </p:sp>
+      <p:sp>
+        <p:nvSpPr>
+          <p:cNvPr id="55" name="TextBox 54">
+            <a:extLst>
+              <a:ext uri="{FF2B5EF4-FFF2-40B4-BE49-F238E27FC236}">
+                <a16:creationId xmlns:a16="http://schemas.microsoft.com/office/drawing/2014/main" id="{2CCF666F-CFBA-471D-2559-AC4C759C3DA8}"/>
+              </a:ext>
+            </a:extLst>
+          </p:cNvPr>
+          <p:cNvSpPr txBox="1"/>
+          <p:nvPr/>
+        </p:nvSpPr>
+        <p:spPr>
+          <a:xfrm>
+            <a:off x="16806234" y="5743622"/>
+            <a:ext cx="12721929" cy="11575245"/>
+          </a:xfrm>
+          <a:prstGeom prst="rect">
+            <a:avLst/>
+          </a:prstGeom>
+        </p:spPr>
+        <p:txBody>
+          <a:bodyPr vert="horz" lIns="227005" tIns="113502" rIns="227005" bIns="113502" rtlCol="0">
+            <a:normAutofit/>
+          </a:bodyPr>
+          <a:lstStyle/>
+          <a:p>
+            <a:pPr algn="just" defTabSz="1952277">
+              <a:lnSpc>
+                <a:spcPct val="90000"/>
+              </a:lnSpc>
+              <a:spcAft>
+                <a:spcPts val="1281"/>
+              </a:spcAft>
+            </a:pPr>
+            <a:r>
+              <a:rPr lang="en-US" sz="5400" dirty="0">
+                <a:latin typeface="Aptos Narrow" panose="020B0004020202020204" pitchFamily="34" charset="0"/>
+              </a:rPr>
+              <a:t>Imagine yourself as the </a:t>
+            </a:r>
+            <a:r>
+              <a:rPr lang="en-US" sz="5400" b="1" dirty="0">
+                <a:latin typeface="Aptos Narrow" panose="020B0004020202020204" pitchFamily="34" charset="0"/>
+              </a:rPr>
+              <a:t>maestro</a:t>
+            </a:r>
+            <a:r>
+              <a:rPr lang="en-US" sz="5400" dirty="0">
+                <a:latin typeface="Aptos Narrow" panose="020B0004020202020204" pitchFamily="34" charset="0"/>
+              </a:rPr>
+              <a:t>. You are not just writing code. You are composing a masterpiece that will drive the future of transportation. Your work will ensure that every component, from the engine control unit to the infotainment system, works in perfect harmony. </a:t>
+            </a:r>
+          </a:p>
+          <a:p>
+            <a:pPr algn="just" defTabSz="1952277">
+              <a:lnSpc>
+                <a:spcPct val="90000"/>
+              </a:lnSpc>
+              <a:spcAft>
+                <a:spcPts val="1281"/>
+              </a:spcAft>
+            </a:pPr>
+            <a:endParaRPr lang="en-US" sz="5400" dirty="0">
+              <a:latin typeface="Aptos Narrow" panose="020B0004020202020204" pitchFamily="34" charset="0"/>
+            </a:endParaRPr>
+          </a:p>
+          <a:p>
+            <a:pPr algn="just" defTabSz="1952277">
+              <a:lnSpc>
+                <a:spcPct val="90000"/>
+              </a:lnSpc>
+              <a:spcAft>
+                <a:spcPts val="1281"/>
+              </a:spcAft>
+            </a:pPr>
+            <a:r>
+              <a:rPr lang="en-US" sz="5400" dirty="0">
+                <a:latin typeface="Aptos Narrow" panose="020B0004020202020204" pitchFamily="34" charset="0"/>
+              </a:rPr>
+              <a:t>So, step up to the podium, take a deep breath, and let your creativity flow </a:t>
+            </a:r>
+            <a:r>
+              <a:rPr lang="en-US" sz="5400" dirty="0"/>
+              <a:t>🚗💻🎶</a:t>
+            </a:r>
+            <a:endParaRPr lang="en-US" sz="5400" dirty="0">
+              <a:latin typeface="Aptos Narrow" panose="020B0004020202020204" pitchFamily="34" charset="0"/>
+            </a:endParaRPr>
+          </a:p>
+          <a:p>
+            <a:pPr algn="just" defTabSz="1952277">
+              <a:lnSpc>
+                <a:spcPct val="90000"/>
+              </a:lnSpc>
+              <a:spcAft>
+                <a:spcPts val="1281"/>
+              </a:spcAft>
+            </a:pPr>
+            <a:endParaRPr lang="en-US" sz="5400" dirty="0">
+              <a:latin typeface="Aptos Narrow" panose="020B0004020202020204" pitchFamily="34" charset="0"/>
+            </a:endParaRPr>
+          </a:p>
+        </p:txBody>
+      </p:sp>
+      <p:sp>
+        <p:nvSpPr>
+          <p:cNvPr id="56" name="TextBox 55">
+            <a:extLst>
+              <a:ext uri="{FF2B5EF4-FFF2-40B4-BE49-F238E27FC236}">
+                <a16:creationId xmlns:a16="http://schemas.microsoft.com/office/drawing/2014/main" id="{2CAA4379-86A8-0121-F739-40D369F7A23B}"/>
+              </a:ext>
+            </a:extLst>
+          </p:cNvPr>
+          <p:cNvSpPr txBox="1"/>
+          <p:nvPr/>
+        </p:nvSpPr>
+        <p:spPr>
+          <a:xfrm>
+            <a:off x="17632802" y="3231063"/>
+            <a:ext cx="11118245" cy="1695336"/>
+          </a:xfrm>
+          <a:prstGeom prst="rect">
+            <a:avLst/>
+          </a:prstGeom>
+          <a:noFill/>
+        </p:spPr>
+        <p:txBody>
+          <a:bodyPr wrap="square">
+            <a:spAutoFit/>
+          </a:bodyPr>
+          <a:lstStyle/>
+          <a:p>
+            <a:pPr algn="ctr">
+              <a:lnSpc>
+                <a:spcPct val="90000"/>
+              </a:lnSpc>
+              <a:spcAft>
+                <a:spcPts val="1490"/>
+              </a:spcAft>
+            </a:pPr>
+            <a:r>
+              <a:rPr lang="en-US" sz="11500" dirty="0">
+                <a:solidFill>
+                  <a:schemeClr val="accent1">
+                    <a:lumMod val="75000"/>
+                  </a:schemeClr>
+                </a:solidFill>
+                <a:latin typeface="Aptos Narrow" panose="020B0004020202020204" pitchFamily="34" charset="0"/>
+              </a:rPr>
+              <a:t>The time is now!</a:t>
+            </a:r>
+          </a:p>
+        </p:txBody>
+      </p:sp>
+      <p:pic>
+        <p:nvPicPr>
+          <p:cNvPr id="57" name="Google Shape;210;p25">
+            <a:extLst>
+              <a:ext uri="{FF2B5EF4-FFF2-40B4-BE49-F238E27FC236}">
+                <a16:creationId xmlns:a16="http://schemas.microsoft.com/office/drawing/2014/main" id="{662BAC80-DEB3-AD9A-CA5D-0811731AB6B4}"/>
+              </a:ext>
+            </a:extLst>
+          </p:cNvPr>
+          <p:cNvPicPr preferRelativeResize="0"/>
+          <p:nvPr/>
+        </p:nvPicPr>
+        <p:blipFill>
+          <a:blip r:embed="rId5">
+            <a:alphaModFix/>
+          </a:blip>
+          <a:stretch>
+            <a:fillRect/>
+          </a:stretch>
+        </p:blipFill>
+        <p:spPr>
+          <a:xfrm>
+            <a:off x="26312782" y="545215"/>
+            <a:ext cx="3997523" cy="1217125"/>
+          </a:xfrm>
+          <a:prstGeom prst="rect">
+            <a:avLst/>
+          </a:prstGeom>
+          <a:noFill/>
+          <a:ln>
+            <a:noFill/>
+          </a:ln>
+        </p:spPr>
+      </p:pic>
+      <p:sp>
+        <p:nvSpPr>
+          <p:cNvPr id="58" name="TextBox 57">
+            <a:extLst>
+              <a:ext uri="{FF2B5EF4-FFF2-40B4-BE49-F238E27FC236}">
+                <a16:creationId xmlns:a16="http://schemas.microsoft.com/office/drawing/2014/main" id="{7C07E105-BE1A-5720-3595-A156BA375B3F}"/>
+              </a:ext>
+            </a:extLst>
+          </p:cNvPr>
+          <p:cNvSpPr txBox="1"/>
+          <p:nvPr/>
+        </p:nvSpPr>
+        <p:spPr>
+          <a:xfrm>
+            <a:off x="4311735" y="20085073"/>
+            <a:ext cx="22372320" cy="2315506"/>
+          </a:xfrm>
+          <a:prstGeom prst="rect">
+            <a:avLst/>
+          </a:prstGeom>
+          <a:noFill/>
+        </p:spPr>
+        <p:txBody>
+          <a:bodyPr wrap="square">
+            <a:spAutoFit/>
+          </a:bodyPr>
+          <a:lstStyle/>
+          <a:p>
+            <a:pPr algn="ctr">
+              <a:lnSpc>
+                <a:spcPct val="90000"/>
+              </a:lnSpc>
+              <a:spcAft>
+                <a:spcPts val="1490"/>
+              </a:spcAft>
+            </a:pPr>
+            <a:r>
+              <a:rPr lang="en-US" sz="8000" b="1" dirty="0">
+                <a:solidFill>
+                  <a:schemeClr val="accent1">
+                    <a:lumMod val="75000"/>
+                  </a:schemeClr>
+                </a:solidFill>
+                <a:latin typeface="Aptos Narrow" panose="020B0004020202020204" pitchFamily="34" charset="0"/>
+              </a:rPr>
+              <a:t>Do you want to be the maestro of the next generation of vehicle software? </a:t>
+            </a:r>
+          </a:p>
+        </p:txBody>
+      </p:sp>
+      <p:pic>
+        <p:nvPicPr>
+          <p:cNvPr id="2" name="Picture 1">
+            <a:extLst>
+              <a:ext uri="{FF2B5EF4-FFF2-40B4-BE49-F238E27FC236}">
+                <a16:creationId xmlns:a16="http://schemas.microsoft.com/office/drawing/2014/main" id="{481187BB-1B34-34AF-BE6B-70EC712296E0}"/>
+              </a:ext>
+            </a:extLst>
+          </p:cNvPr>
+          <p:cNvPicPr>
+            <a:picLocks noChangeAspect="1"/>
+          </p:cNvPicPr>
+          <p:nvPr/>
+        </p:nvPicPr>
+        <p:blipFill>
+          <a:blip r:embed="rId6"/>
+          <a:stretch>
+            <a:fillRect/>
+          </a:stretch>
+        </p:blipFill>
+        <p:spPr>
+          <a:xfrm>
+            <a:off x="2837669" y="23358640"/>
+            <a:ext cx="11741914" cy="6480610"/>
+          </a:xfrm>
+          <a:prstGeom prst="rect">
+            <a:avLst/>
+          </a:prstGeom>
+        </p:spPr>
+      </p:pic>
+      <p:pic>
+        <p:nvPicPr>
+          <p:cNvPr id="3" name="Picture 2">
+            <a:extLst>
+              <a:ext uri="{FF2B5EF4-FFF2-40B4-BE49-F238E27FC236}">
+                <a16:creationId xmlns:a16="http://schemas.microsoft.com/office/drawing/2014/main" id="{FCDB43B3-32CC-DF45-B37C-0A6141DB0943}"/>
+              </a:ext>
+            </a:extLst>
+          </p:cNvPr>
+          <p:cNvPicPr>
+            <a:picLocks noChangeAspect="1"/>
+          </p:cNvPicPr>
+          <p:nvPr/>
+        </p:nvPicPr>
+        <p:blipFill>
+          <a:blip r:embed="rId7"/>
+          <a:stretch>
+            <a:fillRect/>
+          </a:stretch>
+        </p:blipFill>
+        <p:spPr>
+          <a:xfrm>
+            <a:off x="15502841" y="23358640"/>
+            <a:ext cx="11741914" cy="6480610"/>
+          </a:xfrm>
+          <a:prstGeom prst="rect">
+            <a:avLst/>
+          </a:prstGeom>
+        </p:spPr>
+      </p:pic>
+    </p:spTree>
+    <p:extLst>
+      <p:ext uri="{BB962C8B-B14F-4D97-AF65-F5344CB8AC3E}">
+        <p14:creationId xmlns:p14="http://schemas.microsoft.com/office/powerpoint/2010/main" val="731445833"/>
+      </p:ext>
+    </p:extLst>
+  </p:cSld>
+  <p:clrMapOvr>
+    <a:masterClrMapping/>
+  </p:clrMapOvr>
+</p:sld>
+</file>
+
+<file path=ppt/slides/slide3.xml><?xml version="1.0" encoding="utf-8"?>
+<p:sld xmlns:a="http://schemas.openxmlformats.org/drawingml/2006/main" xmlns:r="http://schemas.openxmlformats.org/officeDocument/2006/relationships" xmlns:p="http://schemas.openxmlformats.org/presentationml/2006/main">
+  <p:cSld>
+    <p:bg>
+      <p:bgPr>
+        <a:solidFill>
+          <a:schemeClr val="bg1">
+            <a:alpha val="16000"/>
+          </a:schemeClr>
+        </a:solidFill>
+        <a:effectLst/>
+      </p:bgPr>
+    </p:bg>
+    <p:spTree>
+      <p:nvGrpSpPr>
+        <p:cNvPr id="1" name=""/>
+        <p:cNvGrpSpPr/>
+        <p:nvPr/>
+      </p:nvGrpSpPr>
+      <p:grpSpPr>
+        <a:xfrm>
+          <a:off x="0" y="0"/>
+          <a:ext cx="0" cy="0"/>
+          <a:chOff x="0" y="0"/>
+          <a:chExt cx="0" cy="0"/>
+        </a:xfrm>
+      </p:grpSpPr>
+      <p:sp>
+        <p:nvSpPr>
+          <p:cNvPr id="37" name="Rectangle 36">
+            <a:extLst>
+              <a:ext uri="{FF2B5EF4-FFF2-40B4-BE49-F238E27FC236}">
+                <a16:creationId xmlns:a16="http://schemas.microsoft.com/office/drawing/2014/main" id="{0547F8DA-4D2D-79A0-4569-4AE015C95BE7}"/>
+              </a:ext>
+            </a:extLst>
+          </p:cNvPr>
+          <p:cNvSpPr/>
+          <p:nvPr/>
+        </p:nvSpPr>
+        <p:spPr>
+          <a:xfrm>
+            <a:off x="-1" y="32308800"/>
+            <a:ext cx="30267276" cy="10618862"/>
+          </a:xfrm>
+          <a:prstGeom prst="rect">
+            <a:avLst/>
+          </a:prstGeom>
+          <a:gradFill flip="none" rotWithShape="1">
+            <a:gsLst>
+              <a:gs pos="0">
+                <a:srgbClr val="052943"/>
+              </a:gs>
+              <a:gs pos="23000">
+                <a:srgbClr val="22607A"/>
+              </a:gs>
+              <a:gs pos="69000">
+                <a:srgbClr val="6FA4B7"/>
+              </a:gs>
+              <a:gs pos="97000">
+                <a:schemeClr val="accent1">
+                  <a:lumMod val="70000"/>
+                </a:schemeClr>
+              </a:gs>
+            </a:gsLst>
+            <a:path path="rect">
+              <a:fillToRect r="100000" b="100000"/>
+            </a:path>
+            <a:tileRect l="-100000" t="-100000"/>
+          </a:gradFill>
+          <a:ln>
+            <a:noFill/>
+          </a:ln>
+        </p:spPr>
+        <p:style>
+          <a:lnRef idx="2">
+            <a:schemeClr val="accent1">
+              <a:shade val="15000"/>
+            </a:schemeClr>
+          </a:lnRef>
+          <a:fillRef idx="1">
+            <a:schemeClr val="accent1"/>
+          </a:fillRef>
+          <a:effectRef idx="0">
+            <a:schemeClr val="accent1"/>
+          </a:effectRef>
+          <a:fontRef idx="minor">
+            <a:schemeClr val="lt1"/>
+          </a:fontRef>
+        </p:style>
+        <p:txBody>
+          <a:bodyPr rtlCol="0" anchor="ctr"/>
+          <a:lstStyle/>
+          <a:p>
+            <a:pPr algn="ctr"/>
+            <a:endParaRPr lang="en-US"/>
+          </a:p>
+        </p:txBody>
+      </p:sp>
       <p:sp>
         <p:nvSpPr>
           <p:cNvPr id="6" name="TextBox 5">
@@ -4508,53 +5793,73 @@
         </p:nvSpPr>
         <p:spPr>
           <a:xfrm>
-            <a:off x="6090968" y="2102995"/>
-            <a:ext cx="5038663" cy="1459086"/>
+            <a:off x="18409918" y="5743622"/>
+            <a:ext cx="11118245" cy="11575245"/>
           </a:xfrm>
           <a:prstGeom prst="rect">
             <a:avLst/>
           </a:prstGeom>
         </p:spPr>
         <p:txBody>
-          <a:bodyPr vert="horz" lIns="91440" tIns="45720" rIns="91440" bIns="45720" rtlCol="0">
-            <a:normAutofit fontScale="92500"/>
+          <a:bodyPr vert="horz" lIns="227005" tIns="113502" rIns="227005" bIns="113502" rtlCol="0">
+            <a:normAutofit/>
           </a:bodyPr>
           <a:lstStyle/>
           <a:p>
-            <a:pPr algn="just" defTabSz="786384">
+            <a:pPr algn="just" defTabSz="1952277">
               <a:lnSpc>
                 <a:spcPct val="90000"/>
               </a:lnSpc>
               <a:spcAft>
-                <a:spcPts val="516"/>
+                <a:spcPts val="1281"/>
               </a:spcAft>
             </a:pPr>
             <a:r>
-              <a:rPr lang="en-US" sz="1720" kern="1200" dirty="0">
-                <a:solidFill>
-                  <a:schemeClr val="tx1"/>
-                </a:solidFill>
+              <a:rPr lang="en-US" sz="5400" dirty="0">
                 <a:latin typeface="Aptos Narrow" panose="020B0004020202020204" pitchFamily="34" charset="0"/>
               </a:rPr>
               <a:t>Imagine yourself as the </a:t>
             </a:r>
             <a:r>
-              <a:rPr lang="en-US" sz="1720" b="1" kern="1200" dirty="0">
-                <a:solidFill>
-                  <a:schemeClr val="tx1"/>
-                </a:solidFill>
+              <a:rPr lang="en-US" sz="5400" b="1" dirty="0">
                 <a:latin typeface="Aptos Narrow" panose="020B0004020202020204" pitchFamily="34" charset="0"/>
               </a:rPr>
               <a:t>maestro</a:t>
             </a:r>
             <a:r>
-              <a:rPr lang="en-US" sz="1720" kern="1200" dirty="0">
-                <a:solidFill>
-                  <a:schemeClr val="tx1"/>
-                </a:solidFill>
+              <a:rPr lang="en-US" sz="5400" dirty="0">
                 <a:latin typeface="Aptos Narrow" panose="020B0004020202020204" pitchFamily="34" charset="0"/>
               </a:rPr>
-              <a:t>. You are not just writing code. You are composing a masterpiece that will drive the future of transportation. Your work will ensure that every component, from the engine control unit to the infotainment system, works in perfect harmony. So, step up to the podium, take a deep breath, and let your creativity flow. </a:t>
+              <a:t>. You are not just writing code. You are composing a masterpiece that will drive the future of transportation. Your work will ensure that every component, from the engine control unit to the infotainment system, works in perfect harmony. </a:t>
+            </a:r>
+          </a:p>
+          <a:p>
+            <a:pPr algn="just" defTabSz="1952277">
+              <a:lnSpc>
+                <a:spcPct val="90000"/>
+              </a:lnSpc>
+              <a:spcAft>
+                <a:spcPts val="1281"/>
+              </a:spcAft>
+            </a:pPr>
+            <a:endParaRPr lang="en-US" sz="5400" dirty="0">
+              <a:latin typeface="Aptos Narrow" panose="020B0004020202020204" pitchFamily="34" charset="0"/>
+            </a:endParaRPr>
+          </a:p>
+          <a:p>
+            <a:pPr algn="just" defTabSz="1952277">
+              <a:lnSpc>
+                <a:spcPct val="90000"/>
+              </a:lnSpc>
+              <a:spcAft>
+                <a:spcPts val="1281"/>
+              </a:spcAft>
+            </a:pPr>
+            <a:r>
+              <a:rPr lang="en-US" sz="5400" dirty="0">
+                <a:latin typeface="Aptos Narrow" panose="020B0004020202020204" pitchFamily="34" charset="0"/>
+              </a:rPr>
+              <a:t>So, step up to the podium, take a deep breath, and let your creativity flow. </a:t>
             </a:r>
           </a:p>
         </p:txBody>
@@ -4574,15 +5879,15 @@
           <p:nvPr/>
         </p:nvPicPr>
         <p:blipFill>
-          <a:blip r:embed="rId3"/>
+          <a:blip r:embed="rId2"/>
           <a:stretch>
             <a:fillRect/>
           </a:stretch>
         </p:blipFill>
         <p:spPr>
           <a:xfrm>
-            <a:off x="5775427" y="4360091"/>
-            <a:ext cx="1447365" cy="1447366"/>
+            <a:off x="1676740" y="33931752"/>
+            <a:ext cx="7302674" cy="7302678"/>
           </a:xfrm>
           <a:prstGeom prst="rect">
             <a:avLst/>
@@ -4603,8 +5908,8 @@
         </p:nvSpPr>
         <p:spPr>
           <a:xfrm>
-            <a:off x="7193087" y="5480927"/>
-            <a:ext cx="3676904" cy="330540"/>
+            <a:off x="11015418" y="37796937"/>
+            <a:ext cx="16478870" cy="1200329"/>
           </a:xfrm>
           <a:prstGeom prst="rect">
             <a:avLst/>
@@ -4617,24 +5922,31 @@
           </a:bodyPr>
           <a:lstStyle/>
           <a:p>
-            <a:pPr defTabSz="786384">
+            <a:pPr defTabSz="1952277">
               <a:spcAft>
-                <a:spcPts val="600"/>
+                <a:spcPts val="1490"/>
               </a:spcAft>
             </a:pPr>
             <a:r>
-              <a:rPr lang="en-US" sz="1548" kern="1200" dirty="0">
+              <a:rPr lang="en-US" sz="7200" dirty="0">
                 <a:solidFill>
-                  <a:schemeClr val="tx1"/>
+                  <a:schemeClr val="bg1"/>
                 </a:solidFill>
-                <a:latin typeface="+mn-lt"/>
-                <a:ea typeface="+mn-ea"/>
-                <a:cs typeface="+mn-cs"/>
-                <a:hlinkClick r:id="rId4"/>
+                <a:hlinkClick r:id="rId3">
+                  <a:extLst>
+                    <a:ext uri="{A12FA001-AC4F-418D-AE19-62706E023703}">
+                      <ahyp:hlinkClr xmlns:ahyp="http://schemas.microsoft.com/office/drawing/2018/hyperlinkcolor" val="tx"/>
+                    </a:ext>
+                  </a:extLst>
+                </a:hlinkClick>
               </a:rPr>
               <a:t>Eclipse SDV Hackathon / Maestro Challenge</a:t>
             </a:r>
-            <a:endParaRPr lang="en-US" dirty="0"/>
+            <a:endParaRPr lang="en-US" sz="61300" dirty="0">
+              <a:solidFill>
+                <a:schemeClr val="bg1"/>
+              </a:solidFill>
+            </a:endParaRPr>
           </a:p>
         </p:txBody>
       </p:sp>
@@ -4652,8 +5964,8 @@
         </p:nvSpPr>
         <p:spPr>
           <a:xfrm>
-            <a:off x="5214824" y="581690"/>
-            <a:ext cx="6174120" cy="867930"/>
+            <a:off x="4044197" y="18800218"/>
+            <a:ext cx="22372320" cy="2315506"/>
           </a:xfrm>
           <a:prstGeom prst="rect">
             <a:avLst/>
@@ -4671,105 +5983,23 @@
                 <a:spcPct val="90000"/>
               </a:lnSpc>
               <a:spcAft>
-                <a:spcPts val="600"/>
+                <a:spcPts val="1490"/>
               </a:spcAft>
             </a:pPr>
             <a:r>
-              <a:rPr lang="en-US" sz="2800" b="1" i="0" dirty="0">
+              <a:rPr lang="en-US" sz="8000" b="1" dirty="0">
                 <a:solidFill>
                   <a:schemeClr val="accent1">
                     <a:lumMod val="75000"/>
                   </a:schemeClr>
                 </a:solidFill>
-                <a:effectLst/>
                 <a:latin typeface="Aptos Narrow" panose="020B0004020202020204" pitchFamily="34" charset="0"/>
               </a:rPr>
-              <a:t>Do you want to be the next maestro of the next generation of vehicle software? </a:t>
-            </a:r>
-          </a:p>
-        </p:txBody>
-      </p:sp>
-      <p:grpSp>
-        <p:nvGrpSpPr>
-          <p:cNvPr id="25" name="Group 24">
-            <a:extLst>
-              <a:ext uri="{FF2B5EF4-FFF2-40B4-BE49-F238E27FC236}">
-                <a16:creationId xmlns:a16="http://schemas.microsoft.com/office/drawing/2014/main" id="{A2651703-57DA-391C-9B61-545EE59F3CE0}"/>
-              </a:ext>
-            </a:extLst>
-          </p:cNvPr>
-          <p:cNvGrpSpPr/>
-          <p:nvPr/>
-        </p:nvGrpSpPr>
-        <p:grpSpPr>
-          <a:xfrm>
-            <a:off x="7358713" y="4481414"/>
-            <a:ext cx="3269452" cy="867475"/>
-            <a:chOff x="7405351" y="4481414"/>
-            <a:chExt cx="3269452" cy="867475"/>
-          </a:xfrm>
-        </p:grpSpPr>
-        <p:pic>
-          <p:nvPicPr>
-            <p:cNvPr id="14" name="Picture 13" descr="A computer screen shot of a diagram&#10;&#10;Description automatically generated">
-              <a:extLst>
-                <a:ext uri="{FF2B5EF4-FFF2-40B4-BE49-F238E27FC236}">
-                  <a16:creationId xmlns:a16="http://schemas.microsoft.com/office/drawing/2014/main" id="{7E18524E-EF1E-1EB7-6DF3-B848EBFDFCE6}"/>
-                </a:ext>
-              </a:extLst>
-            </p:cNvPr>
-            <p:cNvPicPr>
-              <a:picLocks noChangeAspect="1"/>
-            </p:cNvPicPr>
-            <p:nvPr/>
-          </p:nvPicPr>
-          <p:blipFill>
-            <a:blip r:embed="rId5"/>
-            <a:stretch>
-              <a:fillRect/>
-            </a:stretch>
-          </p:blipFill>
-          <p:spPr>
-            <a:xfrm>
-              <a:off x="7405351" y="4489877"/>
-              <a:ext cx="1527652" cy="834619"/>
-            </a:xfrm>
-            <a:prstGeom prst="rect">
-              <a:avLst/>
-            </a:prstGeom>
-          </p:spPr>
-        </p:pic>
-        <p:pic>
-          <p:nvPicPr>
-            <p:cNvPr id="17" name="Picture 16" descr="A computer screen shot of a diagram&#10;&#10;Description automatically generated">
-              <a:extLst>
-                <a:ext uri="{FF2B5EF4-FFF2-40B4-BE49-F238E27FC236}">
-                  <a16:creationId xmlns:a16="http://schemas.microsoft.com/office/drawing/2014/main" id="{FA693BFA-D0C6-A6D1-A517-0CAA72142D44}"/>
-                </a:ext>
-              </a:extLst>
-            </p:cNvPr>
-            <p:cNvPicPr>
-              <a:picLocks noChangeAspect="1"/>
-            </p:cNvPicPr>
-            <p:nvPr/>
-          </p:nvPicPr>
-          <p:blipFill>
-            <a:blip r:embed="rId6"/>
-            <a:stretch>
-              <a:fillRect/>
-            </a:stretch>
-          </p:blipFill>
-          <p:spPr>
-            <a:xfrm>
-              <a:off x="9087014" y="4481414"/>
-              <a:ext cx="1587789" cy="867475"/>
-            </a:xfrm>
-            <a:prstGeom prst="rect">
-              <a:avLst/>
-            </a:prstGeom>
-          </p:spPr>
-        </p:pic>
-      </p:grpSp>
+              <a:t>Do you want to be the maestro of the next generation of vehicle software? </a:t>
+            </a:r>
+          </a:p>
+        </p:txBody>
+      </p:sp>
       <p:sp>
         <p:nvSpPr>
           <p:cNvPr id="3" name="TextBox 2">
@@ -4784,8 +6014,8 @@
         </p:nvSpPr>
         <p:spPr>
           <a:xfrm>
-            <a:off x="4679565" y="6000099"/>
-            <a:ext cx="1144042" cy="369332"/>
+            <a:off x="134748" y="30819812"/>
+            <a:ext cx="2840144" cy="780085"/>
           </a:xfrm>
           <a:prstGeom prst="rect">
             <a:avLst/>
@@ -4800,17 +6030,10 @@
           <a:p>
             <a:pPr algn="ctr"/>
             <a:r>
-              <a:rPr lang="en-US" sz="1800" kern="1200" dirty="0">
-                <a:solidFill>
-                  <a:schemeClr val="tx1"/>
-                </a:solidFill>
-                <a:latin typeface="+mn-lt"/>
-                <a:ea typeface="+mn-ea"/>
-                <a:cs typeface="+mn-cs"/>
-              </a:rPr>
+              <a:rPr lang="en-US" sz="4469" dirty="0"/>
               <a:t>🚗💻🎶</a:t>
             </a:r>
-            <a:endParaRPr lang="en-US" dirty="0"/>
+            <a:endParaRPr lang="en-US" sz="17137" dirty="0"/>
           </a:p>
         </p:txBody>
       </p:sp>
@@ -4828,8 +6051,8 @@
         </p:nvSpPr>
         <p:spPr>
           <a:xfrm>
-            <a:off x="5768332" y="6000099"/>
-            <a:ext cx="1144042" cy="369332"/>
+            <a:off x="2837669" y="30819812"/>
+            <a:ext cx="2840144" cy="780085"/>
           </a:xfrm>
           <a:prstGeom prst="rect">
             <a:avLst/>
@@ -4844,17 +6067,10 @@
           <a:p>
             <a:pPr algn="ctr"/>
             <a:r>
-              <a:rPr lang="en-US" sz="1800" kern="1200" dirty="0">
-                <a:solidFill>
-                  <a:schemeClr val="tx1"/>
-                </a:solidFill>
-                <a:latin typeface="+mn-lt"/>
-                <a:ea typeface="+mn-ea"/>
-                <a:cs typeface="+mn-cs"/>
-              </a:rPr>
+              <a:rPr lang="en-US" sz="4469" dirty="0"/>
               <a:t>🚗💻🎶</a:t>
             </a:r>
-            <a:endParaRPr lang="en-US" dirty="0"/>
+            <a:endParaRPr lang="en-US" sz="17137" dirty="0"/>
           </a:p>
         </p:txBody>
       </p:sp>
@@ -4872,8 +6088,8 @@
         </p:nvSpPr>
         <p:spPr>
           <a:xfrm>
-            <a:off x="6857099" y="6000099"/>
-            <a:ext cx="1144042" cy="369332"/>
+            <a:off x="5540590" y="30819812"/>
+            <a:ext cx="2840144" cy="780085"/>
           </a:xfrm>
           <a:prstGeom prst="rect">
             <a:avLst/>
@@ -4888,17 +6104,10 @@
           <a:p>
             <a:pPr algn="ctr"/>
             <a:r>
-              <a:rPr lang="en-US" sz="1800" kern="1200" dirty="0">
-                <a:solidFill>
-                  <a:schemeClr val="tx1"/>
-                </a:solidFill>
-                <a:latin typeface="+mn-lt"/>
-                <a:ea typeface="+mn-ea"/>
-                <a:cs typeface="+mn-cs"/>
-              </a:rPr>
+              <a:rPr lang="en-US" sz="4469" dirty="0"/>
               <a:t>🚗💻🎶</a:t>
             </a:r>
-            <a:endParaRPr lang="en-US" dirty="0"/>
+            <a:endParaRPr lang="en-US" sz="17137" dirty="0"/>
           </a:p>
         </p:txBody>
       </p:sp>
@@ -4916,8 +6125,8 @@
         </p:nvSpPr>
         <p:spPr>
           <a:xfrm>
-            <a:off x="7945866" y="6000099"/>
-            <a:ext cx="1144042" cy="369332"/>
+            <a:off x="8243511" y="30819812"/>
+            <a:ext cx="2840144" cy="780085"/>
           </a:xfrm>
           <a:prstGeom prst="rect">
             <a:avLst/>
@@ -4932,17 +6141,10 @@
           <a:p>
             <a:pPr algn="ctr"/>
             <a:r>
-              <a:rPr lang="en-US" sz="1800" kern="1200" dirty="0">
-                <a:solidFill>
-                  <a:schemeClr val="tx1"/>
-                </a:solidFill>
-                <a:latin typeface="+mn-lt"/>
-                <a:ea typeface="+mn-ea"/>
-                <a:cs typeface="+mn-cs"/>
-              </a:rPr>
+              <a:rPr lang="en-US" sz="4469" dirty="0"/>
               <a:t>🚗💻🎶</a:t>
             </a:r>
-            <a:endParaRPr lang="en-US" dirty="0"/>
+            <a:endParaRPr lang="en-US" sz="17137" dirty="0"/>
           </a:p>
         </p:txBody>
       </p:sp>
@@ -4960,8 +6162,8 @@
         </p:nvSpPr>
         <p:spPr>
           <a:xfrm>
-            <a:off x="9034633" y="6000099"/>
-            <a:ext cx="1144042" cy="369332"/>
+            <a:off x="10946431" y="30819812"/>
+            <a:ext cx="2840144" cy="780085"/>
           </a:xfrm>
           <a:prstGeom prst="rect">
             <a:avLst/>
@@ -4976,17 +6178,10 @@
           <a:p>
             <a:pPr algn="ctr"/>
             <a:r>
-              <a:rPr lang="en-US" sz="1800" kern="1200" dirty="0">
-                <a:solidFill>
-                  <a:schemeClr val="tx1"/>
-                </a:solidFill>
-                <a:latin typeface="+mn-lt"/>
-                <a:ea typeface="+mn-ea"/>
-                <a:cs typeface="+mn-cs"/>
-              </a:rPr>
+              <a:rPr lang="en-US" sz="4469" dirty="0"/>
               <a:t>🚗💻🎶</a:t>
             </a:r>
-            <a:endParaRPr lang="en-US" dirty="0"/>
+            <a:endParaRPr lang="en-US" sz="17137" dirty="0"/>
           </a:p>
         </p:txBody>
       </p:sp>
@@ -5004,8 +6199,8 @@
         </p:nvSpPr>
         <p:spPr>
           <a:xfrm>
-            <a:off x="10123400" y="6000099"/>
-            <a:ext cx="1144042" cy="369332"/>
+            <a:off x="13649352" y="30819812"/>
+            <a:ext cx="2840144" cy="780085"/>
           </a:xfrm>
           <a:prstGeom prst="rect">
             <a:avLst/>
@@ -5020,17 +6215,10 @@
           <a:p>
             <a:pPr algn="ctr"/>
             <a:r>
-              <a:rPr lang="en-US" sz="1800" kern="1200" dirty="0">
-                <a:solidFill>
-                  <a:schemeClr val="tx1"/>
-                </a:solidFill>
-                <a:latin typeface="+mn-lt"/>
-                <a:ea typeface="+mn-ea"/>
-                <a:cs typeface="+mn-cs"/>
-              </a:rPr>
+              <a:rPr lang="en-US" sz="4469" dirty="0"/>
               <a:t>🚗💻🎶</a:t>
             </a:r>
-            <a:endParaRPr lang="en-US" dirty="0"/>
+            <a:endParaRPr lang="en-US" sz="17137" dirty="0"/>
           </a:p>
         </p:txBody>
       </p:sp>
@@ -5048,8 +6236,8 @@
         </p:nvSpPr>
         <p:spPr>
           <a:xfrm>
-            <a:off x="5959795" y="3569830"/>
-            <a:ext cx="5301009" cy="738151"/>
+            <a:off x="10087560" y="34101598"/>
+            <a:ext cx="18223984" cy="2705164"/>
           </a:xfrm>
           <a:prstGeom prst="rect">
             <a:avLst/>
@@ -5062,20 +6250,18 @@
           </a:bodyPr>
           <a:lstStyle/>
           <a:p>
-            <a:pPr algn="ctr" defTabSz="786384">
+            <a:pPr algn="ctr" defTabSz="1952277">
               <a:lnSpc>
                 <a:spcPct val="90000"/>
               </a:lnSpc>
               <a:spcAft>
-                <a:spcPts val="516"/>
+                <a:spcPts val="1281"/>
               </a:spcAft>
             </a:pPr>
             <a:r>
-              <a:rPr lang="en-US" sz="1800" kern="1200" dirty="0">
+              <a:rPr lang="en-US" sz="8000" dirty="0">
                 <a:solidFill>
-                  <a:schemeClr val="accent1">
-                    <a:lumMod val="75000"/>
-                  </a:schemeClr>
+                  <a:schemeClr val="bg1"/>
                 </a:solidFill>
                 <a:latin typeface="Aptos Narrow" panose="020B0004020202020204" pitchFamily="34" charset="0"/>
               </a:rPr>
@@ -5083,32 +6269,27 @@
             </a:r>
           </a:p>
           <a:p>
-            <a:pPr algn="ctr" defTabSz="786384">
+            <a:pPr algn="ctr" defTabSz="1952277">
               <a:lnSpc>
                 <a:spcPct val="90000"/>
               </a:lnSpc>
               <a:spcAft>
-                <a:spcPts val="516"/>
+                <a:spcPts val="1281"/>
               </a:spcAft>
             </a:pPr>
             <a:r>
-              <a:rPr lang="en-US" sz="2400" kern="1200" dirty="0">
+              <a:rPr lang="en-US" sz="9600" dirty="0">
                 <a:solidFill>
-                  <a:schemeClr val="accent1">
-                    <a:lumMod val="75000"/>
-                  </a:schemeClr>
+                  <a:schemeClr val="bg1"/>
                 </a:solidFill>
                 <a:latin typeface="Aptos Narrow" panose="020B0004020202020204" pitchFamily="34" charset="0"/>
               </a:rPr>
               <a:t>The maestro of in-vehicle software.</a:t>
             </a:r>
-            <a:endParaRPr lang="en-US" sz="3200" b="0" i="0" dirty="0">
+            <a:endParaRPr lang="en-US" sz="16600" dirty="0">
               <a:solidFill>
-                <a:schemeClr val="accent1">
-                  <a:lumMod val="75000"/>
-                </a:schemeClr>
+                <a:schemeClr val="bg1"/>
               </a:solidFill>
-              <a:effectLst/>
               <a:latin typeface="Aptos Narrow" panose="020B0004020202020204" pitchFamily="34" charset="0"/>
             </a:endParaRPr>
           </a:p>
@@ -5128,8 +6309,8 @@
         </p:nvSpPr>
         <p:spPr>
           <a:xfrm>
-            <a:off x="7392751" y="1553978"/>
-            <a:ext cx="2435097" cy="424732"/>
+            <a:off x="18303362" y="3231063"/>
+            <a:ext cx="11118245" cy="1695336"/>
           </a:xfrm>
           <a:prstGeom prst="rect">
             <a:avLst/>
@@ -5147,11 +6328,11 @@
                 <a:spcPct val="90000"/>
               </a:lnSpc>
               <a:spcAft>
-                <a:spcPts val="600"/>
+                <a:spcPts val="1490"/>
               </a:spcAft>
             </a:pPr>
             <a:r>
-              <a:rPr lang="en-US" sz="2400" dirty="0">
+              <a:rPr lang="en-US" sz="11500" dirty="0">
                 <a:solidFill>
                   <a:schemeClr val="accent1">
                     <a:lumMod val="75000"/>
@@ -5164,10 +6345,944 @@
           </a:p>
         </p:txBody>
       </p:sp>
+      <p:sp>
+        <p:nvSpPr>
+          <p:cNvPr id="26" name="TextBox 25">
+            <a:extLst>
+              <a:ext uri="{FF2B5EF4-FFF2-40B4-BE49-F238E27FC236}">
+                <a16:creationId xmlns:a16="http://schemas.microsoft.com/office/drawing/2014/main" id="{7AC59B5C-75ED-2DE6-D92B-53FE75018CE5}"/>
+              </a:ext>
+            </a:extLst>
+          </p:cNvPr>
+          <p:cNvSpPr txBox="1"/>
+          <p:nvPr/>
+        </p:nvSpPr>
+        <p:spPr>
+          <a:xfrm>
+            <a:off x="16433072" y="30819812"/>
+            <a:ext cx="2840144" cy="780085"/>
+          </a:xfrm>
+          <a:prstGeom prst="rect">
+            <a:avLst/>
+          </a:prstGeom>
+          <a:noFill/>
+        </p:spPr>
+        <p:txBody>
+          <a:bodyPr wrap="square">
+            <a:spAutoFit/>
+          </a:bodyPr>
+          <a:lstStyle/>
+          <a:p>
+            <a:pPr algn="ctr"/>
+            <a:r>
+              <a:rPr lang="en-US" sz="4469" dirty="0"/>
+              <a:t>🚗💻🎶</a:t>
+            </a:r>
+            <a:endParaRPr lang="en-US" sz="17137" dirty="0"/>
+          </a:p>
+        </p:txBody>
+      </p:sp>
+      <p:sp>
+        <p:nvSpPr>
+          <p:cNvPr id="27" name="TextBox 26">
+            <a:extLst>
+              <a:ext uri="{FF2B5EF4-FFF2-40B4-BE49-F238E27FC236}">
+                <a16:creationId xmlns:a16="http://schemas.microsoft.com/office/drawing/2014/main" id="{D74A770E-DDB7-C547-9DB2-90067D2C6739}"/>
+              </a:ext>
+            </a:extLst>
+          </p:cNvPr>
+          <p:cNvSpPr txBox="1"/>
+          <p:nvPr/>
+        </p:nvSpPr>
+        <p:spPr>
+          <a:xfrm>
+            <a:off x="19135993" y="30819812"/>
+            <a:ext cx="2840144" cy="780085"/>
+          </a:xfrm>
+          <a:prstGeom prst="rect">
+            <a:avLst/>
+          </a:prstGeom>
+          <a:noFill/>
+        </p:spPr>
+        <p:txBody>
+          <a:bodyPr wrap="square">
+            <a:spAutoFit/>
+          </a:bodyPr>
+          <a:lstStyle/>
+          <a:p>
+            <a:pPr algn="ctr"/>
+            <a:r>
+              <a:rPr lang="en-US" sz="4469" dirty="0"/>
+              <a:t>🚗💻🎶</a:t>
+            </a:r>
+            <a:endParaRPr lang="en-US" sz="17137" dirty="0"/>
+          </a:p>
+        </p:txBody>
+      </p:sp>
+      <p:sp>
+        <p:nvSpPr>
+          <p:cNvPr id="28" name="TextBox 27">
+            <a:extLst>
+              <a:ext uri="{FF2B5EF4-FFF2-40B4-BE49-F238E27FC236}">
+                <a16:creationId xmlns:a16="http://schemas.microsoft.com/office/drawing/2014/main" id="{B43D3C26-029F-3B56-ED36-5ADFD073F857}"/>
+              </a:ext>
+            </a:extLst>
+          </p:cNvPr>
+          <p:cNvSpPr txBox="1"/>
+          <p:nvPr/>
+        </p:nvSpPr>
+        <p:spPr>
+          <a:xfrm>
+            <a:off x="21838914" y="30819812"/>
+            <a:ext cx="2840144" cy="780085"/>
+          </a:xfrm>
+          <a:prstGeom prst="rect">
+            <a:avLst/>
+          </a:prstGeom>
+          <a:noFill/>
+        </p:spPr>
+        <p:txBody>
+          <a:bodyPr wrap="square">
+            <a:spAutoFit/>
+          </a:bodyPr>
+          <a:lstStyle/>
+          <a:p>
+            <a:pPr algn="ctr"/>
+            <a:r>
+              <a:rPr lang="en-US" sz="4469" dirty="0"/>
+              <a:t>🚗💻🎶</a:t>
+            </a:r>
+            <a:endParaRPr lang="en-US" sz="17137" dirty="0"/>
+          </a:p>
+        </p:txBody>
+      </p:sp>
+      <p:sp>
+        <p:nvSpPr>
+          <p:cNvPr id="29" name="TextBox 28">
+            <a:extLst>
+              <a:ext uri="{FF2B5EF4-FFF2-40B4-BE49-F238E27FC236}">
+                <a16:creationId xmlns:a16="http://schemas.microsoft.com/office/drawing/2014/main" id="{2DF5D6C5-153D-27CC-971B-2A270D12FF39}"/>
+              </a:ext>
+            </a:extLst>
+          </p:cNvPr>
+          <p:cNvSpPr txBox="1"/>
+          <p:nvPr/>
+        </p:nvSpPr>
+        <p:spPr>
+          <a:xfrm>
+            <a:off x="24541835" y="30819812"/>
+            <a:ext cx="2840144" cy="780085"/>
+          </a:xfrm>
+          <a:prstGeom prst="rect">
+            <a:avLst/>
+          </a:prstGeom>
+          <a:noFill/>
+        </p:spPr>
+        <p:txBody>
+          <a:bodyPr wrap="square">
+            <a:spAutoFit/>
+          </a:bodyPr>
+          <a:lstStyle/>
+          <a:p>
+            <a:pPr algn="ctr"/>
+            <a:r>
+              <a:rPr lang="en-US" sz="4469" dirty="0"/>
+              <a:t>🚗💻🎶</a:t>
+            </a:r>
+            <a:endParaRPr lang="en-US" sz="17137" dirty="0"/>
+          </a:p>
+        </p:txBody>
+      </p:sp>
+      <p:sp>
+        <p:nvSpPr>
+          <p:cNvPr id="30" name="TextBox 29">
+            <a:extLst>
+              <a:ext uri="{FF2B5EF4-FFF2-40B4-BE49-F238E27FC236}">
+                <a16:creationId xmlns:a16="http://schemas.microsoft.com/office/drawing/2014/main" id="{9B6738D3-AD12-DA55-8300-425F0242B746}"/>
+              </a:ext>
+            </a:extLst>
+          </p:cNvPr>
+          <p:cNvSpPr txBox="1"/>
+          <p:nvPr/>
+        </p:nvSpPr>
+        <p:spPr>
+          <a:xfrm>
+            <a:off x="27244755" y="30819812"/>
+            <a:ext cx="2840144" cy="780085"/>
+          </a:xfrm>
+          <a:prstGeom prst="rect">
+            <a:avLst/>
+          </a:prstGeom>
+          <a:noFill/>
+        </p:spPr>
+        <p:txBody>
+          <a:bodyPr wrap="square">
+            <a:spAutoFit/>
+          </a:bodyPr>
+          <a:lstStyle/>
+          <a:p>
+            <a:pPr algn="ctr"/>
+            <a:r>
+              <a:rPr lang="en-US" sz="4469" dirty="0"/>
+              <a:t>🚗💻🎶</a:t>
+            </a:r>
+            <a:endParaRPr lang="en-US" sz="17137" dirty="0"/>
+          </a:p>
+        </p:txBody>
+      </p:sp>
+      <p:pic>
+        <p:nvPicPr>
+          <p:cNvPr id="11" name="Picture 10" descr="A car surrounded by various electronics&#10;&#10;Description automatically generated">
+            <a:extLst>
+              <a:ext uri="{FF2B5EF4-FFF2-40B4-BE49-F238E27FC236}">
+                <a16:creationId xmlns:a16="http://schemas.microsoft.com/office/drawing/2014/main" id="{E35B8E74-FF88-D9A4-FF2F-A59F08444AC1}"/>
+              </a:ext>
+            </a:extLst>
+          </p:cNvPr>
+          <p:cNvPicPr>
+            <a:picLocks noChangeAspect="1"/>
+          </p:cNvPicPr>
+          <p:nvPr/>
+        </p:nvPicPr>
+        <p:blipFill>
+          <a:blip r:embed="rId4"/>
+          <a:stretch>
+            <a:fillRect/>
+          </a:stretch>
+        </p:blipFill>
+        <p:spPr>
+          <a:xfrm>
+            <a:off x="0" y="1"/>
+            <a:ext cx="17434559" cy="17434559"/>
+          </a:xfrm>
+          <a:prstGeom prst="rect">
+            <a:avLst/>
+          </a:prstGeom>
+        </p:spPr>
+      </p:pic>
+      <p:pic>
+        <p:nvPicPr>
+          <p:cNvPr id="17" name="Google Shape;210;p25">
+            <a:extLst>
+              <a:ext uri="{FF2B5EF4-FFF2-40B4-BE49-F238E27FC236}">
+                <a16:creationId xmlns:a16="http://schemas.microsoft.com/office/drawing/2014/main" id="{2247AC61-4E6D-9116-D075-147B47AEABFD}"/>
+              </a:ext>
+            </a:extLst>
+          </p:cNvPr>
+          <p:cNvPicPr preferRelativeResize="0"/>
+          <p:nvPr/>
+        </p:nvPicPr>
+        <p:blipFill>
+          <a:blip r:embed="rId5">
+            <a:alphaModFix/>
+          </a:blip>
+          <a:stretch>
+            <a:fillRect/>
+          </a:stretch>
+        </p:blipFill>
+        <p:spPr>
+          <a:xfrm>
+            <a:off x="26312782" y="545215"/>
+            <a:ext cx="3997523" cy="1217125"/>
+          </a:xfrm>
+          <a:prstGeom prst="rect">
+            <a:avLst/>
+          </a:prstGeom>
+          <a:noFill/>
+          <a:ln>
+            <a:noFill/>
+          </a:ln>
+        </p:spPr>
+      </p:pic>
+      <p:pic>
+        <p:nvPicPr>
+          <p:cNvPr id="18" name="Picture 17">
+            <a:extLst>
+              <a:ext uri="{FF2B5EF4-FFF2-40B4-BE49-F238E27FC236}">
+                <a16:creationId xmlns:a16="http://schemas.microsoft.com/office/drawing/2014/main" id="{589DC35F-3658-9738-721F-41038D284FC4}"/>
+              </a:ext>
+            </a:extLst>
+          </p:cNvPr>
+          <p:cNvPicPr>
+            <a:picLocks noChangeAspect="1"/>
+          </p:cNvPicPr>
+          <p:nvPr/>
+        </p:nvPicPr>
+        <p:blipFill>
+          <a:blip r:embed="rId6"/>
+          <a:stretch>
+            <a:fillRect/>
+          </a:stretch>
+        </p:blipFill>
+        <p:spPr>
+          <a:xfrm>
+            <a:off x="2837669" y="22584922"/>
+            <a:ext cx="11741914" cy="6480610"/>
+          </a:xfrm>
+          <a:prstGeom prst="rect">
+            <a:avLst/>
+          </a:prstGeom>
+        </p:spPr>
+      </p:pic>
+      <p:pic>
+        <p:nvPicPr>
+          <p:cNvPr id="19" name="Picture 18">
+            <a:extLst>
+              <a:ext uri="{FF2B5EF4-FFF2-40B4-BE49-F238E27FC236}">
+                <a16:creationId xmlns:a16="http://schemas.microsoft.com/office/drawing/2014/main" id="{4F3FF8B1-2A12-96E7-175A-BCB8B0B23892}"/>
+              </a:ext>
+            </a:extLst>
+          </p:cNvPr>
+          <p:cNvPicPr>
+            <a:picLocks noChangeAspect="1"/>
+          </p:cNvPicPr>
+          <p:nvPr/>
+        </p:nvPicPr>
+        <p:blipFill>
+          <a:blip r:embed="rId7"/>
+          <a:stretch>
+            <a:fillRect/>
+          </a:stretch>
+        </p:blipFill>
+        <p:spPr>
+          <a:xfrm>
+            <a:off x="15502841" y="22584922"/>
+            <a:ext cx="11741914" cy="6480610"/>
+          </a:xfrm>
+          <a:prstGeom prst="rect">
+            <a:avLst/>
+          </a:prstGeom>
+        </p:spPr>
+      </p:pic>
     </p:spTree>
     <p:extLst>
       <p:ext uri="{BB962C8B-B14F-4D97-AF65-F5344CB8AC3E}">
-        <p14:creationId xmlns:p14="http://schemas.microsoft.com/office/powerpoint/2010/main" val="936870642"/>
+        <p14:creationId xmlns:p14="http://schemas.microsoft.com/office/powerpoint/2010/main" val="2046522285"/>
+      </p:ext>
+    </p:extLst>
+  </p:cSld>
+  <p:clrMapOvr>
+    <a:masterClrMapping/>
+  </p:clrMapOvr>
+</p:sld>
+</file>
+
+<file path=ppt/slides/slide4.xml><?xml version="1.0" encoding="utf-8"?>
+<p:sld xmlns:a="http://schemas.openxmlformats.org/drawingml/2006/main" xmlns:r="http://schemas.openxmlformats.org/officeDocument/2006/relationships" xmlns:p="http://schemas.openxmlformats.org/presentationml/2006/main">
+  <p:cSld>
+    <p:bg>
+      <p:bgPr>
+        <a:solidFill>
+          <a:schemeClr val="bg1">
+            <a:alpha val="16000"/>
+          </a:schemeClr>
+        </a:solidFill>
+        <a:effectLst/>
+      </p:bgPr>
+    </p:bg>
+    <p:spTree>
+      <p:nvGrpSpPr>
+        <p:cNvPr id="1" name=""/>
+        <p:cNvGrpSpPr/>
+        <p:nvPr/>
+      </p:nvGrpSpPr>
+      <p:grpSpPr>
+        <a:xfrm>
+          <a:off x="0" y="0"/>
+          <a:ext cx="0" cy="0"/>
+          <a:chOff x="0" y="0"/>
+          <a:chExt cx="0" cy="0"/>
+        </a:xfrm>
+      </p:grpSpPr>
+      <p:sp>
+        <p:nvSpPr>
+          <p:cNvPr id="37" name="Rectangle 36">
+            <a:extLst>
+              <a:ext uri="{FF2B5EF4-FFF2-40B4-BE49-F238E27FC236}">
+                <a16:creationId xmlns:a16="http://schemas.microsoft.com/office/drawing/2014/main" id="{0547F8DA-4D2D-79A0-4569-4AE015C95BE7}"/>
+              </a:ext>
+            </a:extLst>
+          </p:cNvPr>
+          <p:cNvSpPr/>
+          <p:nvPr/>
+        </p:nvSpPr>
+        <p:spPr>
+          <a:xfrm>
+            <a:off x="-1" y="32308800"/>
+            <a:ext cx="30267276" cy="10618862"/>
+          </a:xfrm>
+          <a:prstGeom prst="rect">
+            <a:avLst/>
+          </a:prstGeom>
+          <a:gradFill flip="none" rotWithShape="1">
+            <a:gsLst>
+              <a:gs pos="0">
+                <a:srgbClr val="052943"/>
+              </a:gs>
+              <a:gs pos="23000">
+                <a:srgbClr val="22607A"/>
+              </a:gs>
+              <a:gs pos="69000">
+                <a:srgbClr val="6FA4B7"/>
+              </a:gs>
+              <a:gs pos="97000">
+                <a:schemeClr val="accent1">
+                  <a:lumMod val="70000"/>
+                </a:schemeClr>
+              </a:gs>
+            </a:gsLst>
+            <a:path path="rect">
+              <a:fillToRect r="100000" b="100000"/>
+            </a:path>
+            <a:tileRect l="-100000" t="-100000"/>
+          </a:gradFill>
+          <a:ln>
+            <a:noFill/>
+          </a:ln>
+        </p:spPr>
+        <p:style>
+          <a:lnRef idx="2">
+            <a:schemeClr val="accent1">
+              <a:shade val="15000"/>
+            </a:schemeClr>
+          </a:lnRef>
+          <a:fillRef idx="1">
+            <a:schemeClr val="accent1"/>
+          </a:fillRef>
+          <a:effectRef idx="0">
+            <a:schemeClr val="accent1"/>
+          </a:effectRef>
+          <a:fontRef idx="minor">
+            <a:schemeClr val="lt1"/>
+          </a:fontRef>
+        </p:style>
+        <p:txBody>
+          <a:bodyPr rtlCol="0" anchor="ctr"/>
+          <a:lstStyle/>
+          <a:p>
+            <a:pPr algn="ctr"/>
+            <a:endParaRPr lang="en-US"/>
+          </a:p>
+        </p:txBody>
+      </p:sp>
+      <p:sp>
+        <p:nvSpPr>
+          <p:cNvPr id="6" name="TextBox 5">
+            <a:extLst>
+              <a:ext uri="{FF2B5EF4-FFF2-40B4-BE49-F238E27FC236}">
+                <a16:creationId xmlns:a16="http://schemas.microsoft.com/office/drawing/2014/main" id="{E8646821-F95F-D4C2-D892-7987FE9901F8}"/>
+              </a:ext>
+            </a:extLst>
+          </p:cNvPr>
+          <p:cNvSpPr txBox="1"/>
+          <p:nvPr/>
+        </p:nvSpPr>
+        <p:spPr>
+          <a:xfrm>
+            <a:off x="18287998" y="5743622"/>
+            <a:ext cx="11118245" cy="11575245"/>
+          </a:xfrm>
+          <a:prstGeom prst="rect">
+            <a:avLst/>
+          </a:prstGeom>
+        </p:spPr>
+        <p:txBody>
+          <a:bodyPr vert="horz" lIns="227005" tIns="113502" rIns="227005" bIns="113502" rtlCol="0">
+            <a:normAutofit/>
+          </a:bodyPr>
+          <a:lstStyle/>
+          <a:p>
+            <a:pPr algn="just" defTabSz="1952277">
+              <a:lnSpc>
+                <a:spcPct val="90000"/>
+              </a:lnSpc>
+              <a:spcAft>
+                <a:spcPts val="1281"/>
+              </a:spcAft>
+            </a:pPr>
+            <a:r>
+              <a:rPr lang="en-US" sz="5400" dirty="0">
+                <a:latin typeface="Aptos Narrow" panose="020B0004020202020204" pitchFamily="34" charset="0"/>
+              </a:rPr>
+              <a:t>Imagine yourself as the </a:t>
+            </a:r>
+            <a:r>
+              <a:rPr lang="en-US" sz="5400" b="1" dirty="0">
+                <a:latin typeface="Aptos Narrow" panose="020B0004020202020204" pitchFamily="34" charset="0"/>
+              </a:rPr>
+              <a:t>maestro</a:t>
+            </a:r>
+            <a:r>
+              <a:rPr lang="en-US" sz="5400" dirty="0">
+                <a:latin typeface="Aptos Narrow" panose="020B0004020202020204" pitchFamily="34" charset="0"/>
+              </a:rPr>
+              <a:t>. You are not just writing code. You are composing a masterpiece that will drive the future of transportation. Your work will ensure that every component, from the engine control unit to the infotainment system, works in perfect harmony. </a:t>
+            </a:r>
+          </a:p>
+          <a:p>
+            <a:pPr algn="just" defTabSz="1952277">
+              <a:lnSpc>
+                <a:spcPct val="90000"/>
+              </a:lnSpc>
+              <a:spcAft>
+                <a:spcPts val="1281"/>
+              </a:spcAft>
+            </a:pPr>
+            <a:endParaRPr lang="en-US" sz="5400" dirty="0">
+              <a:latin typeface="Aptos Narrow" panose="020B0004020202020204" pitchFamily="34" charset="0"/>
+            </a:endParaRPr>
+          </a:p>
+          <a:p>
+            <a:pPr algn="just" defTabSz="1952277">
+              <a:lnSpc>
+                <a:spcPct val="90000"/>
+              </a:lnSpc>
+              <a:spcAft>
+                <a:spcPts val="1281"/>
+              </a:spcAft>
+            </a:pPr>
+            <a:r>
+              <a:rPr lang="en-US" sz="5400" dirty="0">
+                <a:latin typeface="Aptos Narrow" panose="020B0004020202020204" pitchFamily="34" charset="0"/>
+              </a:rPr>
+              <a:t>So, step up to the podium, take a deep breath, and let your creativity flow </a:t>
+            </a:r>
+            <a:r>
+              <a:rPr lang="en-US" sz="5400" dirty="0"/>
+              <a:t>🚗💻🎶</a:t>
+            </a:r>
+            <a:endParaRPr lang="en-US" sz="5400" dirty="0">
+              <a:latin typeface="Aptos Narrow" panose="020B0004020202020204" pitchFamily="34" charset="0"/>
+            </a:endParaRPr>
+          </a:p>
+          <a:p>
+            <a:pPr algn="just" defTabSz="1952277">
+              <a:lnSpc>
+                <a:spcPct val="90000"/>
+              </a:lnSpc>
+              <a:spcAft>
+                <a:spcPts val="1281"/>
+              </a:spcAft>
+            </a:pPr>
+            <a:endParaRPr lang="en-US" sz="5400" dirty="0">
+              <a:latin typeface="Aptos Narrow" panose="020B0004020202020204" pitchFamily="34" charset="0"/>
+            </a:endParaRPr>
+          </a:p>
+          <a:p>
+            <a:pPr algn="just" defTabSz="1952277">
+              <a:lnSpc>
+                <a:spcPct val="90000"/>
+              </a:lnSpc>
+              <a:spcAft>
+                <a:spcPts val="1281"/>
+              </a:spcAft>
+            </a:pPr>
+            <a:endParaRPr lang="en-US" sz="5400" dirty="0">
+              <a:latin typeface="Aptos Narrow" panose="020B0004020202020204" pitchFamily="34" charset="0"/>
+            </a:endParaRPr>
+          </a:p>
+          <a:p>
+            <a:pPr algn="just" defTabSz="1952277">
+              <a:lnSpc>
+                <a:spcPct val="90000"/>
+              </a:lnSpc>
+              <a:spcAft>
+                <a:spcPts val="1281"/>
+              </a:spcAft>
+            </a:pPr>
+            <a:endParaRPr lang="en-US" sz="5400" dirty="0">
+              <a:latin typeface="Aptos Narrow" panose="020B0004020202020204" pitchFamily="34" charset="0"/>
+            </a:endParaRPr>
+          </a:p>
+        </p:txBody>
+      </p:sp>
+      <p:pic>
+        <p:nvPicPr>
+          <p:cNvPr id="8" name="Picture 7" descr="A qr code on a white background&#10;&#10;Description automatically generated">
+            <a:extLst>
+              <a:ext uri="{FF2B5EF4-FFF2-40B4-BE49-F238E27FC236}">
+                <a16:creationId xmlns:a16="http://schemas.microsoft.com/office/drawing/2014/main" id="{D92B762C-CE2A-0E9B-B7CD-94E1ED6BA8DE}"/>
+              </a:ext>
+            </a:extLst>
+          </p:cNvPr>
+          <p:cNvPicPr>
+            <a:picLocks noChangeAspect="1"/>
+          </p:cNvPicPr>
+          <p:nvPr/>
+        </p:nvPicPr>
+        <p:blipFill>
+          <a:blip r:embed="rId2"/>
+          <a:stretch>
+            <a:fillRect/>
+          </a:stretch>
+        </p:blipFill>
+        <p:spPr>
+          <a:xfrm>
+            <a:off x="1676740" y="33931752"/>
+            <a:ext cx="7302674" cy="7302678"/>
+          </a:xfrm>
+          <a:prstGeom prst="rect">
+            <a:avLst/>
+          </a:prstGeom>
+        </p:spPr>
+      </p:pic>
+      <p:sp>
+        <p:nvSpPr>
+          <p:cNvPr id="10" name="TextBox 9">
+            <a:extLst>
+              <a:ext uri="{FF2B5EF4-FFF2-40B4-BE49-F238E27FC236}">
+                <a16:creationId xmlns:a16="http://schemas.microsoft.com/office/drawing/2014/main" id="{E6CEDA64-5899-3A26-2601-DBD34B662481}"/>
+              </a:ext>
+            </a:extLst>
+          </p:cNvPr>
+          <p:cNvSpPr txBox="1"/>
+          <p:nvPr/>
+        </p:nvSpPr>
+        <p:spPr>
+          <a:xfrm>
+            <a:off x="11015418" y="37796937"/>
+            <a:ext cx="16478870" cy="1200329"/>
+          </a:xfrm>
+          <a:prstGeom prst="rect">
+            <a:avLst/>
+          </a:prstGeom>
+          <a:noFill/>
+        </p:spPr>
+        <p:txBody>
+          <a:bodyPr wrap="none" rtlCol="0">
+            <a:spAutoFit/>
+          </a:bodyPr>
+          <a:lstStyle/>
+          <a:p>
+            <a:pPr defTabSz="1952277">
+              <a:spcAft>
+                <a:spcPts val="1490"/>
+              </a:spcAft>
+            </a:pPr>
+            <a:r>
+              <a:rPr lang="en-US" sz="7200" dirty="0">
+                <a:solidFill>
+                  <a:schemeClr val="bg1"/>
+                </a:solidFill>
+                <a:hlinkClick r:id="rId3">
+                  <a:extLst>
+                    <a:ext uri="{A12FA001-AC4F-418D-AE19-62706E023703}">
+                      <ahyp:hlinkClr xmlns:ahyp="http://schemas.microsoft.com/office/drawing/2018/hyperlinkcolor" val="tx"/>
+                    </a:ext>
+                  </a:extLst>
+                </a:hlinkClick>
+              </a:rPr>
+              <a:t>Eclipse SDV Hackathon / Maestro Challenge</a:t>
+            </a:r>
+            <a:endParaRPr lang="en-US" sz="61300" dirty="0">
+              <a:solidFill>
+                <a:schemeClr val="bg1"/>
+              </a:solidFill>
+            </a:endParaRPr>
+          </a:p>
+        </p:txBody>
+      </p:sp>
+      <p:sp>
+        <p:nvSpPr>
+          <p:cNvPr id="21" name="TextBox 20">
+            <a:extLst>
+              <a:ext uri="{FF2B5EF4-FFF2-40B4-BE49-F238E27FC236}">
+                <a16:creationId xmlns:a16="http://schemas.microsoft.com/office/drawing/2014/main" id="{475C1B1B-E03D-12E1-7B6E-19D0A8F518D1}"/>
+              </a:ext>
+            </a:extLst>
+          </p:cNvPr>
+          <p:cNvSpPr txBox="1"/>
+          <p:nvPr/>
+        </p:nvSpPr>
+        <p:spPr>
+          <a:xfrm>
+            <a:off x="10087560" y="34101598"/>
+            <a:ext cx="18223984" cy="2705164"/>
+          </a:xfrm>
+          <a:prstGeom prst="rect">
+            <a:avLst/>
+          </a:prstGeom>
+          <a:noFill/>
+        </p:spPr>
+        <p:txBody>
+          <a:bodyPr wrap="square">
+            <a:spAutoFit/>
+          </a:bodyPr>
+          <a:lstStyle/>
+          <a:p>
+            <a:pPr algn="ctr" defTabSz="1952277">
+              <a:lnSpc>
+                <a:spcPct val="90000"/>
+              </a:lnSpc>
+              <a:spcAft>
+                <a:spcPts val="1281"/>
+              </a:spcAft>
+            </a:pPr>
+            <a:r>
+              <a:rPr lang="en-US" sz="8000" dirty="0">
+                <a:solidFill>
+                  <a:schemeClr val="bg1"/>
+                </a:solidFill>
+                <a:latin typeface="Aptos Narrow" panose="020B0004020202020204" pitchFamily="34" charset="0"/>
+              </a:rPr>
+              <a:t>The stage is set for you to become… </a:t>
+            </a:r>
+          </a:p>
+          <a:p>
+            <a:pPr algn="ctr" defTabSz="1952277">
+              <a:lnSpc>
+                <a:spcPct val="90000"/>
+              </a:lnSpc>
+              <a:spcAft>
+                <a:spcPts val="1281"/>
+              </a:spcAft>
+            </a:pPr>
+            <a:r>
+              <a:rPr lang="en-US" sz="9600" dirty="0">
+                <a:solidFill>
+                  <a:schemeClr val="bg1"/>
+                </a:solidFill>
+                <a:latin typeface="Aptos Narrow" panose="020B0004020202020204" pitchFamily="34" charset="0"/>
+              </a:rPr>
+              <a:t>The maestro of in-vehicle software.</a:t>
+            </a:r>
+            <a:endParaRPr lang="en-US" sz="16600" dirty="0">
+              <a:solidFill>
+                <a:schemeClr val="bg1"/>
+              </a:solidFill>
+              <a:latin typeface="Aptos Narrow" panose="020B0004020202020204" pitchFamily="34" charset="0"/>
+            </a:endParaRPr>
+          </a:p>
+        </p:txBody>
+      </p:sp>
+      <p:sp>
+        <p:nvSpPr>
+          <p:cNvPr id="24" name="TextBox 23">
+            <a:extLst>
+              <a:ext uri="{FF2B5EF4-FFF2-40B4-BE49-F238E27FC236}">
+                <a16:creationId xmlns:a16="http://schemas.microsoft.com/office/drawing/2014/main" id="{7B06C81F-D7C7-17AC-D5FF-FDB9BE91FB4D}"/>
+              </a:ext>
+            </a:extLst>
+          </p:cNvPr>
+          <p:cNvSpPr txBox="1"/>
+          <p:nvPr/>
+        </p:nvSpPr>
+        <p:spPr>
+          <a:xfrm>
+            <a:off x="18181442" y="3231063"/>
+            <a:ext cx="11118245" cy="1695336"/>
+          </a:xfrm>
+          <a:prstGeom prst="rect">
+            <a:avLst/>
+          </a:prstGeom>
+          <a:noFill/>
+        </p:spPr>
+        <p:txBody>
+          <a:bodyPr wrap="square">
+            <a:spAutoFit/>
+          </a:bodyPr>
+          <a:lstStyle/>
+          <a:p>
+            <a:pPr algn="ctr">
+              <a:lnSpc>
+                <a:spcPct val="90000"/>
+              </a:lnSpc>
+              <a:spcAft>
+                <a:spcPts val="1490"/>
+              </a:spcAft>
+            </a:pPr>
+            <a:r>
+              <a:rPr lang="en-US" sz="11500" dirty="0">
+                <a:solidFill>
+                  <a:schemeClr val="accent1">
+                    <a:lumMod val="75000"/>
+                  </a:schemeClr>
+                </a:solidFill>
+                <a:latin typeface="Aptos Narrow" panose="020B0004020202020204" pitchFamily="34" charset="0"/>
+              </a:rPr>
+              <a:t>The time is now!</a:t>
+            </a:r>
+          </a:p>
+        </p:txBody>
+      </p:sp>
+      <p:pic>
+        <p:nvPicPr>
+          <p:cNvPr id="11" name="Picture 10" descr="A car surrounded by various electronics&#10;&#10;Description automatically generated">
+            <a:extLst>
+              <a:ext uri="{FF2B5EF4-FFF2-40B4-BE49-F238E27FC236}">
+                <a16:creationId xmlns:a16="http://schemas.microsoft.com/office/drawing/2014/main" id="{E35B8E74-FF88-D9A4-FF2F-A59F08444AC1}"/>
+              </a:ext>
+            </a:extLst>
+          </p:cNvPr>
+          <p:cNvPicPr>
+            <a:picLocks noChangeAspect="1"/>
+          </p:cNvPicPr>
+          <p:nvPr/>
+        </p:nvPicPr>
+        <p:blipFill>
+          <a:blip r:embed="rId4"/>
+          <a:stretch>
+            <a:fillRect/>
+          </a:stretch>
+        </p:blipFill>
+        <p:spPr>
+          <a:xfrm>
+            <a:off x="0" y="1"/>
+            <a:ext cx="17434559" cy="17434559"/>
+          </a:xfrm>
+          <a:prstGeom prst="rect">
+            <a:avLst/>
+          </a:prstGeom>
+        </p:spPr>
+      </p:pic>
+      <p:pic>
+        <p:nvPicPr>
+          <p:cNvPr id="17" name="Google Shape;210;p25">
+            <a:extLst>
+              <a:ext uri="{FF2B5EF4-FFF2-40B4-BE49-F238E27FC236}">
+                <a16:creationId xmlns:a16="http://schemas.microsoft.com/office/drawing/2014/main" id="{2247AC61-4E6D-9116-D075-147B47AEABFD}"/>
+              </a:ext>
+            </a:extLst>
+          </p:cNvPr>
+          <p:cNvPicPr preferRelativeResize="0"/>
+          <p:nvPr/>
+        </p:nvPicPr>
+        <p:blipFill>
+          <a:blip r:embed="rId5">
+            <a:alphaModFix/>
+          </a:blip>
+          <a:stretch>
+            <a:fillRect/>
+          </a:stretch>
+        </p:blipFill>
+        <p:spPr>
+          <a:xfrm>
+            <a:off x="26312782" y="545215"/>
+            <a:ext cx="3997523" cy="1217125"/>
+          </a:xfrm>
+          <a:prstGeom prst="rect">
+            <a:avLst/>
+          </a:prstGeom>
+          <a:noFill/>
+          <a:ln>
+            <a:noFill/>
+          </a:ln>
+        </p:spPr>
+      </p:pic>
+      <p:sp>
+        <p:nvSpPr>
+          <p:cNvPr id="5" name="TextBox 4">
+            <a:extLst>
+              <a:ext uri="{FF2B5EF4-FFF2-40B4-BE49-F238E27FC236}">
+                <a16:creationId xmlns:a16="http://schemas.microsoft.com/office/drawing/2014/main" id="{1CDCAA5E-4011-8057-A837-91DC72015470}"/>
+              </a:ext>
+            </a:extLst>
+          </p:cNvPr>
+          <p:cNvSpPr txBox="1"/>
+          <p:nvPr/>
+        </p:nvSpPr>
+        <p:spPr>
+          <a:xfrm>
+            <a:off x="4311735" y="19719313"/>
+            <a:ext cx="22372320" cy="2315506"/>
+          </a:xfrm>
+          <a:prstGeom prst="rect">
+            <a:avLst/>
+          </a:prstGeom>
+          <a:noFill/>
+        </p:spPr>
+        <p:txBody>
+          <a:bodyPr wrap="square">
+            <a:spAutoFit/>
+          </a:bodyPr>
+          <a:lstStyle/>
+          <a:p>
+            <a:pPr algn="ctr">
+              <a:lnSpc>
+                <a:spcPct val="90000"/>
+              </a:lnSpc>
+              <a:spcAft>
+                <a:spcPts val="1490"/>
+              </a:spcAft>
+            </a:pPr>
+            <a:r>
+              <a:rPr lang="en-US" sz="8000" b="1" dirty="0">
+                <a:solidFill>
+                  <a:schemeClr val="accent1">
+                    <a:lumMod val="75000"/>
+                  </a:schemeClr>
+                </a:solidFill>
+                <a:latin typeface="Aptos Narrow" panose="020B0004020202020204" pitchFamily="34" charset="0"/>
+              </a:rPr>
+              <a:t>Do you want to be the maestro of the next generation of vehicle software? </a:t>
+            </a:r>
+          </a:p>
+        </p:txBody>
+      </p:sp>
+      <p:pic>
+        <p:nvPicPr>
+          <p:cNvPr id="20" name="Picture 19">
+            <a:extLst>
+              <a:ext uri="{FF2B5EF4-FFF2-40B4-BE49-F238E27FC236}">
+                <a16:creationId xmlns:a16="http://schemas.microsoft.com/office/drawing/2014/main" id="{EA59A58B-2248-4C60-6214-8B5152B7BDDF}"/>
+              </a:ext>
+            </a:extLst>
+          </p:cNvPr>
+          <p:cNvPicPr>
+            <a:picLocks noChangeAspect="1"/>
+          </p:cNvPicPr>
+          <p:nvPr/>
+        </p:nvPicPr>
+        <p:blipFill>
+          <a:blip r:embed="rId6"/>
+          <a:stretch>
+            <a:fillRect/>
+          </a:stretch>
+        </p:blipFill>
+        <p:spPr>
+          <a:xfrm>
+            <a:off x="2837669" y="23006950"/>
+            <a:ext cx="11741914" cy="6480610"/>
+          </a:xfrm>
+          <a:prstGeom prst="rect">
+            <a:avLst/>
+          </a:prstGeom>
+        </p:spPr>
+      </p:pic>
+      <p:pic>
+        <p:nvPicPr>
+          <p:cNvPr id="22" name="Picture 21">
+            <a:extLst>
+              <a:ext uri="{FF2B5EF4-FFF2-40B4-BE49-F238E27FC236}">
+                <a16:creationId xmlns:a16="http://schemas.microsoft.com/office/drawing/2014/main" id="{7F55FA0E-EC27-B4A9-B896-781AC995BECD}"/>
+              </a:ext>
+            </a:extLst>
+          </p:cNvPr>
+          <p:cNvPicPr>
+            <a:picLocks noChangeAspect="1"/>
+          </p:cNvPicPr>
+          <p:nvPr/>
+        </p:nvPicPr>
+        <p:blipFill>
+          <a:blip r:embed="rId7"/>
+          <a:stretch>
+            <a:fillRect/>
+          </a:stretch>
+        </p:blipFill>
+        <p:spPr>
+          <a:xfrm>
+            <a:off x="15502841" y="23006950"/>
+            <a:ext cx="11741914" cy="6480610"/>
+          </a:xfrm>
+          <a:prstGeom prst="rect">
+            <a:avLst/>
+          </a:prstGeom>
+        </p:spPr>
+      </p:pic>
+    </p:spTree>
+    <p:extLst>
+      <p:ext uri="{BB962C8B-B14F-4D97-AF65-F5344CB8AC3E}">
+        <p14:creationId xmlns:p14="http://schemas.microsoft.com/office/powerpoint/2010/main" val="1016586463"/>
       </p:ext>
     </p:extLst>
   </p:cSld>
@@ -5178,9 +7293,9 @@
 </file>
 
 <file path=ppt/theme/theme1.xml><?xml version="1.0" encoding="utf-8"?>
-<a:theme xmlns:a="http://schemas.openxmlformats.org/drawingml/2006/main" name="Office Theme">
+<a:theme xmlns:a="http://schemas.openxmlformats.org/drawingml/2006/main" name="Office 2013 - 2022 Theme">
   <a:themeElements>
-    <a:clrScheme name="Office">
+    <a:clrScheme name="Office 2013 - 2022 Theme">
       <a:dk1>
         <a:sysClr val="windowText" lastClr="000000"/>
       </a:dk1>
@@ -5218,7 +7333,7 @@
         <a:srgbClr val="954F72"/>
       </a:folHlink>
     </a:clrScheme>
-    <a:fontScheme name="Office">
+    <a:fontScheme name="Office 2013 - 2022 Theme">
       <a:majorFont>
         <a:latin typeface="Calibri Light" panose="020F0302020204030204"/>
         <a:ea typeface=""/>
@@ -5253,23 +7368,6 @@
         <a:font script="Viet" typeface="Times New Roman"/>
         <a:font script="Uigh" typeface="Microsoft Uighur"/>
         <a:font script="Geor" typeface="Sylfaen"/>
-        <a:font script="Armn" typeface="Arial"/>
-        <a:font script="Bugi" typeface="Leelawadee UI"/>
-        <a:font script="Bopo" typeface="Microsoft JhengHei"/>
-        <a:font script="Java" typeface="Javanese Text"/>
-        <a:font script="Lisu" typeface="Segoe UI"/>
-        <a:font script="Mymr" typeface="Myanmar Text"/>
-        <a:font script="Nkoo" typeface="Ebrima"/>
-        <a:font script="Olck" typeface="Nirmala UI"/>
-        <a:font script="Osma" typeface="Ebrima"/>
-        <a:font script="Phag" typeface="Phagspa"/>
-        <a:font script="Syrn" typeface="Estrangelo Edessa"/>
-        <a:font script="Syrj" typeface="Estrangelo Edessa"/>
-        <a:font script="Syre" typeface="Estrangelo Edessa"/>
-        <a:font script="Sora" typeface="Nirmala UI"/>
-        <a:font script="Tale" typeface="Microsoft Tai Le"/>
-        <a:font script="Talu" typeface="Microsoft New Tai Lue"/>
-        <a:font script="Tfng" typeface="Ebrima"/>
       </a:majorFont>
       <a:minorFont>
         <a:latin typeface="Calibri" panose="020F0502020204030204"/>
@@ -5305,26 +7403,9 @@
         <a:font script="Viet" typeface="Arial"/>
         <a:font script="Uigh" typeface="Microsoft Uighur"/>
         <a:font script="Geor" typeface="Sylfaen"/>
-        <a:font script="Armn" typeface="Arial"/>
-        <a:font script="Bugi" typeface="Leelawadee UI"/>
-        <a:font script="Bopo" typeface="Microsoft JhengHei"/>
-        <a:font script="Java" typeface="Javanese Text"/>
-        <a:font script="Lisu" typeface="Segoe UI"/>
-        <a:font script="Mymr" typeface="Myanmar Text"/>
-        <a:font script="Nkoo" typeface="Ebrima"/>
-        <a:font script="Olck" typeface="Nirmala UI"/>
-        <a:font script="Osma" typeface="Ebrima"/>
-        <a:font script="Phag" typeface="Phagspa"/>
-        <a:font script="Syrn" typeface="Estrangelo Edessa"/>
-        <a:font script="Syrj" typeface="Estrangelo Edessa"/>
-        <a:font script="Syre" typeface="Estrangelo Edessa"/>
-        <a:font script="Sora" typeface="Nirmala UI"/>
-        <a:font script="Tale" typeface="Microsoft Tai Le"/>
-        <a:font script="Talu" typeface="Microsoft New Tai Lue"/>
-        <a:font script="Tfng" typeface="Ebrima"/>
       </a:minorFont>
     </a:fontScheme>
-    <a:fmtScheme name="Office">
+    <a:fmtScheme name="Office 2013 - 2022 Theme">
       <a:fillStyleLst>
         <a:solidFill>
           <a:schemeClr val="phClr"/>
@@ -5466,7 +7547,7 @@
   <a:extraClrSchemeLst/>
   <a:extLst>
     <a:ext uri="{05A4C25C-085E-4340-85A3-A5531E510DB2}">
-      <thm15:themeFamily xmlns:thm15="http://schemas.microsoft.com/office/thememl/2012/main" name="Office Theme" id="{62F939B6-93AF-4DB8-9C6B-D6C7DFDC589F}" vid="{4A3C46E8-61CC-4603-A589-7422A47A8E4A}"/>
+      <thm15:themeFamily xmlns:thm15="http://schemas.microsoft.com/office/thememl/2012/main" name="Office 2013 - 2022 Theme" id="{62F939B6-93AF-4DB8-9C6B-D6C7DFDC589F}" vid="{4A3C46E8-61CC-4603-A589-7422A47A8E4A}"/>
     </a:ext>
   </a:extLst>
 </a:theme>
